--- a/4/printer components.pptx
+++ b/4/printer components.pptx
@@ -9516,7 +9516,7 @@
             </a:pPr>
             <a:r>
               <a:rPr lang="en-GB"/>
-              <a:t>title</a:t>
+              <a:t>Printer Components</a:t>
             </a:r>
             <a:endParaRPr/>
           </a:p>
@@ -9662,7 +9662,7 @@
             </a:pPr>
             <a:r>
               <a:rPr lang="en-GB"/>
-              <a:t>Print out a sheet of PrinterComponents.pdf, or download it to something I can check off tick boxes (iPad, your laptop on Paint.net, etc.)</a:t>
+              <a:t>Print out a sheet of PrinterComponentsWorksheet.pdf, or download it to something I can check off tick boxes (iPad, your laptop on Paint.net, etc.)</a:t>
             </a:r>
             <a:endParaRPr/>
           </a:p>
@@ -10203,7 +10203,27 @@
             </a:pPr>
             <a:r>
               <a:rPr lang="en-GB"/>
-              <a:t>Just Google it </a:t>
+              <a:t>Just Google it</a:t>
+            </a:r>
+            <a:endParaRPr/>
+          </a:p>
+          <a:p>
+            <a:pPr indent="-311150" lvl="0" marL="457200" marR="0" rtl="0" algn="l">
+              <a:lnSpc>
+                <a:spcPct val="115000"/>
+              </a:lnSpc>
+              <a:spcBef>
+                <a:spcPts val="0"/>
+              </a:spcBef>
+              <a:spcAft>
+                <a:spcPts val="0"/>
+              </a:spcAft>
+              <a:buSzPts val="1300"/>
+              <a:buChar char="●"/>
+            </a:pPr>
+            <a:r>
+              <a:rPr lang="en-GB"/>
+              <a:t>Don’t look at the answer key (duh) </a:t>
             </a:r>
             <a:endParaRPr/>
           </a:p>

--- a/4/printer components.pptx
+++ b/4/printer components.pptx
@@ -1,34 +1,41 @@
 
 <file path=ppt/presentation.xml><?xml version="1.0" encoding="utf-8"?>
-<p:presentation xmlns:a="http://schemas.openxmlformats.org/drawingml/2006/main" xmlns:r="http://schemas.openxmlformats.org/officeDocument/2006/relationships" xmlns:mc="http://schemas.openxmlformats.org/markup-compatibility/2006" xmlns:mv="urn:schemas-microsoft-com:mac:vml" xmlns:p="http://schemas.openxmlformats.org/presentationml/2006/main" xmlns:c="http://schemas.openxmlformats.org/drawingml/2006/chart" xmlns:dgm="http://schemas.openxmlformats.org/drawingml/2006/diagram" xmlns:o="urn:schemas-microsoft-com:office:office" xmlns:v="urn:schemas-microsoft-com:vml" xmlns:pvml="urn:schemas-microsoft-com:office:powerpoint" xmlns:com="http://schemas.openxmlformats.org/drawingml/2006/compatibility" xmlns:p14="http://schemas.microsoft.com/office/powerpoint/2010/main" xmlns:p15="http://schemas.microsoft.com/office/powerpoint/2012/main" autoCompressPictures="0" embedTrueTypeFonts="1" strictFirstAndLastChars="0" saveSubsetFonts="1">
+<p:presentation xmlns:a="http://schemas.openxmlformats.org/drawingml/2006/main" xmlns:r="http://schemas.openxmlformats.org/officeDocument/2006/relationships" xmlns:p="http://schemas.openxmlformats.org/presentationml/2006/main" strictFirstAndLastChars="0" embedTrueTypeFonts="1" saveSubsetFonts="1" autoCompressPictures="0">
   <p:sldMasterIdLst>
-    <p:sldMasterId id="2147483659" r:id="rId4"/>
+    <p:sldMasterId id="2147483659" r:id="rId1"/>
   </p:sldMasterIdLst>
   <p:notesMasterIdLst>
-    <p:notesMasterId r:id="rId5"/>
+    <p:notesMasterId r:id="rId9"/>
   </p:notesMasterIdLst>
   <p:sldIdLst>
-    <p:sldId id="256" r:id="rId6"/>
-    <p:sldId id="257" r:id="rId7"/>
-    <p:sldId id="258" r:id="rId8"/>
-    <p:sldId id="259" r:id="rId9"/>
-    <p:sldId id="260" r:id="rId10"/>
-    <p:sldId id="261" r:id="rId11"/>
-    <p:sldId id="262" r:id="rId12"/>
+    <p:sldId id="256" r:id="rId2"/>
+    <p:sldId id="257" r:id="rId3"/>
+    <p:sldId id="258" r:id="rId4"/>
+    <p:sldId id="259" r:id="rId5"/>
+    <p:sldId id="261" r:id="rId6"/>
+    <p:sldId id="263" r:id="rId7"/>
+    <p:sldId id="262" r:id="rId8"/>
   </p:sldIdLst>
-  <p:sldSz cy="5143500" cx="9144000"/>
+  <p:sldSz cx="9144000" cy="5143500" type="screen16x9"/>
   <p:notesSz cx="6858000" cy="9144000"/>
   <p:embeddedFontLst>
     <p:embeddedFont>
-      <p:font typeface="Nunito"/>
-      <p:regular r:id="rId13"/>
-      <p:bold r:id="rId14"/>
-      <p:italic r:id="rId15"/>
-      <p:boldItalic r:id="rId16"/>
+      <p:font typeface="Calibri" panose="020F0502020204030204" pitchFamily="34" charset="0"/>
+      <p:regular r:id="rId10"/>
+      <p:bold r:id="rId11"/>
+      <p:italic r:id="rId12"/>
+      <p:boldItalic r:id="rId13"/>
+    </p:embeddedFont>
+    <p:embeddedFont>
+      <p:font typeface="Nunito" pitchFamily="2" charset="0"/>
+      <p:regular r:id="rId14"/>
+      <p:bold r:id="rId15"/>
+      <p:italic r:id="rId16"/>
+      <p:boldItalic r:id="rId17"/>
     </p:embeddedFont>
   </p:embeddedFontLst>
   <p:defaultTextStyle>
-    <a:defPPr lvl="0" marR="0" rtl="0" algn="l">
+    <a:defPPr marR="0" lvl="0" algn="l" rtl="0">
       <a:lnSpc>
         <a:spcPct val="100000"/>
       </a:lnSpc>
@@ -39,7 +46,7 @@
         <a:spcPts val="0"/>
       </a:spcAft>
     </a:defPPr>
-    <a:lvl1pPr lvl="0" marR="0" rtl="0" algn="l">
+    <a:lvl1pPr marR="0" lvl="0" algn="l" rtl="0">
       <a:lnSpc>
         <a:spcPct val="100000"/>
       </a:lnSpc>
@@ -53,7 +60,7 @@
         <a:srgbClr val="000000"/>
       </a:buClr>
       <a:buFont typeface="Arial"/>
-      <a:defRPr b="0" i="0" sz="1400" u="none" cap="none" strike="noStrike">
+      <a:defRPr sz="1400" b="0" i="0" u="none" strike="noStrike" cap="none">
         <a:solidFill>
           <a:srgbClr val="000000"/>
         </a:solidFill>
@@ -63,7 +70,7 @@
         <a:sym typeface="Arial"/>
       </a:defRPr>
     </a:lvl1pPr>
-    <a:lvl2pPr lvl="1" marR="0" rtl="0" algn="l">
+    <a:lvl2pPr marR="0" lvl="1" algn="l" rtl="0">
       <a:lnSpc>
         <a:spcPct val="100000"/>
       </a:lnSpc>
@@ -77,7 +84,7 @@
         <a:srgbClr val="000000"/>
       </a:buClr>
       <a:buFont typeface="Arial"/>
-      <a:defRPr b="0" i="0" sz="1400" u="none" cap="none" strike="noStrike">
+      <a:defRPr sz="1400" b="0" i="0" u="none" strike="noStrike" cap="none">
         <a:solidFill>
           <a:srgbClr val="000000"/>
         </a:solidFill>
@@ -87,7 +94,7 @@
         <a:sym typeface="Arial"/>
       </a:defRPr>
     </a:lvl2pPr>
-    <a:lvl3pPr lvl="2" marR="0" rtl="0" algn="l">
+    <a:lvl3pPr marR="0" lvl="2" algn="l" rtl="0">
       <a:lnSpc>
         <a:spcPct val="100000"/>
       </a:lnSpc>
@@ -101,7 +108,7 @@
         <a:srgbClr val="000000"/>
       </a:buClr>
       <a:buFont typeface="Arial"/>
-      <a:defRPr b="0" i="0" sz="1400" u="none" cap="none" strike="noStrike">
+      <a:defRPr sz="1400" b="0" i="0" u="none" strike="noStrike" cap="none">
         <a:solidFill>
           <a:srgbClr val="000000"/>
         </a:solidFill>
@@ -111,7 +118,7 @@
         <a:sym typeface="Arial"/>
       </a:defRPr>
     </a:lvl3pPr>
-    <a:lvl4pPr lvl="3" marR="0" rtl="0" algn="l">
+    <a:lvl4pPr marR="0" lvl="3" algn="l" rtl="0">
       <a:lnSpc>
         <a:spcPct val="100000"/>
       </a:lnSpc>
@@ -125,7 +132,7 @@
         <a:srgbClr val="000000"/>
       </a:buClr>
       <a:buFont typeface="Arial"/>
-      <a:defRPr b="0" i="0" sz="1400" u="none" cap="none" strike="noStrike">
+      <a:defRPr sz="1400" b="0" i="0" u="none" strike="noStrike" cap="none">
         <a:solidFill>
           <a:srgbClr val="000000"/>
         </a:solidFill>
@@ -135,7 +142,7 @@
         <a:sym typeface="Arial"/>
       </a:defRPr>
     </a:lvl4pPr>
-    <a:lvl5pPr lvl="4" marR="0" rtl="0" algn="l">
+    <a:lvl5pPr marR="0" lvl="4" algn="l" rtl="0">
       <a:lnSpc>
         <a:spcPct val="100000"/>
       </a:lnSpc>
@@ -149,7 +156,7 @@
         <a:srgbClr val="000000"/>
       </a:buClr>
       <a:buFont typeface="Arial"/>
-      <a:defRPr b="0" i="0" sz="1400" u="none" cap="none" strike="noStrike">
+      <a:defRPr sz="1400" b="0" i="0" u="none" strike="noStrike" cap="none">
         <a:solidFill>
           <a:srgbClr val="000000"/>
         </a:solidFill>
@@ -159,7 +166,7 @@
         <a:sym typeface="Arial"/>
       </a:defRPr>
     </a:lvl5pPr>
-    <a:lvl6pPr lvl="5" marR="0" rtl="0" algn="l">
+    <a:lvl6pPr marR="0" lvl="5" algn="l" rtl="0">
       <a:lnSpc>
         <a:spcPct val="100000"/>
       </a:lnSpc>
@@ -173,7 +180,7 @@
         <a:srgbClr val="000000"/>
       </a:buClr>
       <a:buFont typeface="Arial"/>
-      <a:defRPr b="0" i="0" sz="1400" u="none" cap="none" strike="noStrike">
+      <a:defRPr sz="1400" b="0" i="0" u="none" strike="noStrike" cap="none">
         <a:solidFill>
           <a:srgbClr val="000000"/>
         </a:solidFill>
@@ -183,7 +190,7 @@
         <a:sym typeface="Arial"/>
       </a:defRPr>
     </a:lvl6pPr>
-    <a:lvl7pPr lvl="6" marR="0" rtl="0" algn="l">
+    <a:lvl7pPr marR="0" lvl="6" algn="l" rtl="0">
       <a:lnSpc>
         <a:spcPct val="100000"/>
       </a:lnSpc>
@@ -197,7 +204,7 @@
         <a:srgbClr val="000000"/>
       </a:buClr>
       <a:buFont typeface="Arial"/>
-      <a:defRPr b="0" i="0" sz="1400" u="none" cap="none" strike="noStrike">
+      <a:defRPr sz="1400" b="0" i="0" u="none" strike="noStrike" cap="none">
         <a:solidFill>
           <a:srgbClr val="000000"/>
         </a:solidFill>
@@ -207,7 +214,7 @@
         <a:sym typeface="Arial"/>
       </a:defRPr>
     </a:lvl7pPr>
-    <a:lvl8pPr lvl="7" marR="0" rtl="0" algn="l">
+    <a:lvl8pPr marR="0" lvl="7" algn="l" rtl="0">
       <a:lnSpc>
         <a:spcPct val="100000"/>
       </a:lnSpc>
@@ -221,7 +228,7 @@
         <a:srgbClr val="000000"/>
       </a:buClr>
       <a:buFont typeface="Arial"/>
-      <a:defRPr b="0" i="0" sz="1400" u="none" cap="none" strike="noStrike">
+      <a:defRPr sz="1400" b="0" i="0" u="none" strike="noStrike" cap="none">
         <a:solidFill>
           <a:srgbClr val="000000"/>
         </a:solidFill>
@@ -231,7 +238,7 @@
         <a:sym typeface="Arial"/>
       </a:defRPr>
     </a:lvl8pPr>
-    <a:lvl9pPr lvl="8" marR="0" rtl="0" algn="l">
+    <a:lvl9pPr marR="0" lvl="8" algn="l" rtl="0">
       <a:lnSpc>
         <a:spcPct val="100000"/>
       </a:lnSpc>
@@ -245,7 +252,7 @@
         <a:srgbClr val="000000"/>
       </a:buClr>
       <a:buFont typeface="Arial"/>
-      <a:defRPr b="0" i="0" sz="1400" u="none" cap="none" strike="noStrike">
+      <a:defRPr sz="1400" b="0" i="0" u="none" strike="noStrike" cap="none">
         <a:solidFill>
           <a:srgbClr val="000000"/>
         </a:solidFill>
@@ -258,7 +265,7 @@
   </p:defaultTextStyle>
   <p:extLst>
     <p:ext uri="{EFAFB233-063F-42B5-8137-9DF3F51BA10A}">
-      <p15:sldGuideLst>
+      <p15:sldGuideLst xmlns:p15="http://schemas.microsoft.com/office/powerpoint/2012/main">
         <p15:guide id="1" orient="horz" pos="1620">
           <p15:clr>
             <a:srgbClr val="A4A3A4"/>
@@ -276,11 +283,16 @@
 </file>
 
 <file path=ppt/notesMasters/notesMaster1.xml><?xml version="1.0" encoding="utf-8"?>
-<p:notesMaster xmlns:a="http://schemas.openxmlformats.org/drawingml/2006/main" xmlns:r="http://schemas.openxmlformats.org/officeDocument/2006/relationships" xmlns:mc="http://schemas.openxmlformats.org/markup-compatibility/2006" xmlns:mv="urn:schemas-microsoft-com:mac:vml" xmlns:p="http://schemas.openxmlformats.org/presentationml/2006/main" xmlns:c="http://schemas.openxmlformats.org/drawingml/2006/chart" xmlns:dgm="http://schemas.openxmlformats.org/drawingml/2006/diagram" xmlns:o="urn:schemas-microsoft-com:office:office" xmlns:v="urn:schemas-microsoft-com:vml" xmlns:pvml="urn:schemas-microsoft-com:office:powerpoint" xmlns:com="http://schemas.openxmlformats.org/drawingml/2006/compatibility" xmlns:p14="http://schemas.microsoft.com/office/powerpoint/2010/main" xmlns:p15="http://schemas.microsoft.com/office/powerpoint/2012/main">
+<p:notesMaster xmlns:a="http://schemas.openxmlformats.org/drawingml/2006/main" xmlns:r="http://schemas.openxmlformats.org/officeDocument/2006/relationships" xmlns:p="http://schemas.openxmlformats.org/presentationml/2006/main">
   <p:cSld>
+    <p:bg>
+      <p:bgRef idx="1001">
+        <a:schemeClr val="bg1"/>
+      </p:bgRef>
+    </p:bg>
     <p:spTree>
       <p:nvGrpSpPr>
-        <p:cNvPr id="2" name="Shape 2"/>
+        <p:cNvPr id="1" name="Shape 2"/>
         <p:cNvGrpSpPr/>
         <p:nvPr/>
       </p:nvGrpSpPr>
@@ -295,9 +307,11 @@
       <p:sp>
         <p:nvSpPr>
           <p:cNvPr id="3" name="Google Shape;3;n"/>
-          <p:cNvSpPr/>
+          <p:cNvSpPr>
+            <a:spLocks noGrp="1" noRot="1" noChangeAspect="1"/>
+          </p:cNvSpPr>
           <p:nvPr>
-            <p:ph idx="2" type="sldImg"/>
+            <p:ph type="sldImg" idx="2"/>
           </p:nvPr>
         </p:nvSpPr>
         <p:spPr>
@@ -306,9 +320,13 @@
             <a:ext cx="6096075" cy="3429000"/>
           </a:xfrm>
           <a:custGeom>
-            <a:rect b="b" l="l" r="r" t="t"/>
+            <a:avLst/>
+            <a:gdLst/>
+            <a:ahLst/>
+            <a:cxnLst/>
+            <a:rect l="l" t="t" r="r" b="b"/>
             <a:pathLst>
-              <a:path extrusionOk="0" h="120000" w="120000">
+              <a:path w="120000" h="120000" extrusionOk="0">
                 <a:moveTo>
                   <a:pt x="0" y="0"/>
                 </a:moveTo>
@@ -326,23 +344,25 @@
             </a:pathLst>
           </a:custGeom>
           <a:noFill/>
-          <a:ln cap="flat" cmpd="sng" w="9525">
+          <a:ln w="9525" cap="flat" cmpd="sng">
             <a:solidFill>
               <a:srgbClr val="000000"/>
             </a:solidFill>
             <a:prstDash val="solid"/>
             <a:round/>
-            <a:headEnd len="sm" w="sm" type="none"/>
-            <a:tailEnd len="sm" w="sm" type="none"/>
+            <a:headEnd type="none" w="sm" len="sm"/>
+            <a:tailEnd type="none" w="sm" len="sm"/>
           </a:ln>
         </p:spPr>
       </p:sp>
       <p:sp>
         <p:nvSpPr>
           <p:cNvPr id="4" name="Google Shape;4;n"/>
-          <p:cNvSpPr txBox="1"/>
+          <p:cNvSpPr txBox="1">
+            <a:spLocks noGrp="1"/>
+          </p:cNvSpPr>
           <p:nvPr>
-            <p:ph idx="1" type="body"/>
+            <p:ph type="body" idx="1"/>
           </p:nvPr>
         </p:nvSpPr>
         <p:spPr>
@@ -359,11 +379,11 @@
           </a:ln>
         </p:spPr>
         <p:txBody>
-          <a:bodyPr anchorCtr="0" anchor="t" bIns="91425" lIns="91425" spcFirstLastPara="1" rIns="91425" wrap="square" tIns="91425">
+          <a:bodyPr spcFirstLastPara="1" wrap="square" lIns="91425" tIns="91425" rIns="91425" bIns="91425" anchor="t" anchorCtr="0">
             <a:noAutofit/>
           </a:bodyPr>
           <a:lstStyle>
-            <a:lvl1pPr indent="-298450" lvl="0" marL="457200">
+            <a:lvl1pPr marL="457200" lvl="0" indent="-298450">
               <a:spcBef>
                 <a:spcPts val="0"/>
               </a:spcBef>
@@ -374,7 +394,7 @@
               <a:buChar char="●"/>
               <a:defRPr sz="1100"/>
             </a:lvl1pPr>
-            <a:lvl2pPr indent="-298450" lvl="1" marL="914400">
+            <a:lvl2pPr marL="914400" lvl="1" indent="-298450">
               <a:spcBef>
                 <a:spcPts val="0"/>
               </a:spcBef>
@@ -385,7 +405,7 @@
               <a:buChar char="○"/>
               <a:defRPr sz="1100"/>
             </a:lvl2pPr>
-            <a:lvl3pPr indent="-298450" lvl="2" marL="1371600">
+            <a:lvl3pPr marL="1371600" lvl="2" indent="-298450">
               <a:spcBef>
                 <a:spcPts val="0"/>
               </a:spcBef>
@@ -396,7 +416,7 @@
               <a:buChar char="■"/>
               <a:defRPr sz="1100"/>
             </a:lvl3pPr>
-            <a:lvl4pPr indent="-298450" lvl="3" marL="1828800">
+            <a:lvl4pPr marL="1828800" lvl="3" indent="-298450">
               <a:spcBef>
                 <a:spcPts val="0"/>
               </a:spcBef>
@@ -407,7 +427,7 @@
               <a:buChar char="●"/>
               <a:defRPr sz="1100"/>
             </a:lvl4pPr>
-            <a:lvl5pPr indent="-298450" lvl="4" marL="2286000">
+            <a:lvl5pPr marL="2286000" lvl="4" indent="-298450">
               <a:spcBef>
                 <a:spcPts val="0"/>
               </a:spcBef>
@@ -418,7 +438,7 @@
               <a:buChar char="○"/>
               <a:defRPr sz="1100"/>
             </a:lvl5pPr>
-            <a:lvl6pPr indent="-298450" lvl="5" marL="2743200">
+            <a:lvl6pPr marL="2743200" lvl="5" indent="-298450">
               <a:spcBef>
                 <a:spcPts val="0"/>
               </a:spcBef>
@@ -429,7 +449,7 @@
               <a:buChar char="■"/>
               <a:defRPr sz="1100"/>
             </a:lvl6pPr>
-            <a:lvl7pPr indent="-298450" lvl="6" marL="3200400">
+            <a:lvl7pPr marL="3200400" lvl="6" indent="-298450">
               <a:spcBef>
                 <a:spcPts val="0"/>
               </a:spcBef>
@@ -440,7 +460,7 @@
               <a:buChar char="●"/>
               <a:defRPr sz="1100"/>
             </a:lvl7pPr>
-            <a:lvl8pPr indent="-298450" lvl="7" marL="3657600">
+            <a:lvl8pPr marL="3657600" lvl="7" indent="-298450">
               <a:spcBef>
                 <a:spcPts val="0"/>
               </a:spcBef>
@@ -451,7 +471,7 @@
               <a:buChar char="○"/>
               <a:defRPr sz="1100"/>
             </a:lvl8pPr>
-            <a:lvl9pPr indent="-298450" lvl="8" marL="4114800">
+            <a:lvl9pPr marL="4114800" lvl="8" indent="-298450">
               <a:spcBef>
                 <a:spcPts val="0"/>
               </a:spcBef>
@@ -463,14 +483,16 @@
               <a:defRPr sz="1100"/>
             </a:lvl9pPr>
           </a:lstStyle>
-          <a:p/>
+          <a:p>
+            <a:endParaRPr/>
+          </a:p>
         </p:txBody>
       </p:sp>
     </p:spTree>
   </p:cSld>
-  <p:clrMap accent1="accent1" accent2="accent2" accent3="accent3" accent4="accent4" accent5="accent5" accent6="accent6" bg1="lt1" bg2="dk2" tx1="dk1" tx2="lt2" folHlink="folHlink" hlink="hlink"/>
+  <p:clrMap bg1="lt1" tx1="dk1" bg2="dk2" tx2="lt2" accent1="accent1" accent2="accent2" accent3="accent3" accent4="accent4" accent5="accent5" accent6="accent6" hlink="hlink" folHlink="folHlink"/>
   <p:notesStyle>
-    <a:defPPr lvl="0" marR="0" rtl="0" algn="l">
+    <a:defPPr marR="0" lvl="0" algn="l" rtl="0">
       <a:lnSpc>
         <a:spcPct val="100000"/>
       </a:lnSpc>
@@ -481,7 +503,7 @@
         <a:spcPts val="0"/>
       </a:spcAft>
     </a:defPPr>
-    <a:lvl1pPr lvl="0" marR="0" rtl="0" algn="l">
+    <a:lvl1pPr marR="0" lvl="0" algn="l" rtl="0">
       <a:lnSpc>
         <a:spcPct val="100000"/>
       </a:lnSpc>
@@ -495,7 +517,7 @@
         <a:srgbClr val="000000"/>
       </a:buClr>
       <a:buFont typeface="Arial"/>
-      <a:defRPr b="0" i="0" sz="1400" u="none" cap="none" strike="noStrike">
+      <a:defRPr sz="1400" b="0" i="0" u="none" strike="noStrike" cap="none">
         <a:solidFill>
           <a:srgbClr val="000000"/>
         </a:solidFill>
@@ -505,7 +527,7 @@
         <a:sym typeface="Arial"/>
       </a:defRPr>
     </a:lvl1pPr>
-    <a:lvl2pPr lvl="1" marR="0" rtl="0" algn="l">
+    <a:lvl2pPr marR="0" lvl="1" algn="l" rtl="0">
       <a:lnSpc>
         <a:spcPct val="100000"/>
       </a:lnSpc>
@@ -519,7 +541,7 @@
         <a:srgbClr val="000000"/>
       </a:buClr>
       <a:buFont typeface="Arial"/>
-      <a:defRPr b="0" i="0" sz="1400" u="none" cap="none" strike="noStrike">
+      <a:defRPr sz="1400" b="0" i="0" u="none" strike="noStrike" cap="none">
         <a:solidFill>
           <a:srgbClr val="000000"/>
         </a:solidFill>
@@ -529,7 +551,7 @@
         <a:sym typeface="Arial"/>
       </a:defRPr>
     </a:lvl2pPr>
-    <a:lvl3pPr lvl="2" marR="0" rtl="0" algn="l">
+    <a:lvl3pPr marR="0" lvl="2" algn="l" rtl="0">
       <a:lnSpc>
         <a:spcPct val="100000"/>
       </a:lnSpc>
@@ -543,7 +565,7 @@
         <a:srgbClr val="000000"/>
       </a:buClr>
       <a:buFont typeface="Arial"/>
-      <a:defRPr b="0" i="0" sz="1400" u="none" cap="none" strike="noStrike">
+      <a:defRPr sz="1400" b="0" i="0" u="none" strike="noStrike" cap="none">
         <a:solidFill>
           <a:srgbClr val="000000"/>
         </a:solidFill>
@@ -553,7 +575,7 @@
         <a:sym typeface="Arial"/>
       </a:defRPr>
     </a:lvl3pPr>
-    <a:lvl4pPr lvl="3" marR="0" rtl="0" algn="l">
+    <a:lvl4pPr marR="0" lvl="3" algn="l" rtl="0">
       <a:lnSpc>
         <a:spcPct val="100000"/>
       </a:lnSpc>
@@ -567,7 +589,7 @@
         <a:srgbClr val="000000"/>
       </a:buClr>
       <a:buFont typeface="Arial"/>
-      <a:defRPr b="0" i="0" sz="1400" u="none" cap="none" strike="noStrike">
+      <a:defRPr sz="1400" b="0" i="0" u="none" strike="noStrike" cap="none">
         <a:solidFill>
           <a:srgbClr val="000000"/>
         </a:solidFill>
@@ -577,7 +599,7 @@
         <a:sym typeface="Arial"/>
       </a:defRPr>
     </a:lvl4pPr>
-    <a:lvl5pPr lvl="4" marR="0" rtl="0" algn="l">
+    <a:lvl5pPr marR="0" lvl="4" algn="l" rtl="0">
       <a:lnSpc>
         <a:spcPct val="100000"/>
       </a:lnSpc>
@@ -591,7 +613,7 @@
         <a:srgbClr val="000000"/>
       </a:buClr>
       <a:buFont typeface="Arial"/>
-      <a:defRPr b="0" i="0" sz="1400" u="none" cap="none" strike="noStrike">
+      <a:defRPr sz="1400" b="0" i="0" u="none" strike="noStrike" cap="none">
         <a:solidFill>
           <a:srgbClr val="000000"/>
         </a:solidFill>
@@ -601,7 +623,7 @@
         <a:sym typeface="Arial"/>
       </a:defRPr>
     </a:lvl5pPr>
-    <a:lvl6pPr lvl="5" marR="0" rtl="0" algn="l">
+    <a:lvl6pPr marR="0" lvl="5" algn="l" rtl="0">
       <a:lnSpc>
         <a:spcPct val="100000"/>
       </a:lnSpc>
@@ -615,7 +637,7 @@
         <a:srgbClr val="000000"/>
       </a:buClr>
       <a:buFont typeface="Arial"/>
-      <a:defRPr b="0" i="0" sz="1400" u="none" cap="none" strike="noStrike">
+      <a:defRPr sz="1400" b="0" i="0" u="none" strike="noStrike" cap="none">
         <a:solidFill>
           <a:srgbClr val="000000"/>
         </a:solidFill>
@@ -625,7 +647,7 @@
         <a:sym typeface="Arial"/>
       </a:defRPr>
     </a:lvl6pPr>
-    <a:lvl7pPr lvl="6" marR="0" rtl="0" algn="l">
+    <a:lvl7pPr marR="0" lvl="6" algn="l" rtl="0">
       <a:lnSpc>
         <a:spcPct val="100000"/>
       </a:lnSpc>
@@ -639,7 +661,7 @@
         <a:srgbClr val="000000"/>
       </a:buClr>
       <a:buFont typeface="Arial"/>
-      <a:defRPr b="0" i="0" sz="1400" u="none" cap="none" strike="noStrike">
+      <a:defRPr sz="1400" b="0" i="0" u="none" strike="noStrike" cap="none">
         <a:solidFill>
           <a:srgbClr val="000000"/>
         </a:solidFill>
@@ -649,7 +671,7 @@
         <a:sym typeface="Arial"/>
       </a:defRPr>
     </a:lvl7pPr>
-    <a:lvl8pPr lvl="7" marR="0" rtl="0" algn="l">
+    <a:lvl8pPr marR="0" lvl="7" algn="l" rtl="0">
       <a:lnSpc>
         <a:spcPct val="100000"/>
       </a:lnSpc>
@@ -663,7 +685,7 @@
         <a:srgbClr val="000000"/>
       </a:buClr>
       <a:buFont typeface="Arial"/>
-      <a:defRPr b="0" i="0" sz="1400" u="none" cap="none" strike="noStrike">
+      <a:defRPr sz="1400" b="0" i="0" u="none" strike="noStrike" cap="none">
         <a:solidFill>
           <a:srgbClr val="000000"/>
         </a:solidFill>
@@ -673,7 +695,7 @@
         <a:sym typeface="Arial"/>
       </a:defRPr>
     </a:lvl8pPr>
-    <a:lvl9pPr lvl="8" marR="0" rtl="0" algn="l">
+    <a:lvl9pPr marR="0" lvl="8" algn="l" rtl="0">
       <a:lnSpc>
         <a:spcPct val="100000"/>
       </a:lnSpc>
@@ -687,7 +709,7 @@
         <a:srgbClr val="000000"/>
       </a:buClr>
       <a:buFont typeface="Arial"/>
-      <a:defRPr b="0" i="0" sz="1400" u="none" cap="none" strike="noStrike">
+      <a:defRPr sz="1400" b="0" i="0" u="none" strike="noStrike" cap="none">
         <a:solidFill>
           <a:srgbClr val="000000"/>
         </a:solidFill>
@@ -702,11 +724,11 @@
 </file>
 
 <file path=ppt/notesSlides/notesSlide1.xml><?xml version="1.0" encoding="utf-8"?>
-<p:notes xmlns:a="http://schemas.openxmlformats.org/drawingml/2006/main" xmlns:r="http://schemas.openxmlformats.org/officeDocument/2006/relationships" xmlns:mc="http://schemas.openxmlformats.org/markup-compatibility/2006" xmlns:mv="urn:schemas-microsoft-com:mac:vml" xmlns:p="http://schemas.openxmlformats.org/presentationml/2006/main" xmlns:c="http://schemas.openxmlformats.org/drawingml/2006/chart" xmlns:dgm="http://schemas.openxmlformats.org/drawingml/2006/diagram" xmlns:o="urn:schemas-microsoft-com:office:office" xmlns:v="urn:schemas-microsoft-com:vml" xmlns:pvml="urn:schemas-microsoft-com:office:powerpoint" xmlns:com="http://schemas.openxmlformats.org/drawingml/2006/compatibility" xmlns:p14="http://schemas.microsoft.com/office/powerpoint/2010/main" xmlns:p15="http://schemas.microsoft.com/office/powerpoint/2012/main" showMasterPhAnim="0" showMasterSp="0">
+<p:notes xmlns:a="http://schemas.openxmlformats.org/drawingml/2006/main" xmlns:r="http://schemas.openxmlformats.org/officeDocument/2006/relationships" xmlns:p="http://schemas.openxmlformats.org/presentationml/2006/main" showMasterSp="0" showMasterPhAnim="0">
   <p:cSld>
     <p:spTree>
       <p:nvGrpSpPr>
-        <p:cNvPr id="124" name="Shape 124"/>
+        <p:cNvPr id="1" name="Shape 124"/>
         <p:cNvGrpSpPr/>
         <p:nvPr/>
       </p:nvGrpSpPr>
@@ -721,9 +743,11 @@
       <p:sp>
         <p:nvSpPr>
           <p:cNvPr id="125" name="Google Shape;125;g572af7a530_0_119:notes"/>
-          <p:cNvSpPr/>
+          <p:cNvSpPr>
+            <a:spLocks noGrp="1" noRot="1" noChangeAspect="1"/>
+          </p:cNvSpPr>
           <p:nvPr>
-            <p:ph idx="2" type="sldImg"/>
+            <p:ph type="sldImg" idx="2"/>
           </p:nvPr>
         </p:nvSpPr>
         <p:spPr>
@@ -732,9 +756,13 @@
             <a:ext cx="6096000" cy="3429000"/>
           </a:xfrm>
           <a:custGeom>
-            <a:rect b="b" l="l" r="r" t="t"/>
+            <a:avLst/>
+            <a:gdLst/>
+            <a:ahLst/>
+            <a:cxnLst/>
+            <a:rect l="l" t="t" r="r" b="b"/>
             <a:pathLst>
-              <a:path extrusionOk="0" h="120000" w="120000">
+              <a:path w="120000" h="120000" extrusionOk="0">
                 <a:moveTo>
                   <a:pt x="0" y="0"/>
                 </a:moveTo>
@@ -756,9 +784,11 @@
       <p:sp>
         <p:nvSpPr>
           <p:cNvPr id="126" name="Google Shape;126;g572af7a530_0_119:notes"/>
-          <p:cNvSpPr txBox="1"/>
+          <p:cNvSpPr txBox="1">
+            <a:spLocks noGrp="1"/>
+          </p:cNvSpPr>
           <p:nvPr>
-            <p:ph idx="1" type="body"/>
+            <p:ph type="body" idx="1"/>
           </p:nvPr>
         </p:nvSpPr>
         <p:spPr>
@@ -771,12 +801,12 @@
           </a:prstGeom>
         </p:spPr>
         <p:txBody>
-          <a:bodyPr anchorCtr="0" anchor="t" bIns="91425" lIns="91425" spcFirstLastPara="1" rIns="91425" wrap="square" tIns="91425">
+          <a:bodyPr spcFirstLastPara="1" wrap="square" lIns="91425" tIns="91425" rIns="91425" bIns="91425" anchor="t" anchorCtr="0">
             <a:noAutofit/>
           </a:bodyPr>
           <a:lstStyle/>
           <a:p>
-            <a:pPr indent="0" lvl="0" marL="0" rtl="0" algn="l">
+            <a:pPr marL="0" lvl="0" indent="0" algn="l" rtl="0">
               <a:spcBef>
                 <a:spcPts val="0"/>
               </a:spcBef>
@@ -785,9 +815,6 @@
               </a:spcAft>
               <a:buNone/>
             </a:pPr>
-            <a:r>
-              <a:t/>
-            </a:r>
             <a:endParaRPr/>
           </a:p>
         </p:txBody>
@@ -801,11 +828,11 @@
 </file>
 
 <file path=ppt/notesSlides/notesSlide2.xml><?xml version="1.0" encoding="utf-8"?>
-<p:notes xmlns:a="http://schemas.openxmlformats.org/drawingml/2006/main" xmlns:r="http://schemas.openxmlformats.org/officeDocument/2006/relationships" xmlns:mc="http://schemas.openxmlformats.org/markup-compatibility/2006" xmlns:mv="urn:schemas-microsoft-com:mac:vml" xmlns:p="http://schemas.openxmlformats.org/presentationml/2006/main" xmlns:c="http://schemas.openxmlformats.org/drawingml/2006/chart" xmlns:dgm="http://schemas.openxmlformats.org/drawingml/2006/diagram" xmlns:o="urn:schemas-microsoft-com:office:office" xmlns:v="urn:schemas-microsoft-com:vml" xmlns:pvml="urn:schemas-microsoft-com:office:powerpoint" xmlns:com="http://schemas.openxmlformats.org/drawingml/2006/compatibility" xmlns:p14="http://schemas.microsoft.com/office/powerpoint/2010/main" xmlns:p15="http://schemas.microsoft.com/office/powerpoint/2012/main" showMasterPhAnim="0" showMasterSp="0">
+<p:notes xmlns:a="http://schemas.openxmlformats.org/drawingml/2006/main" xmlns:r="http://schemas.openxmlformats.org/officeDocument/2006/relationships" xmlns:p="http://schemas.openxmlformats.org/presentationml/2006/main" showMasterSp="0" showMasterPhAnim="0">
   <p:cSld>
     <p:spTree>
       <p:nvGrpSpPr>
-        <p:cNvPr id="130" name="Shape 130"/>
+        <p:cNvPr id="1" name="Shape 130"/>
         <p:cNvGrpSpPr/>
         <p:nvPr/>
       </p:nvGrpSpPr>
@@ -820,9 +847,11 @@
       <p:sp>
         <p:nvSpPr>
           <p:cNvPr id="131" name="Google Shape;131;g5c30b910ea_0_5:notes"/>
-          <p:cNvSpPr/>
+          <p:cNvSpPr>
+            <a:spLocks noGrp="1" noRot="1" noChangeAspect="1"/>
+          </p:cNvSpPr>
           <p:nvPr>
-            <p:ph idx="2" type="sldImg"/>
+            <p:ph type="sldImg" idx="2"/>
           </p:nvPr>
         </p:nvSpPr>
         <p:spPr>
@@ -831,9 +860,13 @@
             <a:ext cx="6096000" cy="3429000"/>
           </a:xfrm>
           <a:custGeom>
-            <a:rect b="b" l="l" r="r" t="t"/>
+            <a:avLst/>
+            <a:gdLst/>
+            <a:ahLst/>
+            <a:cxnLst/>
+            <a:rect l="l" t="t" r="r" b="b"/>
             <a:pathLst>
-              <a:path extrusionOk="0" h="120000" w="120000">
+              <a:path w="120000" h="120000" extrusionOk="0">
                 <a:moveTo>
                   <a:pt x="0" y="0"/>
                 </a:moveTo>
@@ -855,9 +888,11 @@
       <p:sp>
         <p:nvSpPr>
           <p:cNvPr id="132" name="Google Shape;132;g5c30b910ea_0_5:notes"/>
-          <p:cNvSpPr txBox="1"/>
+          <p:cNvSpPr txBox="1">
+            <a:spLocks noGrp="1"/>
+          </p:cNvSpPr>
           <p:nvPr>
-            <p:ph idx="1" type="body"/>
+            <p:ph type="body" idx="1"/>
           </p:nvPr>
         </p:nvSpPr>
         <p:spPr>
@@ -870,12 +905,12 @@
           </a:prstGeom>
         </p:spPr>
         <p:txBody>
-          <a:bodyPr anchorCtr="0" anchor="t" bIns="91425" lIns="91425" spcFirstLastPara="1" rIns="91425" wrap="square" tIns="91425">
+          <a:bodyPr spcFirstLastPara="1" wrap="square" lIns="91425" tIns="91425" rIns="91425" bIns="91425" anchor="t" anchorCtr="0">
             <a:noAutofit/>
           </a:bodyPr>
           <a:lstStyle/>
           <a:p>
-            <a:pPr indent="0" lvl="0" marL="0" rtl="0" algn="l">
+            <a:pPr marL="0" lvl="0" indent="0" algn="l" rtl="0">
               <a:spcBef>
                 <a:spcPts val="0"/>
               </a:spcBef>
@@ -884,9 +919,6 @@
               </a:spcAft>
               <a:buNone/>
             </a:pPr>
-            <a:r>
-              <a:t/>
-            </a:r>
             <a:endParaRPr/>
           </a:p>
         </p:txBody>
@@ -900,11 +932,11 @@
 </file>
 
 <file path=ppt/notesSlides/notesSlide3.xml><?xml version="1.0" encoding="utf-8"?>
-<p:notes xmlns:a="http://schemas.openxmlformats.org/drawingml/2006/main" xmlns:r="http://schemas.openxmlformats.org/officeDocument/2006/relationships" xmlns:mc="http://schemas.openxmlformats.org/markup-compatibility/2006" xmlns:mv="urn:schemas-microsoft-com:mac:vml" xmlns:p="http://schemas.openxmlformats.org/presentationml/2006/main" xmlns:c="http://schemas.openxmlformats.org/drawingml/2006/chart" xmlns:dgm="http://schemas.openxmlformats.org/drawingml/2006/diagram" xmlns:o="urn:schemas-microsoft-com:office:office" xmlns:v="urn:schemas-microsoft-com:vml" xmlns:pvml="urn:schemas-microsoft-com:office:powerpoint" xmlns:com="http://schemas.openxmlformats.org/drawingml/2006/compatibility" xmlns:p14="http://schemas.microsoft.com/office/powerpoint/2010/main" xmlns:p15="http://schemas.microsoft.com/office/powerpoint/2012/main" showMasterPhAnim="0" showMasterSp="0">
+<p:notes xmlns:a="http://schemas.openxmlformats.org/drawingml/2006/main" xmlns:r="http://schemas.openxmlformats.org/officeDocument/2006/relationships" xmlns:p="http://schemas.openxmlformats.org/presentationml/2006/main" showMasterSp="0" showMasterPhAnim="0">
   <p:cSld>
     <p:spTree>
       <p:nvGrpSpPr>
-        <p:cNvPr id="136" name="Shape 136"/>
+        <p:cNvPr id="1" name="Shape 136"/>
         <p:cNvGrpSpPr/>
         <p:nvPr/>
       </p:nvGrpSpPr>
@@ -919,9 +951,11 @@
       <p:sp>
         <p:nvSpPr>
           <p:cNvPr id="137" name="Google Shape;137;g572af7a530_0_129:notes"/>
-          <p:cNvSpPr/>
+          <p:cNvSpPr>
+            <a:spLocks noGrp="1" noRot="1" noChangeAspect="1"/>
+          </p:cNvSpPr>
           <p:nvPr>
-            <p:ph idx="2" type="sldImg"/>
+            <p:ph type="sldImg" idx="2"/>
           </p:nvPr>
         </p:nvSpPr>
         <p:spPr>
@@ -930,9 +964,13 @@
             <a:ext cx="6096000" cy="3429000"/>
           </a:xfrm>
           <a:custGeom>
-            <a:rect b="b" l="l" r="r" t="t"/>
+            <a:avLst/>
+            <a:gdLst/>
+            <a:ahLst/>
+            <a:cxnLst/>
+            <a:rect l="l" t="t" r="r" b="b"/>
             <a:pathLst>
-              <a:path extrusionOk="0" h="120000" w="120000">
+              <a:path w="120000" h="120000" extrusionOk="0">
                 <a:moveTo>
                   <a:pt x="0" y="0"/>
                 </a:moveTo>
@@ -954,9 +992,11 @@
       <p:sp>
         <p:nvSpPr>
           <p:cNvPr id="138" name="Google Shape;138;g572af7a530_0_129:notes"/>
-          <p:cNvSpPr txBox="1"/>
+          <p:cNvSpPr txBox="1">
+            <a:spLocks noGrp="1"/>
+          </p:cNvSpPr>
           <p:nvPr>
-            <p:ph idx="1" type="body"/>
+            <p:ph type="body" idx="1"/>
           </p:nvPr>
         </p:nvSpPr>
         <p:spPr>
@@ -969,12 +1009,12 @@
           </a:prstGeom>
         </p:spPr>
         <p:txBody>
-          <a:bodyPr anchorCtr="0" anchor="t" bIns="91425" lIns="91425" spcFirstLastPara="1" rIns="91425" wrap="square" tIns="91425">
+          <a:bodyPr spcFirstLastPara="1" wrap="square" lIns="91425" tIns="91425" rIns="91425" bIns="91425" anchor="t" anchorCtr="0">
             <a:noAutofit/>
           </a:bodyPr>
           <a:lstStyle/>
           <a:p>
-            <a:pPr indent="0" lvl="0" marL="0" rtl="0" algn="l">
+            <a:pPr marL="0" lvl="0" indent="0" algn="l" rtl="0">
               <a:spcBef>
                 <a:spcPts val="0"/>
               </a:spcBef>
@@ -983,9 +1023,6 @@
               </a:spcAft>
               <a:buNone/>
             </a:pPr>
-            <a:r>
-              <a:t/>
-            </a:r>
             <a:endParaRPr/>
           </a:p>
         </p:txBody>
@@ -999,11 +1036,11 @@
 </file>
 
 <file path=ppt/notesSlides/notesSlide4.xml><?xml version="1.0" encoding="utf-8"?>
-<p:notes xmlns:a="http://schemas.openxmlformats.org/drawingml/2006/main" xmlns:r="http://schemas.openxmlformats.org/officeDocument/2006/relationships" xmlns:mc="http://schemas.openxmlformats.org/markup-compatibility/2006" xmlns:mv="urn:schemas-microsoft-com:mac:vml" xmlns:p="http://schemas.openxmlformats.org/presentationml/2006/main" xmlns:c="http://schemas.openxmlformats.org/drawingml/2006/chart" xmlns:dgm="http://schemas.openxmlformats.org/drawingml/2006/diagram" xmlns:o="urn:schemas-microsoft-com:office:office" xmlns:v="urn:schemas-microsoft-com:vml" xmlns:pvml="urn:schemas-microsoft-com:office:powerpoint" xmlns:com="http://schemas.openxmlformats.org/drawingml/2006/compatibility" xmlns:p14="http://schemas.microsoft.com/office/powerpoint/2010/main" xmlns:p15="http://schemas.microsoft.com/office/powerpoint/2012/main" showMasterPhAnim="0" showMasterSp="0">
+<p:notes xmlns:a="http://schemas.openxmlformats.org/drawingml/2006/main" xmlns:r="http://schemas.openxmlformats.org/officeDocument/2006/relationships" xmlns:p="http://schemas.openxmlformats.org/presentationml/2006/main" showMasterSp="0" showMasterPhAnim="0">
   <p:cSld>
     <p:spTree>
       <p:nvGrpSpPr>
-        <p:cNvPr id="142" name="Shape 142"/>
+        <p:cNvPr id="1" name="Shape 142"/>
         <p:cNvGrpSpPr/>
         <p:nvPr/>
       </p:nvGrpSpPr>
@@ -1018,9 +1055,11 @@
       <p:sp>
         <p:nvSpPr>
           <p:cNvPr id="143" name="Google Shape;143;g59de4f8f77_0_0:notes"/>
-          <p:cNvSpPr/>
+          <p:cNvSpPr>
+            <a:spLocks noGrp="1" noRot="1" noChangeAspect="1"/>
+          </p:cNvSpPr>
           <p:nvPr>
-            <p:ph idx="2" type="sldImg"/>
+            <p:ph type="sldImg" idx="2"/>
           </p:nvPr>
         </p:nvSpPr>
         <p:spPr>
@@ -1029,9 +1068,13 @@
             <a:ext cx="6096000" cy="3429000"/>
           </a:xfrm>
           <a:custGeom>
-            <a:rect b="b" l="l" r="r" t="t"/>
+            <a:avLst/>
+            <a:gdLst/>
+            <a:ahLst/>
+            <a:cxnLst/>
+            <a:rect l="l" t="t" r="r" b="b"/>
             <a:pathLst>
-              <a:path extrusionOk="0" h="120000" w="120000">
+              <a:path w="120000" h="120000" extrusionOk="0">
                 <a:moveTo>
                   <a:pt x="0" y="0"/>
                 </a:moveTo>
@@ -1053,9 +1096,11 @@
       <p:sp>
         <p:nvSpPr>
           <p:cNvPr id="144" name="Google Shape;144;g59de4f8f77_0_0:notes"/>
-          <p:cNvSpPr txBox="1"/>
+          <p:cNvSpPr txBox="1">
+            <a:spLocks noGrp="1"/>
+          </p:cNvSpPr>
           <p:nvPr>
-            <p:ph idx="1" type="body"/>
+            <p:ph type="body" idx="1"/>
           </p:nvPr>
         </p:nvSpPr>
         <p:spPr>
@@ -1068,12 +1113,12 @@
           </a:prstGeom>
         </p:spPr>
         <p:txBody>
-          <a:bodyPr anchorCtr="0" anchor="t" bIns="91425" lIns="91425" spcFirstLastPara="1" rIns="91425" wrap="square" tIns="91425">
+          <a:bodyPr spcFirstLastPara="1" wrap="square" lIns="91425" tIns="91425" rIns="91425" bIns="91425" anchor="t" anchorCtr="0">
             <a:noAutofit/>
           </a:bodyPr>
           <a:lstStyle/>
           <a:p>
-            <a:pPr indent="0" lvl="0" marL="0" rtl="0" algn="l">
+            <a:pPr marL="0" lvl="0" indent="0" algn="l" rtl="0">
               <a:spcBef>
                 <a:spcPts val="0"/>
               </a:spcBef>
@@ -1082,9 +1127,6 @@
               </a:spcAft>
               <a:buNone/>
             </a:pPr>
-            <a:r>
-              <a:t/>
-            </a:r>
             <a:endParaRPr/>
           </a:p>
         </p:txBody>
@@ -1098,110 +1140,11 @@
 </file>
 
 <file path=ppt/notesSlides/notesSlide5.xml><?xml version="1.0" encoding="utf-8"?>
-<p:notes xmlns:a="http://schemas.openxmlformats.org/drawingml/2006/main" xmlns:r="http://schemas.openxmlformats.org/officeDocument/2006/relationships" xmlns:mc="http://schemas.openxmlformats.org/markup-compatibility/2006" xmlns:mv="urn:schemas-microsoft-com:mac:vml" xmlns:p="http://schemas.openxmlformats.org/presentationml/2006/main" xmlns:c="http://schemas.openxmlformats.org/drawingml/2006/chart" xmlns:dgm="http://schemas.openxmlformats.org/drawingml/2006/diagram" xmlns:o="urn:schemas-microsoft-com:office:office" xmlns:v="urn:schemas-microsoft-com:vml" xmlns:pvml="urn:schemas-microsoft-com:office:powerpoint" xmlns:com="http://schemas.openxmlformats.org/drawingml/2006/compatibility" xmlns:p14="http://schemas.microsoft.com/office/powerpoint/2010/main" xmlns:p15="http://schemas.microsoft.com/office/powerpoint/2012/main" showMasterPhAnim="0" showMasterSp="0">
+<p:notes xmlns:a="http://schemas.openxmlformats.org/drawingml/2006/main" xmlns:r="http://schemas.openxmlformats.org/officeDocument/2006/relationships" xmlns:p="http://schemas.openxmlformats.org/presentationml/2006/main" showMasterSp="0" showMasterPhAnim="0">
   <p:cSld>
     <p:spTree>
       <p:nvGrpSpPr>
-        <p:cNvPr id="148" name="Shape 148"/>
-        <p:cNvGrpSpPr/>
-        <p:nvPr/>
-      </p:nvGrpSpPr>
-      <p:grpSpPr>
-        <a:xfrm>
-          <a:off x="0" y="0"/>
-          <a:ext cx="0" cy="0"/>
-          <a:chOff x="0" y="0"/>
-          <a:chExt cx="0" cy="0"/>
-        </a:xfrm>
-      </p:grpSpPr>
-      <p:sp>
-        <p:nvSpPr>
-          <p:cNvPr id="149" name="Google Shape;149;g572af7a530_0_260:notes"/>
-          <p:cNvSpPr/>
-          <p:nvPr>
-            <p:ph idx="2" type="sldImg"/>
-          </p:nvPr>
-        </p:nvSpPr>
-        <p:spPr>
-          <a:xfrm>
-            <a:off x="381300" y="685800"/>
-            <a:ext cx="6096000" cy="3429000"/>
-          </a:xfrm>
-          <a:custGeom>
-            <a:rect b="b" l="l" r="r" t="t"/>
-            <a:pathLst>
-              <a:path extrusionOk="0" h="120000" w="120000">
-                <a:moveTo>
-                  <a:pt x="0" y="0"/>
-                </a:moveTo>
-                <a:lnTo>
-                  <a:pt x="120000" y="0"/>
-                </a:lnTo>
-                <a:lnTo>
-                  <a:pt x="120000" y="120000"/>
-                </a:lnTo>
-                <a:lnTo>
-                  <a:pt x="0" y="120000"/>
-                </a:lnTo>
-                <a:close/>
-              </a:path>
-            </a:pathLst>
-          </a:custGeom>
-        </p:spPr>
-      </p:sp>
-      <p:sp>
-        <p:nvSpPr>
-          <p:cNvPr id="150" name="Google Shape;150;g572af7a530_0_260:notes"/>
-          <p:cNvSpPr txBox="1"/>
-          <p:nvPr>
-            <p:ph idx="1" type="body"/>
-          </p:nvPr>
-        </p:nvSpPr>
-        <p:spPr>
-          <a:xfrm>
-            <a:off x="685800" y="4343400"/>
-            <a:ext cx="5486400" cy="4114800"/>
-          </a:xfrm>
-          <a:prstGeom prst="rect">
-            <a:avLst/>
-          </a:prstGeom>
-        </p:spPr>
-        <p:txBody>
-          <a:bodyPr anchorCtr="0" anchor="t" bIns="91425" lIns="91425" spcFirstLastPara="1" rIns="91425" wrap="square" tIns="91425">
-            <a:noAutofit/>
-          </a:bodyPr>
-          <a:lstStyle/>
-          <a:p>
-            <a:pPr indent="0" lvl="0" marL="0" rtl="0" algn="l">
-              <a:spcBef>
-                <a:spcPts val="0"/>
-              </a:spcBef>
-              <a:spcAft>
-                <a:spcPts val="0"/>
-              </a:spcAft>
-              <a:buNone/>
-            </a:pPr>
-            <a:r>
-              <a:t/>
-            </a:r>
-            <a:endParaRPr/>
-          </a:p>
-        </p:txBody>
-      </p:sp>
-    </p:spTree>
-  </p:cSld>
-  <p:clrMapOvr>
-    <a:masterClrMapping/>
-  </p:clrMapOvr>
-</p:notes>
-</file>
-
-<file path=ppt/notesSlides/notesSlide6.xml><?xml version="1.0" encoding="utf-8"?>
-<p:notes xmlns:a="http://schemas.openxmlformats.org/drawingml/2006/main" xmlns:r="http://schemas.openxmlformats.org/officeDocument/2006/relationships" xmlns:mc="http://schemas.openxmlformats.org/markup-compatibility/2006" xmlns:mv="urn:schemas-microsoft-com:mac:vml" xmlns:p="http://schemas.openxmlformats.org/presentationml/2006/main" xmlns:c="http://schemas.openxmlformats.org/drawingml/2006/chart" xmlns:dgm="http://schemas.openxmlformats.org/drawingml/2006/diagram" xmlns:o="urn:schemas-microsoft-com:office:office" xmlns:v="urn:schemas-microsoft-com:vml" xmlns:pvml="urn:schemas-microsoft-com:office:powerpoint" xmlns:com="http://schemas.openxmlformats.org/drawingml/2006/compatibility" xmlns:p14="http://schemas.microsoft.com/office/powerpoint/2010/main" xmlns:p15="http://schemas.microsoft.com/office/powerpoint/2012/main" showMasterPhAnim="0" showMasterSp="0">
-  <p:cSld>
-    <p:spTree>
-      <p:nvGrpSpPr>
-        <p:cNvPr id="154" name="Shape 154"/>
+        <p:cNvPr id="1" name="Shape 154"/>
         <p:cNvGrpSpPr/>
         <p:nvPr/>
       </p:nvGrpSpPr>
@@ -1216,20 +1159,26 @@
       <p:sp>
         <p:nvSpPr>
           <p:cNvPr id="155" name="Google Shape;155;g5c94909ecd_0_2:notes"/>
-          <p:cNvSpPr/>
+          <p:cNvSpPr>
+            <a:spLocks noGrp="1" noRot="1" noChangeAspect="1"/>
+          </p:cNvSpPr>
           <p:nvPr>
-            <p:ph idx="2" type="sldImg"/>
+            <p:ph type="sldImg" idx="2"/>
           </p:nvPr>
         </p:nvSpPr>
         <p:spPr>
           <a:xfrm>
-            <a:off x="381300" y="685800"/>
+            <a:off x="381000" y="685800"/>
             <a:ext cx="6096000" cy="3429000"/>
           </a:xfrm>
           <a:custGeom>
-            <a:rect b="b" l="l" r="r" t="t"/>
+            <a:avLst/>
+            <a:gdLst/>
+            <a:ahLst/>
+            <a:cxnLst/>
+            <a:rect l="l" t="t" r="r" b="b"/>
             <a:pathLst>
-              <a:path extrusionOk="0" h="120000" w="120000">
+              <a:path w="120000" h="120000" extrusionOk="0">
                 <a:moveTo>
                   <a:pt x="0" y="0"/>
                 </a:moveTo>
@@ -1251,9 +1200,11 @@
       <p:sp>
         <p:nvSpPr>
           <p:cNvPr id="156" name="Google Shape;156;g5c94909ecd_0_2:notes"/>
-          <p:cNvSpPr txBox="1"/>
+          <p:cNvSpPr txBox="1">
+            <a:spLocks noGrp="1"/>
+          </p:cNvSpPr>
           <p:nvPr>
-            <p:ph idx="1" type="body"/>
+            <p:ph type="body" idx="1"/>
           </p:nvPr>
         </p:nvSpPr>
         <p:spPr>
@@ -1266,12 +1217,12 @@
           </a:prstGeom>
         </p:spPr>
         <p:txBody>
-          <a:bodyPr anchorCtr="0" anchor="t" bIns="91425" lIns="91425" spcFirstLastPara="1" rIns="91425" wrap="square" tIns="91425">
+          <a:bodyPr spcFirstLastPara="1" wrap="square" lIns="91425" tIns="91425" rIns="91425" bIns="91425" anchor="t" anchorCtr="0">
             <a:noAutofit/>
           </a:bodyPr>
           <a:lstStyle/>
           <a:p>
-            <a:pPr indent="0" lvl="0" marL="0" rtl="0" algn="l">
+            <a:pPr marL="0" lvl="0" indent="0" algn="l" rtl="0">
               <a:spcBef>
                 <a:spcPts val="0"/>
               </a:spcBef>
@@ -1280,9 +1231,6 @@
               </a:spcAft>
               <a:buNone/>
             </a:pPr>
-            <a:r>
-              <a:t/>
-            </a:r>
             <a:endParaRPr/>
           </a:p>
         </p:txBody>
@@ -1295,12 +1243,12 @@
 </p:notes>
 </file>
 
-<file path=ppt/notesSlides/notesSlide7.xml><?xml version="1.0" encoding="utf-8"?>
-<p:notes xmlns:a="http://schemas.openxmlformats.org/drawingml/2006/main" xmlns:r="http://schemas.openxmlformats.org/officeDocument/2006/relationships" xmlns:mc="http://schemas.openxmlformats.org/markup-compatibility/2006" xmlns:mv="urn:schemas-microsoft-com:mac:vml" xmlns:p="http://schemas.openxmlformats.org/presentationml/2006/main" xmlns:c="http://schemas.openxmlformats.org/drawingml/2006/chart" xmlns:dgm="http://schemas.openxmlformats.org/drawingml/2006/diagram" xmlns:o="urn:schemas-microsoft-com:office:office" xmlns:v="urn:schemas-microsoft-com:vml" xmlns:pvml="urn:schemas-microsoft-com:office:powerpoint" xmlns:com="http://schemas.openxmlformats.org/drawingml/2006/compatibility" xmlns:p14="http://schemas.microsoft.com/office/powerpoint/2010/main" xmlns:p15="http://schemas.microsoft.com/office/powerpoint/2012/main" showMasterPhAnim="0" showMasterSp="0">
+<file path=ppt/notesSlides/notesSlide6.xml><?xml version="1.0" encoding="utf-8"?>
+<p:notes xmlns:a="http://schemas.openxmlformats.org/drawingml/2006/main" xmlns:r="http://schemas.openxmlformats.org/officeDocument/2006/relationships" xmlns:p="http://schemas.openxmlformats.org/presentationml/2006/main" showMasterSp="0" showMasterPhAnim="0">
   <p:cSld>
     <p:spTree>
       <p:nvGrpSpPr>
-        <p:cNvPr id="160" name="Shape 160"/>
+        <p:cNvPr id="1" name="Shape 160"/>
         <p:cNvGrpSpPr/>
         <p:nvPr/>
       </p:nvGrpSpPr>
@@ -1315,9 +1263,11 @@
       <p:sp>
         <p:nvSpPr>
           <p:cNvPr id="161" name="Google Shape;161;g5c31d5cbe8_0_0:notes"/>
-          <p:cNvSpPr/>
+          <p:cNvSpPr>
+            <a:spLocks noGrp="1" noRot="1" noChangeAspect="1"/>
+          </p:cNvSpPr>
           <p:nvPr>
-            <p:ph idx="2" type="sldImg"/>
+            <p:ph type="sldImg" idx="2"/>
           </p:nvPr>
         </p:nvSpPr>
         <p:spPr>
@@ -1326,9 +1276,13 @@
             <a:ext cx="6096000" cy="3429000"/>
           </a:xfrm>
           <a:custGeom>
-            <a:rect b="b" l="l" r="r" t="t"/>
+            <a:avLst/>
+            <a:gdLst/>
+            <a:ahLst/>
+            <a:cxnLst/>
+            <a:rect l="l" t="t" r="r" b="b"/>
             <a:pathLst>
-              <a:path extrusionOk="0" h="120000" w="120000">
+              <a:path w="120000" h="120000" extrusionOk="0">
                 <a:moveTo>
                   <a:pt x="0" y="0"/>
                 </a:moveTo>
@@ -1350,9 +1304,11 @@
       <p:sp>
         <p:nvSpPr>
           <p:cNvPr id="162" name="Google Shape;162;g5c31d5cbe8_0_0:notes"/>
-          <p:cNvSpPr txBox="1"/>
+          <p:cNvSpPr txBox="1">
+            <a:spLocks noGrp="1"/>
+          </p:cNvSpPr>
           <p:nvPr>
-            <p:ph idx="1" type="body"/>
+            <p:ph type="body" idx="1"/>
           </p:nvPr>
         </p:nvSpPr>
         <p:spPr>
@@ -1365,12 +1321,12 @@
           </a:prstGeom>
         </p:spPr>
         <p:txBody>
-          <a:bodyPr anchorCtr="0" anchor="t" bIns="91425" lIns="91425" spcFirstLastPara="1" rIns="91425" wrap="square" tIns="91425">
+          <a:bodyPr spcFirstLastPara="1" wrap="square" lIns="91425" tIns="91425" rIns="91425" bIns="91425" anchor="t" anchorCtr="0">
             <a:noAutofit/>
           </a:bodyPr>
           <a:lstStyle/>
           <a:p>
-            <a:pPr indent="0" lvl="0" marL="0" rtl="0" algn="l">
+            <a:pPr marL="0" lvl="0" indent="0" algn="l" rtl="0">
               <a:spcBef>
                 <a:spcPts val="0"/>
               </a:spcBef>
@@ -1379,9 +1335,6 @@
               </a:spcAft>
               <a:buNone/>
             </a:pPr>
-            <a:r>
-              <a:t/>
-            </a:r>
             <a:endParaRPr/>
           </a:p>
         </p:txBody>
@@ -1395,18 +1348,19 @@
 </file>
 
 <file path=ppt/slideLayouts/slideLayout1.xml><?xml version="1.0" encoding="utf-8"?>
-<p:sldLayout xmlns:a="http://schemas.openxmlformats.org/drawingml/2006/main" xmlns:r="http://schemas.openxmlformats.org/officeDocument/2006/relationships" xmlns:mc="http://schemas.openxmlformats.org/markup-compatibility/2006" xmlns:mv="urn:schemas-microsoft-com:mac:vml" xmlns:p="http://schemas.openxmlformats.org/presentationml/2006/main" xmlns:c="http://schemas.openxmlformats.org/drawingml/2006/chart" xmlns:dgm="http://schemas.openxmlformats.org/drawingml/2006/diagram" xmlns:o="urn:schemas-microsoft-com:office:office" xmlns:v="urn:schemas-microsoft-com:vml" xmlns:pvml="urn:schemas-microsoft-com:office:powerpoint" xmlns:com="http://schemas.openxmlformats.org/drawingml/2006/compatibility" xmlns:p14="http://schemas.microsoft.com/office/powerpoint/2010/main" xmlns:p15="http://schemas.microsoft.com/office/powerpoint/2012/main" matchingName="Title slide" type="title">
+<p:sldLayout xmlns:a="http://schemas.openxmlformats.org/drawingml/2006/main" xmlns:r="http://schemas.openxmlformats.org/officeDocument/2006/relationships" xmlns:p="http://schemas.openxmlformats.org/presentationml/2006/main" matchingName="Title slide" type="title">
   <p:cSld name="TITLE">
     <p:bg>
       <p:bgPr>
         <a:solidFill>
           <a:schemeClr val="accent6"/>
         </a:solidFill>
+        <a:effectLst/>
       </p:bgPr>
     </p:bg>
     <p:spTree>
       <p:nvGrpSpPr>
-        <p:cNvPr id="9" name="Shape 9"/>
+        <p:cNvPr id="1" name="Shape 9"/>
         <p:cNvGrpSpPr/>
         <p:nvPr/>
       </p:nvGrpSpPr>
@@ -1440,12 +1394,12 @@
           </a:ln>
         </p:spPr>
         <p:txBody>
-          <a:bodyPr anchorCtr="0" anchor="ctr" bIns="91425" lIns="91425" spcFirstLastPara="1" rIns="91425" wrap="square" tIns="91425">
+          <a:bodyPr spcFirstLastPara="1" wrap="square" lIns="91425" tIns="91425" rIns="91425" bIns="91425" anchor="ctr" anchorCtr="0">
             <a:noAutofit/>
           </a:bodyPr>
           <a:lstStyle/>
           <a:p>
-            <a:pPr indent="0" lvl="0" marL="0" rtl="0" algn="l">
+            <a:pPr marL="0" lvl="0" indent="0" algn="l" rtl="0">
               <a:spcBef>
                 <a:spcPts val="0"/>
               </a:spcBef>
@@ -1454,9 +1408,6 @@
               </a:spcAft>
               <a:buNone/>
             </a:pPr>
-            <a:r>
-              <a:t/>
-            </a:r>
             <a:endParaRPr/>
           </a:p>
         </p:txBody>
@@ -1483,12 +1434,12 @@
           </a:ln>
         </p:spPr>
         <p:txBody>
-          <a:bodyPr anchorCtr="0" anchor="ctr" bIns="91425" lIns="91425" spcFirstLastPara="1" rIns="91425" wrap="square" tIns="91425">
+          <a:bodyPr spcFirstLastPara="1" wrap="square" lIns="91425" tIns="91425" rIns="91425" bIns="91425" anchor="ctr" anchorCtr="0">
             <a:noAutofit/>
           </a:bodyPr>
           <a:lstStyle/>
           <a:p>
-            <a:pPr indent="0" lvl="0" marL="0" rtl="0" algn="l">
+            <a:pPr marL="0" lvl="0" indent="0" algn="l" rtl="0">
               <a:spcBef>
                 <a:spcPts val="0"/>
               </a:spcBef>
@@ -1497,9 +1448,6 @@
               </a:spcAft>
               <a:buNone/>
             </a:pPr>
-            <a:r>
-              <a:t/>
-            </a:r>
             <a:endParaRPr/>
           </a:p>
         </p:txBody>
@@ -1526,12 +1474,12 @@
           </a:ln>
         </p:spPr>
         <p:txBody>
-          <a:bodyPr anchorCtr="0" anchor="ctr" bIns="91425" lIns="91425" spcFirstLastPara="1" rIns="91425" wrap="square" tIns="91425">
+          <a:bodyPr spcFirstLastPara="1" wrap="square" lIns="91425" tIns="91425" rIns="91425" bIns="91425" anchor="ctr" anchorCtr="0">
             <a:noAutofit/>
           </a:bodyPr>
           <a:lstStyle/>
           <a:p>
-            <a:pPr indent="0" lvl="0" marL="0" rtl="0" algn="l">
+            <a:pPr marL="0" lvl="0" indent="0" algn="l" rtl="0">
               <a:spcBef>
                 <a:spcPts val="0"/>
               </a:spcBef>
@@ -1540,9 +1488,6 @@
               </a:spcAft>
               <a:buNone/>
             </a:pPr>
-            <a:r>
-              <a:t/>
-            </a:r>
             <a:endParaRPr/>
           </a:p>
         </p:txBody>
@@ -1568,7 +1513,7 @@
             <a:noFill/>
           </a:ln>
           <a:effectLst>
-            <a:outerShdw blurRad="228600" sx="101000" rotWithShape="0" algn="ctr" sy="101000">
+            <a:outerShdw blurRad="228600" sx="101000" sy="101000" algn="ctr" rotWithShape="0">
               <a:srgbClr val="000000">
                 <a:alpha val="40000"/>
               </a:srgbClr>
@@ -1576,12 +1521,12 @@
           </a:effectLst>
         </p:spPr>
         <p:txBody>
-          <a:bodyPr anchorCtr="0" anchor="ctr" bIns="91425" lIns="91425" spcFirstLastPara="1" rIns="91425" wrap="square" tIns="91425">
+          <a:bodyPr spcFirstLastPara="1" wrap="square" lIns="91425" tIns="91425" rIns="91425" bIns="91425" anchor="ctr" anchorCtr="0">
             <a:noAutofit/>
           </a:bodyPr>
           <a:lstStyle/>
           <a:p>
-            <a:pPr indent="0" lvl="0" marL="0" rtl="0" algn="l">
+            <a:pPr marL="0" lvl="0" indent="0" algn="l" rtl="0">
               <a:spcBef>
                 <a:spcPts val="0"/>
               </a:spcBef>
@@ -1590,9 +1535,6 @@
               </a:spcAft>
               <a:buNone/>
             </a:pPr>
-            <a:r>
-              <a:t/>
-            </a:r>
             <a:endParaRPr/>
           </a:p>
         </p:txBody>
@@ -1624,7 +1566,7 @@
             </a:xfrm>
             <a:prstGeom prst="parallelogram">
               <a:avLst>
-                <a:gd fmla="val 153193" name="adj"/>
+                <a:gd name="adj" fmla="val 153193"/>
               </a:avLst>
             </a:prstGeom>
             <a:solidFill>
@@ -1635,12 +1577,12 @@
             </a:ln>
           </p:spPr>
           <p:txBody>
-            <a:bodyPr anchorCtr="0" anchor="ctr" bIns="91425" lIns="91425" spcFirstLastPara="1" rIns="91425" wrap="square" tIns="91425">
+            <a:bodyPr spcFirstLastPara="1" wrap="square" lIns="91425" tIns="91425" rIns="91425" bIns="91425" anchor="ctr" anchorCtr="0">
               <a:noAutofit/>
             </a:bodyPr>
             <a:lstStyle/>
             <a:p>
-              <a:pPr indent="0" lvl="0" marL="0" rtl="0" algn="l">
+              <a:pPr marL="0" lvl="0" indent="0" algn="l" rtl="0">
                 <a:spcBef>
                   <a:spcPts val="0"/>
                 </a:spcBef>
@@ -1649,9 +1591,6 @@
                 </a:spcAft>
                 <a:buNone/>
               </a:pPr>
-              <a:r>
-                <a:t/>
-              </a:r>
               <a:endParaRPr/>
             </a:p>
           </p:txBody>
@@ -1669,7 +1608,7 @@
             </a:xfrm>
             <a:prstGeom prst="parallelogram">
               <a:avLst>
-                <a:gd fmla="val 153193" name="adj"/>
+                <a:gd name="adj" fmla="val 153193"/>
               </a:avLst>
             </a:prstGeom>
             <a:solidFill>
@@ -1680,12 +1619,12 @@
             </a:ln>
           </p:spPr>
           <p:txBody>
-            <a:bodyPr anchorCtr="0" anchor="ctr" bIns="91425" lIns="91425" spcFirstLastPara="1" rIns="91425" wrap="square" tIns="91425">
+            <a:bodyPr spcFirstLastPara="1" wrap="square" lIns="91425" tIns="91425" rIns="91425" bIns="91425" anchor="ctr" anchorCtr="0">
               <a:noAutofit/>
             </a:bodyPr>
             <a:lstStyle/>
             <a:p>
-              <a:pPr indent="0" lvl="0" marL="0" rtl="0" algn="l">
+              <a:pPr marL="0" lvl="0" indent="0" algn="l" rtl="0">
                 <a:spcBef>
                   <a:spcPts val="0"/>
                 </a:spcBef>
@@ -1694,9 +1633,6 @@
                 </a:spcAft>
                 <a:buNone/>
               </a:pPr>
-              <a:r>
-                <a:t/>
-              </a:r>
               <a:endParaRPr/>
             </a:p>
           </p:txBody>
@@ -1714,7 +1650,7 @@
             </a:xfrm>
             <a:prstGeom prst="parallelogram">
               <a:avLst>
-                <a:gd fmla="val 153193" name="adj"/>
+                <a:gd name="adj" fmla="val 153193"/>
               </a:avLst>
             </a:prstGeom>
             <a:solidFill>
@@ -1725,12 +1661,12 @@
             </a:ln>
           </p:spPr>
           <p:txBody>
-            <a:bodyPr anchorCtr="0" anchor="ctr" bIns="91425" lIns="91425" spcFirstLastPara="1" rIns="91425" wrap="square" tIns="91425">
+            <a:bodyPr spcFirstLastPara="1" wrap="square" lIns="91425" tIns="91425" rIns="91425" bIns="91425" anchor="ctr" anchorCtr="0">
               <a:noAutofit/>
             </a:bodyPr>
             <a:lstStyle/>
             <a:p>
-              <a:pPr indent="0" lvl="0" marL="0" rtl="0" algn="l">
+              <a:pPr marL="0" lvl="0" indent="0" algn="l" rtl="0">
                 <a:spcBef>
                   <a:spcPts val="0"/>
                 </a:spcBef>
@@ -1739,9 +1675,6 @@
                 </a:spcAft>
                 <a:buNone/>
               </a:pPr>
-              <a:r>
-                <a:t/>
-              </a:r>
               <a:endParaRPr/>
             </a:p>
           </p:txBody>
@@ -1774,7 +1707,7 @@
             </a:xfrm>
             <a:prstGeom prst="parallelogram">
               <a:avLst>
-                <a:gd fmla="val 153193" name="adj"/>
+                <a:gd name="adj" fmla="val 153193"/>
               </a:avLst>
             </a:prstGeom>
             <a:solidFill>
@@ -1785,12 +1718,12 @@
             </a:ln>
           </p:spPr>
           <p:txBody>
-            <a:bodyPr anchorCtr="0" anchor="ctr" bIns="91425" lIns="91425" spcFirstLastPara="1" rIns="91425" wrap="square" tIns="91425">
+            <a:bodyPr spcFirstLastPara="1" wrap="square" lIns="91425" tIns="91425" rIns="91425" bIns="91425" anchor="ctr" anchorCtr="0">
               <a:noAutofit/>
             </a:bodyPr>
             <a:lstStyle/>
             <a:p>
-              <a:pPr indent="0" lvl="0" marL="0" rtl="0" algn="l">
+              <a:pPr marL="0" lvl="0" indent="0" algn="l" rtl="0">
                 <a:spcBef>
                   <a:spcPts val="0"/>
                 </a:spcBef>
@@ -1799,9 +1732,6 @@
                 </a:spcAft>
                 <a:buNone/>
               </a:pPr>
-              <a:r>
-                <a:t/>
-              </a:r>
               <a:endParaRPr/>
             </a:p>
           </p:txBody>
@@ -1819,7 +1749,7 @@
             </a:xfrm>
             <a:prstGeom prst="parallelogram">
               <a:avLst>
-                <a:gd fmla="val 153193" name="adj"/>
+                <a:gd name="adj" fmla="val 153193"/>
               </a:avLst>
             </a:prstGeom>
             <a:solidFill>
@@ -1830,12 +1760,12 @@
             </a:ln>
           </p:spPr>
           <p:txBody>
-            <a:bodyPr anchorCtr="0" anchor="ctr" bIns="91425" lIns="91425" spcFirstLastPara="1" rIns="91425" wrap="square" tIns="91425">
+            <a:bodyPr spcFirstLastPara="1" wrap="square" lIns="91425" tIns="91425" rIns="91425" bIns="91425" anchor="ctr" anchorCtr="0">
               <a:noAutofit/>
             </a:bodyPr>
             <a:lstStyle/>
             <a:p>
-              <a:pPr indent="0" lvl="0" marL="0" rtl="0" algn="l">
+              <a:pPr marL="0" lvl="0" indent="0" algn="l" rtl="0">
                 <a:spcBef>
                   <a:spcPts val="0"/>
                 </a:spcBef>
@@ -1844,9 +1774,6 @@
                 </a:spcAft>
                 <a:buNone/>
               </a:pPr>
-              <a:r>
-                <a:t/>
-              </a:r>
               <a:endParaRPr/>
             </a:p>
           </p:txBody>
@@ -1864,7 +1791,7 @@
             </a:xfrm>
             <a:prstGeom prst="parallelogram">
               <a:avLst>
-                <a:gd fmla="val 153193" name="adj"/>
+                <a:gd name="adj" fmla="val 153193"/>
               </a:avLst>
             </a:prstGeom>
             <a:solidFill>
@@ -1875,12 +1802,12 @@
             </a:ln>
           </p:spPr>
           <p:txBody>
-            <a:bodyPr anchorCtr="0" anchor="ctr" bIns="91425" lIns="91425" spcFirstLastPara="1" rIns="91425" wrap="square" tIns="91425">
+            <a:bodyPr spcFirstLastPara="1" wrap="square" lIns="91425" tIns="91425" rIns="91425" bIns="91425" anchor="ctr" anchorCtr="0">
               <a:noAutofit/>
             </a:bodyPr>
             <a:lstStyle/>
             <a:p>
-              <a:pPr indent="0" lvl="0" marL="0" rtl="0" algn="l">
+              <a:pPr marL="0" lvl="0" indent="0" algn="l" rtl="0">
                 <a:spcBef>
                   <a:spcPts val="0"/>
                 </a:spcBef>
@@ -1889,9 +1816,6 @@
                 </a:spcAft>
                 <a:buNone/>
               </a:pPr>
-              <a:r>
-                <a:t/>
-              </a:r>
               <a:endParaRPr/>
             </a:p>
           </p:txBody>
@@ -1924,7 +1848,7 @@
             </a:xfrm>
             <a:prstGeom prst="parallelogram">
               <a:avLst>
-                <a:gd fmla="val 158024" name="adj"/>
+                <a:gd name="adj" fmla="val 158024"/>
               </a:avLst>
             </a:prstGeom>
             <a:solidFill>
@@ -1935,12 +1859,12 @@
             </a:ln>
           </p:spPr>
           <p:txBody>
-            <a:bodyPr anchorCtr="0" anchor="ctr" bIns="91425" lIns="91425" spcFirstLastPara="1" rIns="91425" wrap="square" tIns="91425">
+            <a:bodyPr spcFirstLastPara="1" wrap="square" lIns="91425" tIns="91425" rIns="91425" bIns="91425" anchor="ctr" anchorCtr="0">
               <a:noAutofit/>
             </a:bodyPr>
             <a:lstStyle/>
             <a:p>
-              <a:pPr indent="0" lvl="0" marL="0" rtl="0" algn="l">
+              <a:pPr marL="0" lvl="0" indent="0" algn="l" rtl="0">
                 <a:spcBef>
                   <a:spcPts val="0"/>
                 </a:spcBef>
@@ -1949,9 +1873,6 @@
                 </a:spcAft>
                 <a:buNone/>
               </a:pPr>
-              <a:r>
-                <a:t/>
-              </a:r>
               <a:endParaRPr/>
             </a:p>
           </p:txBody>
@@ -1969,7 +1890,7 @@
             </a:xfrm>
             <a:prstGeom prst="parallelogram">
               <a:avLst>
-                <a:gd fmla="val 158024" name="adj"/>
+                <a:gd name="adj" fmla="val 158024"/>
               </a:avLst>
             </a:prstGeom>
             <a:solidFill>
@@ -1980,12 +1901,12 @@
             </a:ln>
           </p:spPr>
           <p:txBody>
-            <a:bodyPr anchorCtr="0" anchor="ctr" bIns="91425" lIns="91425" spcFirstLastPara="1" rIns="91425" wrap="square" tIns="91425">
+            <a:bodyPr spcFirstLastPara="1" wrap="square" lIns="91425" tIns="91425" rIns="91425" bIns="91425" anchor="ctr" anchorCtr="0">
               <a:noAutofit/>
             </a:bodyPr>
             <a:lstStyle/>
             <a:p>
-              <a:pPr indent="0" lvl="0" marL="0" rtl="0" algn="l">
+              <a:pPr marL="0" lvl="0" indent="0" algn="l" rtl="0">
                 <a:spcBef>
                   <a:spcPts val="0"/>
                 </a:spcBef>
@@ -1994,9 +1915,6 @@
                 </a:spcAft>
                 <a:buNone/>
               </a:pPr>
-              <a:r>
-                <a:t/>
-              </a:r>
               <a:endParaRPr/>
             </a:p>
           </p:txBody>
@@ -2014,7 +1932,7 @@
             </a:xfrm>
             <a:prstGeom prst="parallelogram">
               <a:avLst>
-                <a:gd fmla="val 158024" name="adj"/>
+                <a:gd name="adj" fmla="val 158024"/>
               </a:avLst>
             </a:prstGeom>
             <a:solidFill>
@@ -2025,12 +1943,12 @@
             </a:ln>
           </p:spPr>
           <p:txBody>
-            <a:bodyPr anchorCtr="0" anchor="ctr" bIns="91425" lIns="91425" spcFirstLastPara="1" rIns="91425" wrap="square" tIns="91425">
+            <a:bodyPr spcFirstLastPara="1" wrap="square" lIns="91425" tIns="91425" rIns="91425" bIns="91425" anchor="ctr" anchorCtr="0">
               <a:noAutofit/>
             </a:bodyPr>
             <a:lstStyle/>
             <a:p>
-              <a:pPr indent="0" lvl="0" marL="0" rtl="0" algn="l">
+              <a:pPr marL="0" lvl="0" indent="0" algn="l" rtl="0">
                 <a:spcBef>
                   <a:spcPts val="0"/>
                 </a:spcBef>
@@ -2039,9 +1957,6 @@
                 </a:spcAft>
                 <a:buNone/>
               </a:pPr>
-              <a:r>
-                <a:t/>
-              </a:r>
               <a:endParaRPr/>
             </a:p>
           </p:txBody>
@@ -2074,7 +1989,7 @@
             </a:xfrm>
             <a:prstGeom prst="parallelogram">
               <a:avLst>
-                <a:gd fmla="val 158024" name="adj"/>
+                <a:gd name="adj" fmla="val 158024"/>
               </a:avLst>
             </a:prstGeom>
             <a:solidFill>
@@ -2085,12 +2000,12 @@
             </a:ln>
           </p:spPr>
           <p:txBody>
-            <a:bodyPr anchorCtr="0" anchor="ctr" bIns="91425" lIns="91425" spcFirstLastPara="1" rIns="91425" wrap="square" tIns="91425">
+            <a:bodyPr spcFirstLastPara="1" wrap="square" lIns="91425" tIns="91425" rIns="91425" bIns="91425" anchor="ctr" anchorCtr="0">
               <a:noAutofit/>
             </a:bodyPr>
             <a:lstStyle/>
             <a:p>
-              <a:pPr indent="0" lvl="0" marL="0" rtl="0" algn="l">
+              <a:pPr marL="0" lvl="0" indent="0" algn="l" rtl="0">
                 <a:spcBef>
                   <a:spcPts val="0"/>
                 </a:spcBef>
@@ -2099,9 +2014,6 @@
                 </a:spcAft>
                 <a:buNone/>
               </a:pPr>
-              <a:r>
-                <a:t/>
-              </a:r>
               <a:endParaRPr/>
             </a:p>
           </p:txBody>
@@ -2119,7 +2031,7 @@
             </a:xfrm>
             <a:prstGeom prst="parallelogram">
               <a:avLst>
-                <a:gd fmla="val 158024" name="adj"/>
+                <a:gd name="adj" fmla="val 158024"/>
               </a:avLst>
             </a:prstGeom>
             <a:solidFill>
@@ -2130,12 +2042,12 @@
             </a:ln>
           </p:spPr>
           <p:txBody>
-            <a:bodyPr anchorCtr="0" anchor="ctr" bIns="91425" lIns="91425" spcFirstLastPara="1" rIns="91425" wrap="square" tIns="91425">
+            <a:bodyPr spcFirstLastPara="1" wrap="square" lIns="91425" tIns="91425" rIns="91425" bIns="91425" anchor="ctr" anchorCtr="0">
               <a:noAutofit/>
             </a:bodyPr>
             <a:lstStyle/>
             <a:p>
-              <a:pPr indent="0" lvl="0" marL="0" rtl="0" algn="l">
+              <a:pPr marL="0" lvl="0" indent="0" algn="l" rtl="0">
                 <a:spcBef>
                   <a:spcPts val="0"/>
                 </a:spcBef>
@@ -2144,9 +2056,6 @@
                 </a:spcAft>
                 <a:buNone/>
               </a:pPr>
-              <a:r>
-                <a:t/>
-              </a:r>
               <a:endParaRPr/>
             </a:p>
           </p:txBody>
@@ -2164,7 +2073,7 @@
             </a:xfrm>
             <a:prstGeom prst="parallelogram">
               <a:avLst>
-                <a:gd fmla="val 158024" name="adj"/>
+                <a:gd name="adj" fmla="val 158024"/>
               </a:avLst>
             </a:prstGeom>
             <a:solidFill>
@@ -2175,12 +2084,12 @@
             </a:ln>
           </p:spPr>
           <p:txBody>
-            <a:bodyPr anchorCtr="0" anchor="ctr" bIns="91425" lIns="91425" spcFirstLastPara="1" rIns="91425" wrap="square" tIns="91425">
+            <a:bodyPr spcFirstLastPara="1" wrap="square" lIns="91425" tIns="91425" rIns="91425" bIns="91425" anchor="ctr" anchorCtr="0">
               <a:noAutofit/>
             </a:bodyPr>
             <a:lstStyle/>
             <a:p>
-              <a:pPr indent="0" lvl="0" marL="0" rtl="0" algn="l">
+              <a:pPr marL="0" lvl="0" indent="0" algn="l" rtl="0">
                 <a:spcBef>
                   <a:spcPts val="0"/>
                 </a:spcBef>
@@ -2189,9 +2098,6 @@
                 </a:spcAft>
                 <a:buNone/>
               </a:pPr>
-              <a:r>
-                <a:t/>
-              </a:r>
               <a:endParaRPr/>
             </a:p>
           </p:txBody>
@@ -2224,7 +2130,7 @@
             </a:xfrm>
             <a:prstGeom prst="parallelogram">
               <a:avLst>
-                <a:gd fmla="val 158024" name="adj"/>
+                <a:gd name="adj" fmla="val 158024"/>
               </a:avLst>
             </a:prstGeom>
             <a:solidFill>
@@ -2235,12 +2141,12 @@
             </a:ln>
           </p:spPr>
           <p:txBody>
-            <a:bodyPr anchorCtr="0" anchor="ctr" bIns="91425" lIns="91425" spcFirstLastPara="1" rIns="91425" wrap="square" tIns="91425">
+            <a:bodyPr spcFirstLastPara="1" wrap="square" lIns="91425" tIns="91425" rIns="91425" bIns="91425" anchor="ctr" anchorCtr="0">
               <a:noAutofit/>
             </a:bodyPr>
             <a:lstStyle/>
             <a:p>
-              <a:pPr indent="0" lvl="0" marL="0" rtl="0" algn="l">
+              <a:pPr marL="0" lvl="0" indent="0" algn="l" rtl="0">
                 <a:spcBef>
                   <a:spcPts val="0"/>
                 </a:spcBef>
@@ -2249,9 +2155,6 @@
                 </a:spcAft>
                 <a:buNone/>
               </a:pPr>
-              <a:r>
-                <a:t/>
-              </a:r>
               <a:endParaRPr/>
             </a:p>
           </p:txBody>
@@ -2269,7 +2172,7 @@
             </a:xfrm>
             <a:prstGeom prst="parallelogram">
               <a:avLst>
-                <a:gd fmla="val 158024" name="adj"/>
+                <a:gd name="adj" fmla="val 158024"/>
               </a:avLst>
             </a:prstGeom>
             <a:solidFill>
@@ -2280,12 +2183,12 @@
             </a:ln>
           </p:spPr>
           <p:txBody>
-            <a:bodyPr anchorCtr="0" anchor="ctr" bIns="91425" lIns="91425" spcFirstLastPara="1" rIns="91425" wrap="square" tIns="91425">
+            <a:bodyPr spcFirstLastPara="1" wrap="square" lIns="91425" tIns="91425" rIns="91425" bIns="91425" anchor="ctr" anchorCtr="0">
               <a:noAutofit/>
             </a:bodyPr>
             <a:lstStyle/>
             <a:p>
-              <a:pPr indent="0" lvl="0" marL="0" rtl="0" algn="l">
+              <a:pPr marL="0" lvl="0" indent="0" algn="l" rtl="0">
                 <a:spcBef>
                   <a:spcPts val="0"/>
                 </a:spcBef>
@@ -2294,9 +2197,6 @@
                 </a:spcAft>
                 <a:buNone/>
               </a:pPr>
-              <a:r>
-                <a:t/>
-              </a:r>
               <a:endParaRPr/>
             </a:p>
           </p:txBody>
@@ -2314,7 +2214,7 @@
             </a:xfrm>
             <a:prstGeom prst="parallelogram">
               <a:avLst>
-                <a:gd fmla="val 158024" name="adj"/>
+                <a:gd name="adj" fmla="val 158024"/>
               </a:avLst>
             </a:prstGeom>
             <a:solidFill>
@@ -2325,12 +2225,12 @@
             </a:ln>
           </p:spPr>
           <p:txBody>
-            <a:bodyPr anchorCtr="0" anchor="ctr" bIns="91425" lIns="91425" spcFirstLastPara="1" rIns="91425" wrap="square" tIns="91425">
+            <a:bodyPr spcFirstLastPara="1" wrap="square" lIns="91425" tIns="91425" rIns="91425" bIns="91425" anchor="ctr" anchorCtr="0">
               <a:noAutofit/>
             </a:bodyPr>
             <a:lstStyle/>
             <a:p>
-              <a:pPr indent="0" lvl="0" marL="0" rtl="0" algn="l">
+              <a:pPr marL="0" lvl="0" indent="0" algn="l" rtl="0">
                 <a:spcBef>
                   <a:spcPts val="0"/>
                 </a:spcBef>
@@ -2339,9 +2239,6 @@
                 </a:spcAft>
                 <a:buNone/>
               </a:pPr>
-              <a:r>
-                <a:t/>
-              </a:r>
               <a:endParaRPr/>
             </a:p>
           </p:txBody>
@@ -2350,7 +2247,9 @@
       <p:sp>
         <p:nvSpPr>
           <p:cNvPr id="34" name="Google Shape;34;p2"/>
-          <p:cNvSpPr txBox="1"/>
+          <p:cNvSpPr txBox="1">
+            <a:spLocks noGrp="1"/>
+          </p:cNvSpPr>
           <p:nvPr>
             <p:ph type="ctrTitle"/>
           </p:nvPr>
@@ -2365,7 +2264,7 @@
           </a:prstGeom>
         </p:spPr>
         <p:txBody>
-          <a:bodyPr anchorCtr="0" anchor="ctr" bIns="91425" lIns="91425" spcFirstLastPara="1" rIns="91425" wrap="square" tIns="91425">
+          <a:bodyPr spcFirstLastPara="1" wrap="square" lIns="91425" tIns="91425" rIns="91425" bIns="91425" anchor="ctr" anchorCtr="0">
             <a:noAutofit/>
           </a:bodyPr>
           <a:lstStyle>
@@ -2469,15 +2368,19 @@
               <a:defRPr sz="3800"/>
             </a:lvl9pPr>
           </a:lstStyle>
-          <a:p/>
+          <a:p>
+            <a:endParaRPr/>
+          </a:p>
         </p:txBody>
       </p:sp>
       <p:sp>
         <p:nvSpPr>
           <p:cNvPr id="35" name="Google Shape;35;p2"/>
-          <p:cNvSpPr txBox="1"/>
+          <p:cNvSpPr txBox="1">
+            <a:spLocks noGrp="1"/>
+          </p:cNvSpPr>
           <p:nvPr>
-            <p:ph idx="1" type="subTitle"/>
+            <p:ph type="subTitle" idx="1"/>
           </p:nvPr>
         </p:nvSpPr>
         <p:spPr>
@@ -2490,7 +2393,7 @@
           </a:prstGeom>
         </p:spPr>
         <p:txBody>
-          <a:bodyPr anchorCtr="0" anchor="t" bIns="91425" lIns="91425" spcFirstLastPara="1" rIns="91425" wrap="square" tIns="91425">
+          <a:bodyPr spcFirstLastPara="1" wrap="square" lIns="91425" tIns="91425" rIns="91425" bIns="91425" anchor="t" anchorCtr="0">
             <a:noAutofit/>
           </a:bodyPr>
           <a:lstStyle>
@@ -2684,15 +2587,19 @@
               </a:defRPr>
             </a:lvl9pPr>
           </a:lstStyle>
-          <a:p/>
+          <a:p>
+            <a:endParaRPr/>
+          </a:p>
         </p:txBody>
       </p:sp>
       <p:sp>
         <p:nvSpPr>
           <p:cNvPr id="36" name="Google Shape;36;p2"/>
-          <p:cNvSpPr txBox="1"/>
+          <p:cNvSpPr txBox="1">
+            <a:spLocks noGrp="1"/>
+          </p:cNvSpPr>
           <p:nvPr>
-            <p:ph idx="12" type="sldNum"/>
+            <p:ph type="sldNum" idx="12"/>
           </p:nvPr>
         </p:nvSpPr>
         <p:spPr>
@@ -2705,7 +2612,7 @@
           </a:prstGeom>
         </p:spPr>
         <p:txBody>
-          <a:bodyPr anchorCtr="0" anchor="ctr" bIns="91425" lIns="91425" spcFirstLastPara="1" rIns="91425" wrap="square" tIns="91425">
+          <a:bodyPr spcFirstLastPara="1" wrap="square" lIns="91425" tIns="91425" rIns="91425" bIns="91425" anchor="ctr" anchorCtr="0">
             <a:noAutofit/>
           </a:bodyPr>
           <a:lstStyle>
@@ -2747,7 +2654,7 @@
             </a:lvl9pPr>
           </a:lstStyle>
           <a:p>
-            <a:pPr indent="0" lvl="0" marL="0" rtl="0" algn="r">
+            <a:pPr marL="0" lvl="0" indent="0" algn="r" rtl="0">
               <a:spcBef>
                 <a:spcPts val="0"/>
               </a:spcBef>
@@ -2773,18 +2680,19 @@
 </file>
 
 <file path=ppt/slideLayouts/slideLayout10.xml><?xml version="1.0" encoding="utf-8"?>
-<p:sldLayout xmlns:a="http://schemas.openxmlformats.org/drawingml/2006/main" xmlns:r="http://schemas.openxmlformats.org/officeDocument/2006/relationships" xmlns:mc="http://schemas.openxmlformats.org/markup-compatibility/2006" xmlns:mv="urn:schemas-microsoft-com:mac:vml" xmlns:p="http://schemas.openxmlformats.org/presentationml/2006/main" xmlns:c="http://schemas.openxmlformats.org/drawingml/2006/chart" xmlns:dgm="http://schemas.openxmlformats.org/drawingml/2006/diagram" xmlns:o="urn:schemas-microsoft-com:office:office" xmlns:v="urn:schemas-microsoft-com:vml" xmlns:pvml="urn:schemas-microsoft-com:office:powerpoint" xmlns:com="http://schemas.openxmlformats.org/drawingml/2006/compatibility" xmlns:p14="http://schemas.microsoft.com/office/powerpoint/2010/main" xmlns:p15="http://schemas.microsoft.com/office/powerpoint/2012/main" matchingName="Big number">
+<p:sldLayout xmlns:a="http://schemas.openxmlformats.org/drawingml/2006/main" xmlns:r="http://schemas.openxmlformats.org/officeDocument/2006/relationships" xmlns:p="http://schemas.openxmlformats.org/presentationml/2006/main" matchingName="Big number">
   <p:cSld name="BIG_NUMBER">
     <p:bg>
       <p:bgPr>
         <a:solidFill>
           <a:schemeClr val="accent3"/>
         </a:solidFill>
+        <a:effectLst/>
       </p:bgPr>
     </p:bg>
     <p:spTree>
       <p:nvGrpSpPr>
-        <p:cNvPr id="109" name="Shape 109"/>
+        <p:cNvPr id="1" name="Shape 109"/>
         <p:cNvGrpSpPr/>
         <p:nvPr/>
       </p:nvGrpSpPr>
@@ -2818,12 +2726,12 @@
           </a:ln>
         </p:spPr>
         <p:txBody>
-          <a:bodyPr anchorCtr="0" anchor="ctr" bIns="91425" lIns="91425" spcFirstLastPara="1" rIns="91425" wrap="square" tIns="91425">
+          <a:bodyPr spcFirstLastPara="1" wrap="square" lIns="91425" tIns="91425" rIns="91425" bIns="91425" anchor="ctr" anchorCtr="0">
             <a:noAutofit/>
           </a:bodyPr>
           <a:lstStyle/>
           <a:p>
-            <a:pPr indent="0" lvl="0" marL="0" rtl="0" algn="l">
+            <a:pPr marL="0" lvl="0" indent="0" algn="l" rtl="0">
               <a:spcBef>
                 <a:spcPts val="0"/>
               </a:spcBef>
@@ -2832,9 +2740,6 @@
               </a:spcAft>
               <a:buNone/>
             </a:pPr>
-            <a:r>
-              <a:t/>
-            </a:r>
             <a:endParaRPr/>
           </a:p>
         </p:txBody>
@@ -2866,7 +2771,7 @@
             </a:xfrm>
             <a:prstGeom prst="parallelogram">
               <a:avLst>
-                <a:gd fmla="val 158024" name="adj"/>
+                <a:gd name="adj" fmla="val 158024"/>
               </a:avLst>
             </a:prstGeom>
             <a:solidFill>
@@ -2877,12 +2782,12 @@
             </a:ln>
           </p:spPr>
           <p:txBody>
-            <a:bodyPr anchorCtr="0" anchor="ctr" bIns="91425" lIns="91425" spcFirstLastPara="1" rIns="91425" wrap="square" tIns="91425">
+            <a:bodyPr spcFirstLastPara="1" wrap="square" lIns="91425" tIns="91425" rIns="91425" bIns="91425" anchor="ctr" anchorCtr="0">
               <a:noAutofit/>
             </a:bodyPr>
             <a:lstStyle/>
             <a:p>
-              <a:pPr indent="0" lvl="0" marL="0" rtl="0" algn="l">
+              <a:pPr marL="0" lvl="0" indent="0" algn="l" rtl="0">
                 <a:spcBef>
                   <a:spcPts val="0"/>
                 </a:spcBef>
@@ -2891,9 +2796,6 @@
                 </a:spcAft>
                 <a:buNone/>
               </a:pPr>
-              <a:r>
-                <a:t/>
-              </a:r>
               <a:endParaRPr/>
             </a:p>
           </p:txBody>
@@ -2911,7 +2813,7 @@
             </a:xfrm>
             <a:prstGeom prst="parallelogram">
               <a:avLst>
-                <a:gd fmla="val 158024" name="adj"/>
+                <a:gd name="adj" fmla="val 158024"/>
               </a:avLst>
             </a:prstGeom>
             <a:solidFill>
@@ -2922,12 +2824,12 @@
             </a:ln>
           </p:spPr>
           <p:txBody>
-            <a:bodyPr anchorCtr="0" anchor="ctr" bIns="91425" lIns="91425" spcFirstLastPara="1" rIns="91425" wrap="square" tIns="91425">
+            <a:bodyPr spcFirstLastPara="1" wrap="square" lIns="91425" tIns="91425" rIns="91425" bIns="91425" anchor="ctr" anchorCtr="0">
               <a:noAutofit/>
             </a:bodyPr>
             <a:lstStyle/>
             <a:p>
-              <a:pPr indent="0" lvl="0" marL="0" rtl="0" algn="l">
+              <a:pPr marL="0" lvl="0" indent="0" algn="l" rtl="0">
                 <a:spcBef>
                   <a:spcPts val="0"/>
                 </a:spcBef>
@@ -2936,9 +2838,6 @@
                 </a:spcAft>
                 <a:buNone/>
               </a:pPr>
-              <a:r>
-                <a:t/>
-              </a:r>
               <a:endParaRPr/>
             </a:p>
           </p:txBody>
@@ -2956,7 +2855,7 @@
             </a:xfrm>
             <a:prstGeom prst="parallelogram">
               <a:avLst>
-                <a:gd fmla="val 158024" name="adj"/>
+                <a:gd name="adj" fmla="val 158024"/>
               </a:avLst>
             </a:prstGeom>
             <a:solidFill>
@@ -2967,12 +2866,12 @@
             </a:ln>
           </p:spPr>
           <p:txBody>
-            <a:bodyPr anchorCtr="0" anchor="ctr" bIns="91425" lIns="91425" spcFirstLastPara="1" rIns="91425" wrap="square" tIns="91425">
+            <a:bodyPr spcFirstLastPara="1" wrap="square" lIns="91425" tIns="91425" rIns="91425" bIns="91425" anchor="ctr" anchorCtr="0">
               <a:noAutofit/>
             </a:bodyPr>
             <a:lstStyle/>
             <a:p>
-              <a:pPr indent="0" lvl="0" marL="0" rtl="0" algn="l">
+              <a:pPr marL="0" lvl="0" indent="0" algn="l" rtl="0">
                 <a:spcBef>
                   <a:spcPts val="0"/>
                 </a:spcBef>
@@ -2981,9 +2880,6 @@
                 </a:spcAft>
                 <a:buNone/>
               </a:pPr>
-              <a:r>
-                <a:t/>
-              </a:r>
               <a:endParaRPr/>
             </a:p>
           </p:txBody>
@@ -3016,7 +2912,7 @@
             </a:xfrm>
             <a:prstGeom prst="parallelogram">
               <a:avLst>
-                <a:gd fmla="val 158024" name="adj"/>
+                <a:gd name="adj" fmla="val 158024"/>
               </a:avLst>
             </a:prstGeom>
             <a:solidFill>
@@ -3027,12 +2923,12 @@
             </a:ln>
           </p:spPr>
           <p:txBody>
-            <a:bodyPr anchorCtr="0" anchor="ctr" bIns="91425" lIns="91425" spcFirstLastPara="1" rIns="91425" wrap="square" tIns="91425">
+            <a:bodyPr spcFirstLastPara="1" wrap="square" lIns="91425" tIns="91425" rIns="91425" bIns="91425" anchor="ctr" anchorCtr="0">
               <a:noAutofit/>
             </a:bodyPr>
             <a:lstStyle/>
             <a:p>
-              <a:pPr indent="0" lvl="0" marL="0" rtl="0" algn="l">
+              <a:pPr marL="0" lvl="0" indent="0" algn="l" rtl="0">
                 <a:spcBef>
                   <a:spcPts val="0"/>
                 </a:spcBef>
@@ -3041,9 +2937,6 @@
                 </a:spcAft>
                 <a:buNone/>
               </a:pPr>
-              <a:r>
-                <a:t/>
-              </a:r>
               <a:endParaRPr/>
             </a:p>
           </p:txBody>
@@ -3061,7 +2954,7 @@
             </a:xfrm>
             <a:prstGeom prst="parallelogram">
               <a:avLst>
-                <a:gd fmla="val 158024" name="adj"/>
+                <a:gd name="adj" fmla="val 158024"/>
               </a:avLst>
             </a:prstGeom>
             <a:solidFill>
@@ -3072,12 +2965,12 @@
             </a:ln>
           </p:spPr>
           <p:txBody>
-            <a:bodyPr anchorCtr="0" anchor="ctr" bIns="91425" lIns="91425" spcFirstLastPara="1" rIns="91425" wrap="square" tIns="91425">
+            <a:bodyPr spcFirstLastPara="1" wrap="square" lIns="91425" tIns="91425" rIns="91425" bIns="91425" anchor="ctr" anchorCtr="0">
               <a:noAutofit/>
             </a:bodyPr>
             <a:lstStyle/>
             <a:p>
-              <a:pPr indent="0" lvl="0" marL="0" rtl="0" algn="l">
+              <a:pPr marL="0" lvl="0" indent="0" algn="l" rtl="0">
                 <a:spcBef>
                   <a:spcPts val="0"/>
                 </a:spcBef>
@@ -3086,9 +2979,6 @@
                 </a:spcAft>
                 <a:buNone/>
               </a:pPr>
-              <a:r>
-                <a:t/>
-              </a:r>
               <a:endParaRPr/>
             </a:p>
           </p:txBody>
@@ -3106,7 +2996,7 @@
             </a:xfrm>
             <a:prstGeom prst="parallelogram">
               <a:avLst>
-                <a:gd fmla="val 158024" name="adj"/>
+                <a:gd name="adj" fmla="val 158024"/>
               </a:avLst>
             </a:prstGeom>
             <a:solidFill>
@@ -3117,12 +3007,12 @@
             </a:ln>
           </p:spPr>
           <p:txBody>
-            <a:bodyPr anchorCtr="0" anchor="ctr" bIns="91425" lIns="91425" spcFirstLastPara="1" rIns="91425" wrap="square" tIns="91425">
+            <a:bodyPr spcFirstLastPara="1" wrap="square" lIns="91425" tIns="91425" rIns="91425" bIns="91425" anchor="ctr" anchorCtr="0">
               <a:noAutofit/>
             </a:bodyPr>
             <a:lstStyle/>
             <a:p>
-              <a:pPr indent="0" lvl="0" marL="0" rtl="0" algn="l">
+              <a:pPr marL="0" lvl="0" indent="0" algn="l" rtl="0">
                 <a:spcBef>
                   <a:spcPts val="0"/>
                 </a:spcBef>
@@ -3131,9 +3021,6 @@
                 </a:spcAft>
                 <a:buNone/>
               </a:pPr>
-              <a:r>
-                <a:t/>
-              </a:r>
               <a:endParaRPr/>
             </a:p>
           </p:txBody>
@@ -3142,9 +3029,11 @@
       <p:sp>
         <p:nvSpPr>
           <p:cNvPr id="119" name="Google Shape;119;p11"/>
-          <p:cNvSpPr txBox="1"/>
+          <p:cNvSpPr txBox="1">
+            <a:spLocks noGrp="1"/>
+          </p:cNvSpPr>
           <p:nvPr>
-            <p:ph hasCustomPrompt="1" type="title"/>
+            <p:ph type="title" hasCustomPrompt="1"/>
           </p:nvPr>
         </p:nvSpPr>
         <p:spPr>
@@ -3157,7 +3046,7 @@
           </a:prstGeom>
         </p:spPr>
         <p:txBody>
-          <a:bodyPr anchorCtr="0" anchor="ctr" bIns="91425" lIns="91425" spcFirstLastPara="1" rIns="91425" wrap="square" tIns="91425">
+          <a:bodyPr spcFirstLastPara="1" wrap="square" lIns="91425" tIns="91425" rIns="91425" bIns="91425" anchor="ctr" anchorCtr="0">
             <a:noAutofit/>
           </a:bodyPr>
           <a:lstStyle>
@@ -3334,9 +3223,11 @@
       <p:sp>
         <p:nvSpPr>
           <p:cNvPr id="120" name="Google Shape;120;p11"/>
-          <p:cNvSpPr txBox="1"/>
+          <p:cNvSpPr txBox="1">
+            <a:spLocks noGrp="1"/>
+          </p:cNvSpPr>
           <p:nvPr>
-            <p:ph idx="1" type="body"/>
+            <p:ph type="body" idx="1"/>
           </p:nvPr>
         </p:nvSpPr>
         <p:spPr>
@@ -3349,11 +3240,11 @@
           </a:prstGeom>
         </p:spPr>
         <p:txBody>
-          <a:bodyPr anchorCtr="0" anchor="t" bIns="91425" lIns="91425" spcFirstLastPara="1" rIns="91425" wrap="square" tIns="91425">
+          <a:bodyPr spcFirstLastPara="1" wrap="square" lIns="91425" tIns="91425" rIns="91425" bIns="91425" anchor="t" anchorCtr="0">
             <a:noAutofit/>
           </a:bodyPr>
           <a:lstStyle>
-            <a:lvl1pPr indent="-311150" lvl="0" marL="457200" algn="ctr">
+            <a:lvl1pPr marL="457200" lvl="0" indent="-311150" algn="ctr">
               <a:spcBef>
                 <a:spcPts val="0"/>
               </a:spcBef>
@@ -3364,7 +3255,7 @@
               <a:buChar char="●"/>
               <a:defRPr/>
             </a:lvl1pPr>
-            <a:lvl2pPr indent="-298450" lvl="1" marL="914400" algn="ctr">
+            <a:lvl2pPr marL="914400" lvl="1" indent="-298450" algn="ctr">
               <a:spcBef>
                 <a:spcPts val="1600"/>
               </a:spcBef>
@@ -3375,7 +3266,7 @@
               <a:buChar char="○"/>
               <a:defRPr/>
             </a:lvl2pPr>
-            <a:lvl3pPr indent="-298450" lvl="2" marL="1371600" algn="ctr">
+            <a:lvl3pPr marL="1371600" lvl="2" indent="-298450" algn="ctr">
               <a:spcBef>
                 <a:spcPts val="1600"/>
               </a:spcBef>
@@ -3386,7 +3277,7 @@
               <a:buChar char="■"/>
               <a:defRPr/>
             </a:lvl3pPr>
-            <a:lvl4pPr indent="-298450" lvl="3" marL="1828800" algn="ctr">
+            <a:lvl4pPr marL="1828800" lvl="3" indent="-298450" algn="ctr">
               <a:spcBef>
                 <a:spcPts val="1600"/>
               </a:spcBef>
@@ -3397,7 +3288,7 @@
               <a:buChar char="●"/>
               <a:defRPr/>
             </a:lvl4pPr>
-            <a:lvl5pPr indent="-298450" lvl="4" marL="2286000" algn="ctr">
+            <a:lvl5pPr marL="2286000" lvl="4" indent="-298450" algn="ctr">
               <a:spcBef>
                 <a:spcPts val="1600"/>
               </a:spcBef>
@@ -3408,7 +3299,7 @@
               <a:buChar char="○"/>
               <a:defRPr/>
             </a:lvl5pPr>
-            <a:lvl6pPr indent="-298450" lvl="5" marL="2743200" algn="ctr">
+            <a:lvl6pPr marL="2743200" lvl="5" indent="-298450" algn="ctr">
               <a:spcBef>
                 <a:spcPts val="1600"/>
               </a:spcBef>
@@ -3419,7 +3310,7 @@
               <a:buChar char="■"/>
               <a:defRPr/>
             </a:lvl6pPr>
-            <a:lvl7pPr indent="-298450" lvl="6" marL="3200400" algn="ctr">
+            <a:lvl7pPr marL="3200400" lvl="6" indent="-298450" algn="ctr">
               <a:spcBef>
                 <a:spcPts val="1600"/>
               </a:spcBef>
@@ -3430,7 +3321,7 @@
               <a:buChar char="●"/>
               <a:defRPr/>
             </a:lvl7pPr>
-            <a:lvl8pPr indent="-298450" lvl="7" marL="3657600" algn="ctr">
+            <a:lvl8pPr marL="3657600" lvl="7" indent="-298450" algn="ctr">
               <a:spcBef>
                 <a:spcPts val="1600"/>
               </a:spcBef>
@@ -3441,7 +3332,7 @@
               <a:buChar char="○"/>
               <a:defRPr/>
             </a:lvl8pPr>
-            <a:lvl9pPr indent="-298450" lvl="8" marL="4114800" algn="ctr">
+            <a:lvl9pPr marL="4114800" lvl="8" indent="-298450" algn="ctr">
               <a:spcBef>
                 <a:spcPts val="1600"/>
               </a:spcBef>
@@ -3453,15 +3344,19 @@
               <a:defRPr/>
             </a:lvl9pPr>
           </a:lstStyle>
-          <a:p/>
+          <a:p>
+            <a:endParaRPr/>
+          </a:p>
         </p:txBody>
       </p:sp>
       <p:sp>
         <p:nvSpPr>
           <p:cNvPr id="121" name="Google Shape;121;p11"/>
-          <p:cNvSpPr txBox="1"/>
+          <p:cNvSpPr txBox="1">
+            <a:spLocks noGrp="1"/>
+          </p:cNvSpPr>
           <p:nvPr>
-            <p:ph idx="12" type="sldNum"/>
+            <p:ph type="sldNum" idx="12"/>
           </p:nvPr>
         </p:nvSpPr>
         <p:spPr>
@@ -3474,7 +3369,7 @@
           </a:prstGeom>
         </p:spPr>
         <p:txBody>
-          <a:bodyPr anchorCtr="0" anchor="ctr" bIns="91425" lIns="91425" spcFirstLastPara="1" rIns="91425" wrap="square" tIns="91425">
+          <a:bodyPr spcFirstLastPara="1" wrap="square" lIns="91425" tIns="91425" rIns="91425" bIns="91425" anchor="ctr" anchorCtr="0">
             <a:noAutofit/>
           </a:bodyPr>
           <a:lstStyle>
@@ -3516,7 +3411,7 @@
             </a:lvl9pPr>
           </a:lstStyle>
           <a:p>
-            <a:pPr indent="0" lvl="0" marL="0" rtl="0" algn="r">
+            <a:pPr marL="0" lvl="0" indent="0" algn="r" rtl="0">
               <a:spcBef>
                 <a:spcPts val="0"/>
               </a:spcBef>
@@ -3542,11 +3437,11 @@
 </file>
 
 <file path=ppt/slideLayouts/slideLayout11.xml><?xml version="1.0" encoding="utf-8"?>
-<p:sldLayout xmlns:a="http://schemas.openxmlformats.org/drawingml/2006/main" xmlns:r="http://schemas.openxmlformats.org/officeDocument/2006/relationships" xmlns:mc="http://schemas.openxmlformats.org/markup-compatibility/2006" xmlns:mv="urn:schemas-microsoft-com:mac:vml" xmlns:p="http://schemas.openxmlformats.org/presentationml/2006/main" xmlns:c="http://schemas.openxmlformats.org/drawingml/2006/chart" xmlns:dgm="http://schemas.openxmlformats.org/drawingml/2006/diagram" xmlns:o="urn:schemas-microsoft-com:office:office" xmlns:v="urn:schemas-microsoft-com:vml" xmlns:pvml="urn:schemas-microsoft-com:office:powerpoint" xmlns:com="http://schemas.openxmlformats.org/drawingml/2006/compatibility" xmlns:p14="http://schemas.microsoft.com/office/powerpoint/2010/main" xmlns:p15="http://schemas.microsoft.com/office/powerpoint/2012/main" matchingName="Blank" type="blank">
+<p:sldLayout xmlns:a="http://schemas.openxmlformats.org/drawingml/2006/main" xmlns:r="http://schemas.openxmlformats.org/officeDocument/2006/relationships" xmlns:p="http://schemas.openxmlformats.org/presentationml/2006/main" matchingName="Blank" type="blank">
   <p:cSld name="BLANK">
     <p:spTree>
       <p:nvGrpSpPr>
-        <p:cNvPr id="122" name="Shape 122"/>
+        <p:cNvPr id="1" name="Shape 122"/>
         <p:cNvGrpSpPr/>
         <p:nvPr/>
       </p:nvGrpSpPr>
@@ -3561,9 +3456,11 @@
       <p:sp>
         <p:nvSpPr>
           <p:cNvPr id="123" name="Google Shape;123;p12"/>
-          <p:cNvSpPr txBox="1"/>
+          <p:cNvSpPr txBox="1">
+            <a:spLocks noGrp="1"/>
+          </p:cNvSpPr>
           <p:nvPr>
-            <p:ph idx="12" type="sldNum"/>
+            <p:ph type="sldNum" idx="12"/>
           </p:nvPr>
         </p:nvSpPr>
         <p:spPr>
@@ -3576,7 +3473,7 @@
           </a:prstGeom>
         </p:spPr>
         <p:txBody>
-          <a:bodyPr anchorCtr="0" anchor="ctr" bIns="91425" lIns="91425" spcFirstLastPara="1" rIns="91425" wrap="square" tIns="91425">
+          <a:bodyPr spcFirstLastPara="1" wrap="square" lIns="91425" tIns="91425" rIns="91425" bIns="91425" anchor="ctr" anchorCtr="0">
             <a:noAutofit/>
           </a:bodyPr>
           <a:lstStyle>
@@ -3618,7 +3515,7 @@
             </a:lvl9pPr>
           </a:lstStyle>
           <a:p>
-            <a:pPr indent="0" lvl="0" marL="0" rtl="0" algn="r">
+            <a:pPr marL="0" lvl="0" indent="0" algn="r" rtl="0">
               <a:spcBef>
                 <a:spcPts val="0"/>
               </a:spcBef>
@@ -3644,18 +3541,19 @@
 </file>
 
 <file path=ppt/slideLayouts/slideLayout2.xml><?xml version="1.0" encoding="utf-8"?>
-<p:sldLayout xmlns:a="http://schemas.openxmlformats.org/drawingml/2006/main" xmlns:r="http://schemas.openxmlformats.org/officeDocument/2006/relationships" xmlns:mc="http://schemas.openxmlformats.org/markup-compatibility/2006" xmlns:mv="urn:schemas-microsoft-com:mac:vml" xmlns:p="http://schemas.openxmlformats.org/presentationml/2006/main" xmlns:c="http://schemas.openxmlformats.org/drawingml/2006/chart" xmlns:dgm="http://schemas.openxmlformats.org/drawingml/2006/diagram" xmlns:o="urn:schemas-microsoft-com:office:office" xmlns:v="urn:schemas-microsoft-com:vml" xmlns:pvml="urn:schemas-microsoft-com:office:powerpoint" xmlns:com="http://schemas.openxmlformats.org/drawingml/2006/compatibility" xmlns:p14="http://schemas.microsoft.com/office/powerpoint/2010/main" xmlns:p15="http://schemas.microsoft.com/office/powerpoint/2012/main" matchingName="Section header" type="secHead">
+<p:sldLayout xmlns:a="http://schemas.openxmlformats.org/drawingml/2006/main" xmlns:r="http://schemas.openxmlformats.org/officeDocument/2006/relationships" xmlns:p="http://schemas.openxmlformats.org/presentationml/2006/main" matchingName="Section header" type="secHead">
   <p:cSld name="SECTION_HEADER">
     <p:bg>
       <p:bgPr>
         <a:solidFill>
           <a:schemeClr val="accent3"/>
         </a:solidFill>
+        <a:effectLst/>
       </p:bgPr>
     </p:bg>
     <p:spTree>
       <p:nvGrpSpPr>
-        <p:cNvPr id="37" name="Shape 37"/>
+        <p:cNvPr id="1" name="Shape 37"/>
         <p:cNvGrpSpPr/>
         <p:nvPr/>
       </p:nvGrpSpPr>
@@ -3689,12 +3587,12 @@
           </a:ln>
         </p:spPr>
         <p:txBody>
-          <a:bodyPr anchorCtr="0" anchor="ctr" bIns="91425" lIns="91425" spcFirstLastPara="1" rIns="91425" wrap="square" tIns="91425">
+          <a:bodyPr spcFirstLastPara="1" wrap="square" lIns="91425" tIns="91425" rIns="91425" bIns="91425" anchor="ctr" anchorCtr="0">
             <a:noAutofit/>
           </a:bodyPr>
           <a:lstStyle/>
           <a:p>
-            <a:pPr indent="0" lvl="0" marL="0" rtl="0" algn="l">
+            <a:pPr marL="0" lvl="0" indent="0" algn="l" rtl="0">
               <a:spcBef>
                 <a:spcPts val="0"/>
               </a:spcBef>
@@ -3703,9 +3601,6 @@
               </a:spcAft>
               <a:buNone/>
             </a:pPr>
-            <a:r>
-              <a:t/>
-            </a:r>
             <a:endParaRPr/>
           </a:p>
         </p:txBody>
@@ -3737,7 +3632,7 @@
             </a:xfrm>
             <a:prstGeom prst="parallelogram">
               <a:avLst>
-                <a:gd fmla="val 158024" name="adj"/>
+                <a:gd name="adj" fmla="val 158024"/>
               </a:avLst>
             </a:prstGeom>
             <a:solidFill>
@@ -3748,12 +3643,12 @@
             </a:ln>
           </p:spPr>
           <p:txBody>
-            <a:bodyPr anchorCtr="0" anchor="ctr" bIns="91425" lIns="91425" spcFirstLastPara="1" rIns="91425" wrap="square" tIns="91425">
+            <a:bodyPr spcFirstLastPara="1" wrap="square" lIns="91425" tIns="91425" rIns="91425" bIns="91425" anchor="ctr" anchorCtr="0">
               <a:noAutofit/>
             </a:bodyPr>
             <a:lstStyle/>
             <a:p>
-              <a:pPr indent="0" lvl="0" marL="0" rtl="0" algn="l">
+              <a:pPr marL="0" lvl="0" indent="0" algn="l" rtl="0">
                 <a:spcBef>
                   <a:spcPts val="0"/>
                 </a:spcBef>
@@ -3762,9 +3657,6 @@
                 </a:spcAft>
                 <a:buNone/>
               </a:pPr>
-              <a:r>
-                <a:t/>
-              </a:r>
               <a:endParaRPr/>
             </a:p>
           </p:txBody>
@@ -3782,7 +3674,7 @@
             </a:xfrm>
             <a:prstGeom prst="parallelogram">
               <a:avLst>
-                <a:gd fmla="val 158024" name="adj"/>
+                <a:gd name="adj" fmla="val 158024"/>
               </a:avLst>
             </a:prstGeom>
             <a:solidFill>
@@ -3793,12 +3685,12 @@
             </a:ln>
           </p:spPr>
           <p:txBody>
-            <a:bodyPr anchorCtr="0" anchor="ctr" bIns="91425" lIns="91425" spcFirstLastPara="1" rIns="91425" wrap="square" tIns="91425">
+            <a:bodyPr spcFirstLastPara="1" wrap="square" lIns="91425" tIns="91425" rIns="91425" bIns="91425" anchor="ctr" anchorCtr="0">
               <a:noAutofit/>
             </a:bodyPr>
             <a:lstStyle/>
             <a:p>
-              <a:pPr indent="0" lvl="0" marL="0" rtl="0" algn="l">
+              <a:pPr marL="0" lvl="0" indent="0" algn="l" rtl="0">
                 <a:spcBef>
                   <a:spcPts val="0"/>
                 </a:spcBef>
@@ -3807,9 +3699,6 @@
                 </a:spcAft>
                 <a:buNone/>
               </a:pPr>
-              <a:r>
-                <a:t/>
-              </a:r>
               <a:endParaRPr/>
             </a:p>
           </p:txBody>
@@ -3827,7 +3716,7 @@
             </a:xfrm>
             <a:prstGeom prst="parallelogram">
               <a:avLst>
-                <a:gd fmla="val 158024" name="adj"/>
+                <a:gd name="adj" fmla="val 158024"/>
               </a:avLst>
             </a:prstGeom>
             <a:solidFill>
@@ -3838,12 +3727,12 @@
             </a:ln>
           </p:spPr>
           <p:txBody>
-            <a:bodyPr anchorCtr="0" anchor="ctr" bIns="91425" lIns="91425" spcFirstLastPara="1" rIns="91425" wrap="square" tIns="91425">
+            <a:bodyPr spcFirstLastPara="1" wrap="square" lIns="91425" tIns="91425" rIns="91425" bIns="91425" anchor="ctr" anchorCtr="0">
               <a:noAutofit/>
             </a:bodyPr>
             <a:lstStyle/>
             <a:p>
-              <a:pPr indent="0" lvl="0" marL="0" rtl="0" algn="l">
+              <a:pPr marL="0" lvl="0" indent="0" algn="l" rtl="0">
                 <a:spcBef>
                   <a:spcPts val="0"/>
                 </a:spcBef>
@@ -3852,9 +3741,6 @@
                 </a:spcAft>
                 <a:buNone/>
               </a:pPr>
-              <a:r>
-                <a:t/>
-              </a:r>
               <a:endParaRPr/>
             </a:p>
           </p:txBody>
@@ -3887,7 +3773,7 @@
             </a:xfrm>
             <a:prstGeom prst="parallelogram">
               <a:avLst>
-                <a:gd fmla="val 158024" name="adj"/>
+                <a:gd name="adj" fmla="val 158024"/>
               </a:avLst>
             </a:prstGeom>
             <a:solidFill>
@@ -3898,12 +3784,12 @@
             </a:ln>
           </p:spPr>
           <p:txBody>
-            <a:bodyPr anchorCtr="0" anchor="ctr" bIns="91425" lIns="91425" spcFirstLastPara="1" rIns="91425" wrap="square" tIns="91425">
+            <a:bodyPr spcFirstLastPara="1" wrap="square" lIns="91425" tIns="91425" rIns="91425" bIns="91425" anchor="ctr" anchorCtr="0">
               <a:noAutofit/>
             </a:bodyPr>
             <a:lstStyle/>
             <a:p>
-              <a:pPr indent="0" lvl="0" marL="0" rtl="0" algn="l">
+              <a:pPr marL="0" lvl="0" indent="0" algn="l" rtl="0">
                 <a:spcBef>
                   <a:spcPts val="0"/>
                 </a:spcBef>
@@ -3912,9 +3798,6 @@
                 </a:spcAft>
                 <a:buNone/>
               </a:pPr>
-              <a:r>
-                <a:t/>
-              </a:r>
               <a:endParaRPr/>
             </a:p>
           </p:txBody>
@@ -3932,7 +3815,7 @@
             </a:xfrm>
             <a:prstGeom prst="parallelogram">
               <a:avLst>
-                <a:gd fmla="val 158024" name="adj"/>
+                <a:gd name="adj" fmla="val 158024"/>
               </a:avLst>
             </a:prstGeom>
             <a:solidFill>
@@ -3943,12 +3826,12 @@
             </a:ln>
           </p:spPr>
           <p:txBody>
-            <a:bodyPr anchorCtr="0" anchor="ctr" bIns="91425" lIns="91425" spcFirstLastPara="1" rIns="91425" wrap="square" tIns="91425">
+            <a:bodyPr spcFirstLastPara="1" wrap="square" lIns="91425" tIns="91425" rIns="91425" bIns="91425" anchor="ctr" anchorCtr="0">
               <a:noAutofit/>
             </a:bodyPr>
             <a:lstStyle/>
             <a:p>
-              <a:pPr indent="0" lvl="0" marL="0" rtl="0" algn="l">
+              <a:pPr marL="0" lvl="0" indent="0" algn="l" rtl="0">
                 <a:spcBef>
                   <a:spcPts val="0"/>
                 </a:spcBef>
@@ -3957,9 +3840,6 @@
                 </a:spcAft>
                 <a:buNone/>
               </a:pPr>
-              <a:r>
-                <a:t/>
-              </a:r>
               <a:endParaRPr/>
             </a:p>
           </p:txBody>
@@ -3977,7 +3857,7 @@
             </a:xfrm>
             <a:prstGeom prst="parallelogram">
               <a:avLst>
-                <a:gd fmla="val 158024" name="adj"/>
+                <a:gd name="adj" fmla="val 158024"/>
               </a:avLst>
             </a:prstGeom>
             <a:solidFill>
@@ -3988,12 +3868,12 @@
             </a:ln>
           </p:spPr>
           <p:txBody>
-            <a:bodyPr anchorCtr="0" anchor="ctr" bIns="91425" lIns="91425" spcFirstLastPara="1" rIns="91425" wrap="square" tIns="91425">
+            <a:bodyPr spcFirstLastPara="1" wrap="square" lIns="91425" tIns="91425" rIns="91425" bIns="91425" anchor="ctr" anchorCtr="0">
               <a:noAutofit/>
             </a:bodyPr>
             <a:lstStyle/>
             <a:p>
-              <a:pPr indent="0" lvl="0" marL="0" rtl="0" algn="l">
+              <a:pPr marL="0" lvl="0" indent="0" algn="l" rtl="0">
                 <a:spcBef>
                   <a:spcPts val="0"/>
                 </a:spcBef>
@@ -4002,9 +3882,6 @@
                 </a:spcAft>
                 <a:buNone/>
               </a:pPr>
-              <a:r>
-                <a:t/>
-              </a:r>
               <a:endParaRPr/>
             </a:p>
           </p:txBody>
@@ -4013,7 +3890,9 @@
       <p:sp>
         <p:nvSpPr>
           <p:cNvPr id="47" name="Google Shape;47;p3"/>
-          <p:cNvSpPr txBox="1"/>
+          <p:cNvSpPr txBox="1">
+            <a:spLocks noGrp="1"/>
+          </p:cNvSpPr>
           <p:nvPr>
             <p:ph type="title"/>
           </p:nvPr>
@@ -4028,7 +3907,7 @@
           </a:prstGeom>
         </p:spPr>
         <p:txBody>
-          <a:bodyPr anchorCtr="0" anchor="ctr" bIns="91425" lIns="91425" spcFirstLastPara="1" rIns="91425" wrap="square" tIns="91425">
+          <a:bodyPr spcFirstLastPara="1" wrap="square" lIns="91425" tIns="91425" rIns="91425" bIns="91425" anchor="ctr" anchorCtr="0">
             <a:noAutofit/>
           </a:bodyPr>
           <a:lstStyle>
@@ -4195,15 +4074,19 @@
               </a:defRPr>
             </a:lvl9pPr>
           </a:lstStyle>
-          <a:p/>
+          <a:p>
+            <a:endParaRPr/>
+          </a:p>
         </p:txBody>
       </p:sp>
       <p:sp>
         <p:nvSpPr>
           <p:cNvPr id="48" name="Google Shape;48;p3"/>
-          <p:cNvSpPr txBox="1"/>
+          <p:cNvSpPr txBox="1">
+            <a:spLocks noGrp="1"/>
+          </p:cNvSpPr>
           <p:nvPr>
-            <p:ph idx="12" type="sldNum"/>
+            <p:ph type="sldNum" idx="12"/>
           </p:nvPr>
         </p:nvSpPr>
         <p:spPr>
@@ -4216,7 +4099,7 @@
           </a:prstGeom>
         </p:spPr>
         <p:txBody>
-          <a:bodyPr anchorCtr="0" anchor="ctr" bIns="91425" lIns="91425" spcFirstLastPara="1" rIns="91425" wrap="square" tIns="91425">
+          <a:bodyPr spcFirstLastPara="1" wrap="square" lIns="91425" tIns="91425" rIns="91425" bIns="91425" anchor="ctr" anchorCtr="0">
             <a:noAutofit/>
           </a:bodyPr>
           <a:lstStyle>
@@ -4258,7 +4141,7 @@
             </a:lvl9pPr>
           </a:lstStyle>
           <a:p>
-            <a:pPr indent="0" lvl="0" marL="0" rtl="0" algn="r">
+            <a:pPr marL="0" lvl="0" indent="0" algn="r" rtl="0">
               <a:spcBef>
                 <a:spcPts val="0"/>
               </a:spcBef>
@@ -4284,18 +4167,19 @@
 </file>
 
 <file path=ppt/slideLayouts/slideLayout3.xml><?xml version="1.0" encoding="utf-8"?>
-<p:sldLayout xmlns:a="http://schemas.openxmlformats.org/drawingml/2006/main" xmlns:r="http://schemas.openxmlformats.org/officeDocument/2006/relationships" xmlns:mc="http://schemas.openxmlformats.org/markup-compatibility/2006" xmlns:mv="urn:schemas-microsoft-com:mac:vml" xmlns:p="http://schemas.openxmlformats.org/presentationml/2006/main" xmlns:c="http://schemas.openxmlformats.org/drawingml/2006/chart" xmlns:dgm="http://schemas.openxmlformats.org/drawingml/2006/diagram" xmlns:o="urn:schemas-microsoft-com:office:office" xmlns:v="urn:schemas-microsoft-com:vml" xmlns:pvml="urn:schemas-microsoft-com:office:powerpoint" xmlns:com="http://schemas.openxmlformats.org/drawingml/2006/compatibility" xmlns:p14="http://schemas.microsoft.com/office/powerpoint/2010/main" xmlns:p15="http://schemas.microsoft.com/office/powerpoint/2012/main" matchingName="Title and body" type="tx">
+<p:sldLayout xmlns:a="http://schemas.openxmlformats.org/drawingml/2006/main" xmlns:r="http://schemas.openxmlformats.org/officeDocument/2006/relationships" xmlns:p="http://schemas.openxmlformats.org/presentationml/2006/main" matchingName="Title and body" type="tx">
   <p:cSld name="TITLE_AND_BODY">
     <p:bg>
       <p:bgPr>
         <a:solidFill>
           <a:schemeClr val="dk2"/>
         </a:solidFill>
+        <a:effectLst/>
       </p:bgPr>
     </p:bg>
     <p:spTree>
       <p:nvGrpSpPr>
-        <p:cNvPr id="49" name="Shape 49"/>
+        <p:cNvPr id="1" name="Shape 49"/>
         <p:cNvGrpSpPr/>
         <p:nvPr/>
       </p:nvGrpSpPr>
@@ -4329,12 +4213,12 @@
           </a:ln>
         </p:spPr>
         <p:txBody>
-          <a:bodyPr anchorCtr="0" anchor="ctr" bIns="91425" lIns="91425" spcFirstLastPara="1" rIns="91425" wrap="square" tIns="91425">
+          <a:bodyPr spcFirstLastPara="1" wrap="square" lIns="91425" tIns="91425" rIns="91425" bIns="91425" anchor="ctr" anchorCtr="0">
             <a:noAutofit/>
           </a:bodyPr>
           <a:lstStyle/>
           <a:p>
-            <a:pPr indent="0" lvl="0" marL="0" rtl="0" algn="l">
+            <a:pPr marL="0" lvl="0" indent="0" algn="l" rtl="0">
               <a:spcBef>
                 <a:spcPts val="0"/>
               </a:spcBef>
@@ -4343,9 +4227,6 @@
               </a:spcAft>
               <a:buNone/>
             </a:pPr>
-            <a:r>
-              <a:t/>
-            </a:r>
             <a:endParaRPr/>
           </a:p>
         </p:txBody>
@@ -4372,12 +4253,12 @@
           </a:ln>
         </p:spPr>
         <p:txBody>
-          <a:bodyPr anchorCtr="0" anchor="ctr" bIns="91425" lIns="91425" spcFirstLastPara="1" rIns="91425" wrap="square" tIns="91425">
+          <a:bodyPr spcFirstLastPara="1" wrap="square" lIns="91425" tIns="91425" rIns="91425" bIns="91425" anchor="ctr" anchorCtr="0">
             <a:noAutofit/>
           </a:bodyPr>
           <a:lstStyle/>
           <a:p>
-            <a:pPr indent="0" lvl="0" marL="0" rtl="0" algn="l">
+            <a:pPr marL="0" lvl="0" indent="0" algn="l" rtl="0">
               <a:spcBef>
                 <a:spcPts val="0"/>
               </a:spcBef>
@@ -4386,9 +4267,6 @@
               </a:spcAft>
               <a:buNone/>
             </a:pPr>
-            <a:r>
-              <a:t/>
-            </a:r>
             <a:endParaRPr/>
           </a:p>
         </p:txBody>
@@ -4414,7 +4292,7 @@
             <a:noFill/>
           </a:ln>
           <a:effectLst>
-            <a:outerShdw blurRad="228600" sx="101000" rotWithShape="0" algn="ctr" sy="101000">
+            <a:outerShdw blurRad="228600" sx="101000" sy="101000" algn="ctr" rotWithShape="0">
               <a:srgbClr val="000000">
                 <a:alpha val="40000"/>
               </a:srgbClr>
@@ -4422,12 +4300,12 @@
           </a:effectLst>
         </p:spPr>
         <p:txBody>
-          <a:bodyPr anchorCtr="0" anchor="ctr" bIns="91425" lIns="91425" spcFirstLastPara="1" rIns="91425" wrap="square" tIns="91425">
+          <a:bodyPr spcFirstLastPara="1" wrap="square" lIns="91425" tIns="91425" rIns="91425" bIns="91425" anchor="ctr" anchorCtr="0">
             <a:noAutofit/>
           </a:bodyPr>
           <a:lstStyle/>
           <a:p>
-            <a:pPr indent="0" lvl="0" marL="0" rtl="0" algn="l">
+            <a:pPr marL="0" lvl="0" indent="0" algn="l" rtl="0">
               <a:spcBef>
                 <a:spcPts val="0"/>
               </a:spcBef>
@@ -4436,9 +4314,6 @@
               </a:spcAft>
               <a:buNone/>
             </a:pPr>
-            <a:r>
-              <a:t/>
-            </a:r>
             <a:endParaRPr/>
           </a:p>
         </p:txBody>
@@ -4446,7 +4321,9 @@
       <p:sp>
         <p:nvSpPr>
           <p:cNvPr id="53" name="Google Shape;53;p4"/>
-          <p:cNvSpPr txBox="1"/>
+          <p:cNvSpPr txBox="1">
+            <a:spLocks noGrp="1"/>
+          </p:cNvSpPr>
           <p:nvPr>
             <p:ph type="title"/>
           </p:nvPr>
@@ -4461,7 +4338,7 @@
           </a:prstGeom>
         </p:spPr>
         <p:txBody>
-          <a:bodyPr anchorCtr="0" anchor="t" bIns="91425" lIns="91425" spcFirstLastPara="1" rIns="91425" wrap="square" tIns="91425">
+          <a:bodyPr spcFirstLastPara="1" wrap="square" lIns="91425" tIns="91425" rIns="91425" bIns="91425" anchor="t" anchorCtr="0">
             <a:noAutofit/>
           </a:bodyPr>
           <a:lstStyle>
@@ -4565,15 +4442,19 @@
               <a:defRPr sz="3000"/>
             </a:lvl9pPr>
           </a:lstStyle>
-          <a:p/>
+          <a:p>
+            <a:endParaRPr/>
+          </a:p>
         </p:txBody>
       </p:sp>
       <p:sp>
         <p:nvSpPr>
           <p:cNvPr id="54" name="Google Shape;54;p4"/>
-          <p:cNvSpPr txBox="1"/>
+          <p:cNvSpPr txBox="1">
+            <a:spLocks noGrp="1"/>
+          </p:cNvSpPr>
           <p:nvPr>
-            <p:ph idx="1" type="body"/>
+            <p:ph type="body" idx="1"/>
           </p:nvPr>
         </p:nvSpPr>
         <p:spPr>
@@ -4586,11 +4467,11 @@
           </a:prstGeom>
         </p:spPr>
         <p:txBody>
-          <a:bodyPr anchorCtr="0" anchor="t" bIns="91425" lIns="91425" spcFirstLastPara="1" rIns="91425" wrap="square" tIns="91425">
+          <a:bodyPr spcFirstLastPara="1" wrap="square" lIns="91425" tIns="91425" rIns="91425" bIns="91425" anchor="t" anchorCtr="0">
             <a:noAutofit/>
           </a:bodyPr>
           <a:lstStyle>
-            <a:lvl1pPr indent="-311150" lvl="0" marL="457200">
+            <a:lvl1pPr marL="457200" lvl="0" indent="-311150">
               <a:spcBef>
                 <a:spcPts val="0"/>
               </a:spcBef>
@@ -4601,7 +4482,7 @@
               <a:buChar char="●"/>
               <a:defRPr/>
             </a:lvl1pPr>
-            <a:lvl2pPr indent="-298450" lvl="1" marL="914400">
+            <a:lvl2pPr marL="914400" lvl="1" indent="-298450">
               <a:spcBef>
                 <a:spcPts val="1600"/>
               </a:spcBef>
@@ -4612,7 +4493,7 @@
               <a:buChar char="○"/>
               <a:defRPr/>
             </a:lvl2pPr>
-            <a:lvl3pPr indent="-298450" lvl="2" marL="1371600">
+            <a:lvl3pPr marL="1371600" lvl="2" indent="-298450">
               <a:spcBef>
                 <a:spcPts val="1600"/>
               </a:spcBef>
@@ -4623,7 +4504,7 @@
               <a:buChar char="■"/>
               <a:defRPr/>
             </a:lvl3pPr>
-            <a:lvl4pPr indent="-298450" lvl="3" marL="1828800">
+            <a:lvl4pPr marL="1828800" lvl="3" indent="-298450">
               <a:spcBef>
                 <a:spcPts val="1600"/>
               </a:spcBef>
@@ -4634,7 +4515,7 @@
               <a:buChar char="●"/>
               <a:defRPr/>
             </a:lvl4pPr>
-            <a:lvl5pPr indent="-298450" lvl="4" marL="2286000">
+            <a:lvl5pPr marL="2286000" lvl="4" indent="-298450">
               <a:spcBef>
                 <a:spcPts val="1600"/>
               </a:spcBef>
@@ -4645,7 +4526,7 @@
               <a:buChar char="○"/>
               <a:defRPr/>
             </a:lvl5pPr>
-            <a:lvl6pPr indent="-298450" lvl="5" marL="2743200">
+            <a:lvl6pPr marL="2743200" lvl="5" indent="-298450">
               <a:spcBef>
                 <a:spcPts val="1600"/>
               </a:spcBef>
@@ -4656,7 +4537,7 @@
               <a:buChar char="■"/>
               <a:defRPr/>
             </a:lvl6pPr>
-            <a:lvl7pPr indent="-298450" lvl="6" marL="3200400">
+            <a:lvl7pPr marL="3200400" lvl="6" indent="-298450">
               <a:spcBef>
                 <a:spcPts val="1600"/>
               </a:spcBef>
@@ -4667,7 +4548,7 @@
               <a:buChar char="●"/>
               <a:defRPr/>
             </a:lvl7pPr>
-            <a:lvl8pPr indent="-298450" lvl="7" marL="3657600">
+            <a:lvl8pPr marL="3657600" lvl="7" indent="-298450">
               <a:spcBef>
                 <a:spcPts val="1600"/>
               </a:spcBef>
@@ -4678,7 +4559,7 @@
               <a:buChar char="○"/>
               <a:defRPr/>
             </a:lvl8pPr>
-            <a:lvl9pPr indent="-298450" lvl="8" marL="4114800">
+            <a:lvl9pPr marL="4114800" lvl="8" indent="-298450">
               <a:spcBef>
                 <a:spcPts val="1600"/>
               </a:spcBef>
@@ -4690,15 +4571,19 @@
               <a:defRPr/>
             </a:lvl9pPr>
           </a:lstStyle>
-          <a:p/>
+          <a:p>
+            <a:endParaRPr/>
+          </a:p>
         </p:txBody>
       </p:sp>
       <p:sp>
         <p:nvSpPr>
           <p:cNvPr id="55" name="Google Shape;55;p4"/>
-          <p:cNvSpPr txBox="1"/>
+          <p:cNvSpPr txBox="1">
+            <a:spLocks noGrp="1"/>
+          </p:cNvSpPr>
           <p:nvPr>
-            <p:ph idx="12" type="sldNum"/>
+            <p:ph type="sldNum" idx="12"/>
           </p:nvPr>
         </p:nvSpPr>
         <p:spPr>
@@ -4711,7 +4596,7 @@
           </a:prstGeom>
         </p:spPr>
         <p:txBody>
-          <a:bodyPr anchorCtr="0" anchor="ctr" bIns="91425" lIns="91425" spcFirstLastPara="1" rIns="91425" wrap="square" tIns="91425">
+          <a:bodyPr spcFirstLastPara="1" wrap="square" lIns="91425" tIns="91425" rIns="91425" bIns="91425" anchor="ctr" anchorCtr="0">
             <a:noAutofit/>
           </a:bodyPr>
           <a:lstStyle>
@@ -4753,7 +4638,7 @@
             </a:lvl9pPr>
           </a:lstStyle>
           <a:p>
-            <a:pPr indent="0" lvl="0" marL="0" rtl="0" algn="r">
+            <a:pPr marL="0" lvl="0" indent="0" algn="r" rtl="0">
               <a:spcBef>
                 <a:spcPts val="0"/>
               </a:spcBef>
@@ -4779,18 +4664,19 @@
 </file>
 
 <file path=ppt/slideLayouts/slideLayout4.xml><?xml version="1.0" encoding="utf-8"?>
-<p:sldLayout xmlns:a="http://schemas.openxmlformats.org/drawingml/2006/main" xmlns:r="http://schemas.openxmlformats.org/officeDocument/2006/relationships" xmlns:mc="http://schemas.openxmlformats.org/markup-compatibility/2006" xmlns:mv="urn:schemas-microsoft-com:mac:vml" xmlns:p="http://schemas.openxmlformats.org/presentationml/2006/main" xmlns:c="http://schemas.openxmlformats.org/drawingml/2006/chart" xmlns:dgm="http://schemas.openxmlformats.org/drawingml/2006/diagram" xmlns:o="urn:schemas-microsoft-com:office:office" xmlns:v="urn:schemas-microsoft-com:vml" xmlns:pvml="urn:schemas-microsoft-com:office:powerpoint" xmlns:com="http://schemas.openxmlformats.org/drawingml/2006/compatibility" xmlns:p14="http://schemas.microsoft.com/office/powerpoint/2010/main" xmlns:p15="http://schemas.microsoft.com/office/powerpoint/2012/main" matchingName="Title and two columns" type="twoColTx">
+<p:sldLayout xmlns:a="http://schemas.openxmlformats.org/drawingml/2006/main" xmlns:r="http://schemas.openxmlformats.org/officeDocument/2006/relationships" xmlns:p="http://schemas.openxmlformats.org/presentationml/2006/main" matchingName="Title and two columns" type="twoColTx">
   <p:cSld name="TITLE_AND_TWO_COLUMNS">
     <p:bg>
       <p:bgPr>
         <a:solidFill>
           <a:schemeClr val="dk2"/>
         </a:solidFill>
+        <a:effectLst/>
       </p:bgPr>
     </p:bg>
     <p:spTree>
       <p:nvGrpSpPr>
-        <p:cNvPr id="56" name="Shape 56"/>
+        <p:cNvPr id="1" name="Shape 56"/>
         <p:cNvGrpSpPr/>
         <p:nvPr/>
       </p:nvGrpSpPr>
@@ -4824,12 +4710,12 @@
           </a:ln>
         </p:spPr>
         <p:txBody>
-          <a:bodyPr anchorCtr="0" anchor="ctr" bIns="91425" lIns="91425" spcFirstLastPara="1" rIns="91425" wrap="square" tIns="91425">
+          <a:bodyPr spcFirstLastPara="1" wrap="square" lIns="91425" tIns="91425" rIns="91425" bIns="91425" anchor="ctr" anchorCtr="0">
             <a:noAutofit/>
           </a:bodyPr>
           <a:lstStyle/>
           <a:p>
-            <a:pPr indent="0" lvl="0" marL="0" rtl="0" algn="l">
+            <a:pPr marL="0" lvl="0" indent="0" algn="l" rtl="0">
               <a:spcBef>
                 <a:spcPts val="0"/>
               </a:spcBef>
@@ -4838,9 +4724,6 @@
               </a:spcAft>
               <a:buNone/>
             </a:pPr>
-            <a:r>
-              <a:t/>
-            </a:r>
             <a:endParaRPr/>
           </a:p>
         </p:txBody>
@@ -4867,12 +4750,12 @@
           </a:ln>
         </p:spPr>
         <p:txBody>
-          <a:bodyPr anchorCtr="0" anchor="ctr" bIns="91425" lIns="91425" spcFirstLastPara="1" rIns="91425" wrap="square" tIns="91425">
+          <a:bodyPr spcFirstLastPara="1" wrap="square" lIns="91425" tIns="91425" rIns="91425" bIns="91425" anchor="ctr" anchorCtr="0">
             <a:noAutofit/>
           </a:bodyPr>
           <a:lstStyle/>
           <a:p>
-            <a:pPr indent="0" lvl="0" marL="0" rtl="0" algn="l">
+            <a:pPr marL="0" lvl="0" indent="0" algn="l" rtl="0">
               <a:spcBef>
                 <a:spcPts val="0"/>
               </a:spcBef>
@@ -4881,9 +4764,6 @@
               </a:spcAft>
               <a:buNone/>
             </a:pPr>
-            <a:r>
-              <a:t/>
-            </a:r>
             <a:endParaRPr/>
           </a:p>
         </p:txBody>
@@ -4909,7 +4789,7 @@
             <a:noFill/>
           </a:ln>
           <a:effectLst>
-            <a:outerShdw blurRad="228600" sx="101000" rotWithShape="0" algn="ctr" sy="101000">
+            <a:outerShdw blurRad="228600" sx="101000" sy="101000" algn="ctr" rotWithShape="0">
               <a:srgbClr val="000000">
                 <a:alpha val="40000"/>
               </a:srgbClr>
@@ -4917,12 +4797,12 @@
           </a:effectLst>
         </p:spPr>
         <p:txBody>
-          <a:bodyPr anchorCtr="0" anchor="ctr" bIns="91425" lIns="91425" spcFirstLastPara="1" rIns="91425" wrap="square" tIns="91425">
+          <a:bodyPr spcFirstLastPara="1" wrap="square" lIns="91425" tIns="91425" rIns="91425" bIns="91425" anchor="ctr" anchorCtr="0">
             <a:noAutofit/>
           </a:bodyPr>
           <a:lstStyle/>
           <a:p>
-            <a:pPr indent="0" lvl="0" marL="0" rtl="0" algn="l">
+            <a:pPr marL="0" lvl="0" indent="0" algn="l" rtl="0">
               <a:spcBef>
                 <a:spcPts val="0"/>
               </a:spcBef>
@@ -4931,9 +4811,6 @@
               </a:spcAft>
               <a:buNone/>
             </a:pPr>
-            <a:r>
-              <a:t/>
-            </a:r>
             <a:endParaRPr/>
           </a:p>
         </p:txBody>
@@ -4941,7 +4818,9 @@
       <p:sp>
         <p:nvSpPr>
           <p:cNvPr id="60" name="Google Shape;60;p5"/>
-          <p:cNvSpPr txBox="1"/>
+          <p:cNvSpPr txBox="1">
+            <a:spLocks noGrp="1"/>
+          </p:cNvSpPr>
           <p:nvPr>
             <p:ph type="title"/>
           </p:nvPr>
@@ -4956,7 +4835,7 @@
           </a:prstGeom>
         </p:spPr>
         <p:txBody>
-          <a:bodyPr anchorCtr="0" anchor="t" bIns="91425" lIns="91425" spcFirstLastPara="1" rIns="91425" wrap="square" tIns="91425">
+          <a:bodyPr spcFirstLastPara="1" wrap="square" lIns="91425" tIns="91425" rIns="91425" bIns="91425" anchor="t" anchorCtr="0">
             <a:noAutofit/>
           </a:bodyPr>
           <a:lstStyle>
@@ -5060,15 +4939,19 @@
               <a:defRPr sz="3000"/>
             </a:lvl9pPr>
           </a:lstStyle>
-          <a:p/>
+          <a:p>
+            <a:endParaRPr/>
+          </a:p>
         </p:txBody>
       </p:sp>
       <p:sp>
         <p:nvSpPr>
           <p:cNvPr id="61" name="Google Shape;61;p5"/>
-          <p:cNvSpPr txBox="1"/>
+          <p:cNvSpPr txBox="1">
+            <a:spLocks noGrp="1"/>
+          </p:cNvSpPr>
           <p:nvPr>
-            <p:ph idx="1" type="body"/>
+            <p:ph type="body" idx="1"/>
           </p:nvPr>
         </p:nvSpPr>
         <p:spPr>
@@ -5081,11 +4964,11 @@
           </a:prstGeom>
         </p:spPr>
         <p:txBody>
-          <a:bodyPr anchorCtr="0" anchor="t" bIns="91425" lIns="91425" spcFirstLastPara="1" rIns="91425" wrap="square" tIns="91425">
+          <a:bodyPr spcFirstLastPara="1" wrap="square" lIns="91425" tIns="91425" rIns="91425" bIns="91425" anchor="t" anchorCtr="0">
             <a:noAutofit/>
           </a:bodyPr>
           <a:lstStyle>
-            <a:lvl1pPr indent="-311150" lvl="0" marL="457200">
+            <a:lvl1pPr marL="457200" lvl="0" indent="-311150">
               <a:spcBef>
                 <a:spcPts val="0"/>
               </a:spcBef>
@@ -5096,7 +4979,7 @@
               <a:buChar char="●"/>
               <a:defRPr/>
             </a:lvl1pPr>
-            <a:lvl2pPr indent="-298450" lvl="1" marL="914400">
+            <a:lvl2pPr marL="914400" lvl="1" indent="-298450">
               <a:spcBef>
                 <a:spcPts val="1600"/>
               </a:spcBef>
@@ -5107,7 +4990,7 @@
               <a:buChar char="○"/>
               <a:defRPr/>
             </a:lvl2pPr>
-            <a:lvl3pPr indent="-298450" lvl="2" marL="1371600">
+            <a:lvl3pPr marL="1371600" lvl="2" indent="-298450">
               <a:spcBef>
                 <a:spcPts val="1600"/>
               </a:spcBef>
@@ -5118,7 +5001,7 @@
               <a:buChar char="■"/>
               <a:defRPr/>
             </a:lvl3pPr>
-            <a:lvl4pPr indent="-298450" lvl="3" marL="1828800">
+            <a:lvl4pPr marL="1828800" lvl="3" indent="-298450">
               <a:spcBef>
                 <a:spcPts val="1600"/>
               </a:spcBef>
@@ -5129,7 +5012,7 @@
               <a:buChar char="●"/>
               <a:defRPr/>
             </a:lvl4pPr>
-            <a:lvl5pPr indent="-298450" lvl="4" marL="2286000">
+            <a:lvl5pPr marL="2286000" lvl="4" indent="-298450">
               <a:spcBef>
                 <a:spcPts val="1600"/>
               </a:spcBef>
@@ -5140,7 +5023,7 @@
               <a:buChar char="○"/>
               <a:defRPr/>
             </a:lvl5pPr>
-            <a:lvl6pPr indent="-298450" lvl="5" marL="2743200">
+            <a:lvl6pPr marL="2743200" lvl="5" indent="-298450">
               <a:spcBef>
                 <a:spcPts val="1600"/>
               </a:spcBef>
@@ -5151,7 +5034,7 @@
               <a:buChar char="■"/>
               <a:defRPr/>
             </a:lvl6pPr>
-            <a:lvl7pPr indent="-298450" lvl="6" marL="3200400">
+            <a:lvl7pPr marL="3200400" lvl="6" indent="-298450">
               <a:spcBef>
                 <a:spcPts val="1600"/>
               </a:spcBef>
@@ -5162,7 +5045,7 @@
               <a:buChar char="●"/>
               <a:defRPr/>
             </a:lvl7pPr>
-            <a:lvl8pPr indent="-298450" lvl="7" marL="3657600">
+            <a:lvl8pPr marL="3657600" lvl="7" indent="-298450">
               <a:spcBef>
                 <a:spcPts val="1600"/>
               </a:spcBef>
@@ -5173,7 +5056,7 @@
               <a:buChar char="○"/>
               <a:defRPr/>
             </a:lvl8pPr>
-            <a:lvl9pPr indent="-298450" lvl="8" marL="4114800">
+            <a:lvl9pPr marL="4114800" lvl="8" indent="-298450">
               <a:spcBef>
                 <a:spcPts val="1600"/>
               </a:spcBef>
@@ -5185,15 +5068,19 @@
               <a:defRPr/>
             </a:lvl9pPr>
           </a:lstStyle>
-          <a:p/>
+          <a:p>
+            <a:endParaRPr/>
+          </a:p>
         </p:txBody>
       </p:sp>
       <p:sp>
         <p:nvSpPr>
           <p:cNvPr id="62" name="Google Shape;62;p5"/>
-          <p:cNvSpPr txBox="1"/>
+          <p:cNvSpPr txBox="1">
+            <a:spLocks noGrp="1"/>
+          </p:cNvSpPr>
           <p:nvPr>
-            <p:ph idx="2" type="body"/>
+            <p:ph type="body" idx="2"/>
           </p:nvPr>
         </p:nvSpPr>
         <p:spPr>
@@ -5206,11 +5093,11 @@
           </a:prstGeom>
         </p:spPr>
         <p:txBody>
-          <a:bodyPr anchorCtr="0" anchor="t" bIns="91425" lIns="91425" spcFirstLastPara="1" rIns="91425" wrap="square" tIns="91425">
+          <a:bodyPr spcFirstLastPara="1" wrap="square" lIns="91425" tIns="91425" rIns="91425" bIns="91425" anchor="t" anchorCtr="0">
             <a:noAutofit/>
           </a:bodyPr>
           <a:lstStyle>
-            <a:lvl1pPr indent="-311150" lvl="0" marL="457200">
+            <a:lvl1pPr marL="457200" lvl="0" indent="-311150">
               <a:spcBef>
                 <a:spcPts val="0"/>
               </a:spcBef>
@@ -5221,7 +5108,7 @@
               <a:buChar char="●"/>
               <a:defRPr/>
             </a:lvl1pPr>
-            <a:lvl2pPr indent="-298450" lvl="1" marL="914400">
+            <a:lvl2pPr marL="914400" lvl="1" indent="-298450">
               <a:spcBef>
                 <a:spcPts val="1600"/>
               </a:spcBef>
@@ -5232,7 +5119,7 @@
               <a:buChar char="○"/>
               <a:defRPr/>
             </a:lvl2pPr>
-            <a:lvl3pPr indent="-298450" lvl="2" marL="1371600">
+            <a:lvl3pPr marL="1371600" lvl="2" indent="-298450">
               <a:spcBef>
                 <a:spcPts val="1600"/>
               </a:spcBef>
@@ -5243,7 +5130,7 @@
               <a:buChar char="■"/>
               <a:defRPr/>
             </a:lvl3pPr>
-            <a:lvl4pPr indent="-298450" lvl="3" marL="1828800">
+            <a:lvl4pPr marL="1828800" lvl="3" indent="-298450">
               <a:spcBef>
                 <a:spcPts val="1600"/>
               </a:spcBef>
@@ -5254,7 +5141,7 @@
               <a:buChar char="●"/>
               <a:defRPr/>
             </a:lvl4pPr>
-            <a:lvl5pPr indent="-298450" lvl="4" marL="2286000">
+            <a:lvl5pPr marL="2286000" lvl="4" indent="-298450">
               <a:spcBef>
                 <a:spcPts val="1600"/>
               </a:spcBef>
@@ -5265,7 +5152,7 @@
               <a:buChar char="○"/>
               <a:defRPr/>
             </a:lvl5pPr>
-            <a:lvl6pPr indent="-298450" lvl="5" marL="2743200">
+            <a:lvl6pPr marL="2743200" lvl="5" indent="-298450">
               <a:spcBef>
                 <a:spcPts val="1600"/>
               </a:spcBef>
@@ -5276,7 +5163,7 @@
               <a:buChar char="■"/>
               <a:defRPr/>
             </a:lvl6pPr>
-            <a:lvl7pPr indent="-298450" lvl="6" marL="3200400">
+            <a:lvl7pPr marL="3200400" lvl="6" indent="-298450">
               <a:spcBef>
                 <a:spcPts val="1600"/>
               </a:spcBef>
@@ -5287,7 +5174,7 @@
               <a:buChar char="●"/>
               <a:defRPr/>
             </a:lvl7pPr>
-            <a:lvl8pPr indent="-298450" lvl="7" marL="3657600">
+            <a:lvl8pPr marL="3657600" lvl="7" indent="-298450">
               <a:spcBef>
                 <a:spcPts val="1600"/>
               </a:spcBef>
@@ -5298,7 +5185,7 @@
               <a:buChar char="○"/>
               <a:defRPr/>
             </a:lvl8pPr>
-            <a:lvl9pPr indent="-298450" lvl="8" marL="4114800">
+            <a:lvl9pPr marL="4114800" lvl="8" indent="-298450">
               <a:spcBef>
                 <a:spcPts val="1600"/>
               </a:spcBef>
@@ -5310,15 +5197,19 @@
               <a:defRPr/>
             </a:lvl9pPr>
           </a:lstStyle>
-          <a:p/>
+          <a:p>
+            <a:endParaRPr/>
+          </a:p>
         </p:txBody>
       </p:sp>
       <p:sp>
         <p:nvSpPr>
           <p:cNvPr id="63" name="Google Shape;63;p5"/>
-          <p:cNvSpPr txBox="1"/>
+          <p:cNvSpPr txBox="1">
+            <a:spLocks noGrp="1"/>
+          </p:cNvSpPr>
           <p:nvPr>
-            <p:ph idx="12" type="sldNum"/>
+            <p:ph type="sldNum" idx="12"/>
           </p:nvPr>
         </p:nvSpPr>
         <p:spPr>
@@ -5331,7 +5222,7 @@
           </a:prstGeom>
         </p:spPr>
         <p:txBody>
-          <a:bodyPr anchorCtr="0" anchor="ctr" bIns="91425" lIns="91425" spcFirstLastPara="1" rIns="91425" wrap="square" tIns="91425">
+          <a:bodyPr spcFirstLastPara="1" wrap="square" lIns="91425" tIns="91425" rIns="91425" bIns="91425" anchor="ctr" anchorCtr="0">
             <a:noAutofit/>
           </a:bodyPr>
           <a:lstStyle>
@@ -5373,7 +5264,7 @@
             </a:lvl9pPr>
           </a:lstStyle>
           <a:p>
-            <a:pPr indent="0" lvl="0" marL="0" rtl="0" algn="r">
+            <a:pPr marL="0" lvl="0" indent="0" algn="r" rtl="0">
               <a:spcBef>
                 <a:spcPts val="0"/>
               </a:spcBef>
@@ -5399,18 +5290,19 @@
 </file>
 
 <file path=ppt/slideLayouts/slideLayout5.xml><?xml version="1.0" encoding="utf-8"?>
-<p:sldLayout xmlns:a="http://schemas.openxmlformats.org/drawingml/2006/main" xmlns:r="http://schemas.openxmlformats.org/officeDocument/2006/relationships" xmlns:mc="http://schemas.openxmlformats.org/markup-compatibility/2006" xmlns:mv="urn:schemas-microsoft-com:mac:vml" xmlns:p="http://schemas.openxmlformats.org/presentationml/2006/main" xmlns:c="http://schemas.openxmlformats.org/drawingml/2006/chart" xmlns:dgm="http://schemas.openxmlformats.org/drawingml/2006/diagram" xmlns:o="urn:schemas-microsoft-com:office:office" xmlns:v="urn:schemas-microsoft-com:vml" xmlns:pvml="urn:schemas-microsoft-com:office:powerpoint" xmlns:com="http://schemas.openxmlformats.org/drawingml/2006/compatibility" xmlns:p14="http://schemas.microsoft.com/office/powerpoint/2010/main" xmlns:p15="http://schemas.microsoft.com/office/powerpoint/2012/main" matchingName="Title only" type="titleOnly">
+<p:sldLayout xmlns:a="http://schemas.openxmlformats.org/drawingml/2006/main" xmlns:r="http://schemas.openxmlformats.org/officeDocument/2006/relationships" xmlns:p="http://schemas.openxmlformats.org/presentationml/2006/main" matchingName="Title only" type="titleOnly">
   <p:cSld name="TITLE_ONLY">
     <p:bg>
       <p:bgPr>
         <a:solidFill>
           <a:schemeClr val="dk2"/>
         </a:solidFill>
+        <a:effectLst/>
       </p:bgPr>
     </p:bg>
     <p:spTree>
       <p:nvGrpSpPr>
-        <p:cNvPr id="64" name="Shape 64"/>
+        <p:cNvPr id="1" name="Shape 64"/>
         <p:cNvGrpSpPr/>
         <p:nvPr/>
       </p:nvGrpSpPr>
@@ -5444,12 +5336,12 @@
           </a:ln>
         </p:spPr>
         <p:txBody>
-          <a:bodyPr anchorCtr="0" anchor="ctr" bIns="91425" lIns="91425" spcFirstLastPara="1" rIns="91425" wrap="square" tIns="91425">
+          <a:bodyPr spcFirstLastPara="1" wrap="square" lIns="91425" tIns="91425" rIns="91425" bIns="91425" anchor="ctr" anchorCtr="0">
             <a:noAutofit/>
           </a:bodyPr>
           <a:lstStyle/>
           <a:p>
-            <a:pPr indent="0" lvl="0" marL="0" rtl="0" algn="l">
+            <a:pPr marL="0" lvl="0" indent="0" algn="l" rtl="0">
               <a:spcBef>
                 <a:spcPts val="0"/>
               </a:spcBef>
@@ -5458,9 +5350,6 @@
               </a:spcAft>
               <a:buNone/>
             </a:pPr>
-            <a:r>
-              <a:t/>
-            </a:r>
             <a:endParaRPr/>
           </a:p>
         </p:txBody>
@@ -5487,12 +5376,12 @@
           </a:ln>
         </p:spPr>
         <p:txBody>
-          <a:bodyPr anchorCtr="0" anchor="ctr" bIns="91425" lIns="91425" spcFirstLastPara="1" rIns="91425" wrap="square" tIns="91425">
+          <a:bodyPr spcFirstLastPara="1" wrap="square" lIns="91425" tIns="91425" rIns="91425" bIns="91425" anchor="ctr" anchorCtr="0">
             <a:noAutofit/>
           </a:bodyPr>
           <a:lstStyle/>
           <a:p>
-            <a:pPr indent="0" lvl="0" marL="0" rtl="0" algn="l">
+            <a:pPr marL="0" lvl="0" indent="0" algn="l" rtl="0">
               <a:spcBef>
                 <a:spcPts val="0"/>
               </a:spcBef>
@@ -5501,9 +5390,6 @@
               </a:spcAft>
               <a:buNone/>
             </a:pPr>
-            <a:r>
-              <a:t/>
-            </a:r>
             <a:endParaRPr/>
           </a:p>
         </p:txBody>
@@ -5529,7 +5415,7 @@
             <a:noFill/>
           </a:ln>
           <a:effectLst>
-            <a:outerShdw blurRad="228600" sx="101000" rotWithShape="0" algn="ctr" sy="101000">
+            <a:outerShdw blurRad="228600" sx="101000" sy="101000" algn="ctr" rotWithShape="0">
               <a:srgbClr val="000000">
                 <a:alpha val="40000"/>
               </a:srgbClr>
@@ -5537,12 +5423,12 @@
           </a:effectLst>
         </p:spPr>
         <p:txBody>
-          <a:bodyPr anchorCtr="0" anchor="ctr" bIns="91425" lIns="91425" spcFirstLastPara="1" rIns="91425" wrap="square" tIns="91425">
+          <a:bodyPr spcFirstLastPara="1" wrap="square" lIns="91425" tIns="91425" rIns="91425" bIns="91425" anchor="ctr" anchorCtr="0">
             <a:noAutofit/>
           </a:bodyPr>
           <a:lstStyle/>
           <a:p>
-            <a:pPr indent="0" lvl="0" marL="0" rtl="0" algn="l">
+            <a:pPr marL="0" lvl="0" indent="0" algn="l" rtl="0">
               <a:spcBef>
                 <a:spcPts val="0"/>
               </a:spcBef>
@@ -5551,9 +5437,6 @@
               </a:spcAft>
               <a:buNone/>
             </a:pPr>
-            <a:r>
-              <a:t/>
-            </a:r>
             <a:endParaRPr/>
           </a:p>
         </p:txBody>
@@ -5561,7 +5444,9 @@
       <p:sp>
         <p:nvSpPr>
           <p:cNvPr id="68" name="Google Shape;68;p6"/>
-          <p:cNvSpPr txBox="1"/>
+          <p:cNvSpPr txBox="1">
+            <a:spLocks noGrp="1"/>
+          </p:cNvSpPr>
           <p:nvPr>
             <p:ph type="title"/>
           </p:nvPr>
@@ -5576,7 +5461,7 @@
           </a:prstGeom>
         </p:spPr>
         <p:txBody>
-          <a:bodyPr anchorCtr="0" anchor="t" bIns="91425" lIns="91425" spcFirstLastPara="1" rIns="91425" wrap="square" tIns="91425">
+          <a:bodyPr spcFirstLastPara="1" wrap="square" lIns="91425" tIns="91425" rIns="91425" bIns="91425" anchor="t" anchorCtr="0">
             <a:noAutofit/>
           </a:bodyPr>
           <a:lstStyle>
@@ -5680,15 +5565,19 @@
               <a:defRPr sz="3000"/>
             </a:lvl9pPr>
           </a:lstStyle>
-          <a:p/>
+          <a:p>
+            <a:endParaRPr/>
+          </a:p>
         </p:txBody>
       </p:sp>
       <p:sp>
         <p:nvSpPr>
           <p:cNvPr id="69" name="Google Shape;69;p6"/>
-          <p:cNvSpPr txBox="1"/>
+          <p:cNvSpPr txBox="1">
+            <a:spLocks noGrp="1"/>
+          </p:cNvSpPr>
           <p:nvPr>
-            <p:ph idx="12" type="sldNum"/>
+            <p:ph type="sldNum" idx="12"/>
           </p:nvPr>
         </p:nvSpPr>
         <p:spPr>
@@ -5701,7 +5590,7 @@
           </a:prstGeom>
         </p:spPr>
         <p:txBody>
-          <a:bodyPr anchorCtr="0" anchor="ctr" bIns="91425" lIns="91425" spcFirstLastPara="1" rIns="91425" wrap="square" tIns="91425">
+          <a:bodyPr spcFirstLastPara="1" wrap="square" lIns="91425" tIns="91425" rIns="91425" bIns="91425" anchor="ctr" anchorCtr="0">
             <a:noAutofit/>
           </a:bodyPr>
           <a:lstStyle>
@@ -5743,7 +5632,7 @@
             </a:lvl9pPr>
           </a:lstStyle>
           <a:p>
-            <a:pPr indent="0" lvl="0" marL="0" rtl="0" algn="r">
+            <a:pPr marL="0" lvl="0" indent="0" algn="r" rtl="0">
               <a:spcBef>
                 <a:spcPts val="0"/>
               </a:spcBef>
@@ -5769,18 +5658,19 @@
 </file>
 
 <file path=ppt/slideLayouts/slideLayout6.xml><?xml version="1.0" encoding="utf-8"?>
-<p:sldLayout xmlns:a="http://schemas.openxmlformats.org/drawingml/2006/main" xmlns:r="http://schemas.openxmlformats.org/officeDocument/2006/relationships" xmlns:mc="http://schemas.openxmlformats.org/markup-compatibility/2006" xmlns:mv="urn:schemas-microsoft-com:mac:vml" xmlns:p="http://schemas.openxmlformats.org/presentationml/2006/main" xmlns:c="http://schemas.openxmlformats.org/drawingml/2006/chart" xmlns:dgm="http://schemas.openxmlformats.org/drawingml/2006/diagram" xmlns:o="urn:schemas-microsoft-com:office:office" xmlns:v="urn:schemas-microsoft-com:vml" xmlns:pvml="urn:schemas-microsoft-com:office:powerpoint" xmlns:com="http://schemas.openxmlformats.org/drawingml/2006/compatibility" xmlns:p14="http://schemas.microsoft.com/office/powerpoint/2010/main" xmlns:p15="http://schemas.microsoft.com/office/powerpoint/2012/main" matchingName="One column text">
+<p:sldLayout xmlns:a="http://schemas.openxmlformats.org/drawingml/2006/main" xmlns:r="http://schemas.openxmlformats.org/officeDocument/2006/relationships" xmlns:p="http://schemas.openxmlformats.org/presentationml/2006/main" matchingName="One column text">
   <p:cSld name="ONE_COLUMN_TEXT">
     <p:bg>
       <p:bgPr>
         <a:solidFill>
           <a:schemeClr val="accent3"/>
         </a:solidFill>
+        <a:effectLst/>
       </p:bgPr>
     </p:bg>
     <p:spTree>
       <p:nvGrpSpPr>
-        <p:cNvPr id="70" name="Shape 70"/>
+        <p:cNvPr id="1" name="Shape 70"/>
         <p:cNvGrpSpPr/>
         <p:nvPr/>
       </p:nvGrpSpPr>
@@ -5814,12 +5704,12 @@
           </a:ln>
         </p:spPr>
         <p:txBody>
-          <a:bodyPr anchorCtr="0" anchor="ctr" bIns="91425" lIns="91425" spcFirstLastPara="1" rIns="91425" wrap="square" tIns="91425">
+          <a:bodyPr spcFirstLastPara="1" wrap="square" lIns="91425" tIns="91425" rIns="91425" bIns="91425" anchor="ctr" anchorCtr="0">
             <a:noAutofit/>
           </a:bodyPr>
           <a:lstStyle/>
           <a:p>
-            <a:pPr indent="0" lvl="0" marL="0" rtl="0" algn="l">
+            <a:pPr marL="0" lvl="0" indent="0" algn="l" rtl="0">
               <a:spcBef>
                 <a:spcPts val="0"/>
               </a:spcBef>
@@ -5828,9 +5718,6 @@
               </a:spcAft>
               <a:buNone/>
             </a:pPr>
-            <a:r>
-              <a:t/>
-            </a:r>
             <a:endParaRPr/>
           </a:p>
         </p:txBody>
@@ -5857,12 +5744,12 @@
           </a:ln>
         </p:spPr>
         <p:txBody>
-          <a:bodyPr anchorCtr="0" anchor="ctr" bIns="91425" lIns="91425" spcFirstLastPara="1" rIns="91425" wrap="square" tIns="91425">
+          <a:bodyPr spcFirstLastPara="1" wrap="square" lIns="91425" tIns="91425" rIns="91425" bIns="91425" anchor="ctr" anchorCtr="0">
             <a:noAutofit/>
           </a:bodyPr>
           <a:lstStyle/>
           <a:p>
-            <a:pPr indent="0" lvl="0" marL="0" rtl="0" algn="l">
+            <a:pPr marL="0" lvl="0" indent="0" algn="l" rtl="0">
               <a:spcBef>
                 <a:spcPts val="0"/>
               </a:spcBef>
@@ -5871,9 +5758,6 @@
               </a:spcAft>
               <a:buNone/>
             </a:pPr>
-            <a:r>
-              <a:t/>
-            </a:r>
             <a:endParaRPr/>
           </a:p>
         </p:txBody>
@@ -5899,7 +5783,7 @@
             <a:noFill/>
           </a:ln>
           <a:effectLst>
-            <a:outerShdw blurRad="228600" sx="101000" rotWithShape="0" algn="ctr" sy="101000">
+            <a:outerShdw blurRad="228600" sx="101000" sy="101000" algn="ctr" rotWithShape="0">
               <a:srgbClr val="000000">
                 <a:alpha val="40000"/>
               </a:srgbClr>
@@ -5907,12 +5791,12 @@
           </a:effectLst>
         </p:spPr>
         <p:txBody>
-          <a:bodyPr anchorCtr="0" anchor="ctr" bIns="91425" lIns="91425" spcFirstLastPara="1" rIns="91425" wrap="square" tIns="91425">
+          <a:bodyPr spcFirstLastPara="1" wrap="square" lIns="91425" tIns="91425" rIns="91425" bIns="91425" anchor="ctr" anchorCtr="0">
             <a:noAutofit/>
           </a:bodyPr>
           <a:lstStyle/>
           <a:p>
-            <a:pPr indent="0" lvl="0" marL="0" rtl="0" algn="l">
+            <a:pPr marL="0" lvl="0" indent="0" algn="l" rtl="0">
               <a:spcBef>
                 <a:spcPts val="0"/>
               </a:spcBef>
@@ -5921,9 +5805,6 @@
               </a:spcAft>
               <a:buNone/>
             </a:pPr>
-            <a:r>
-              <a:t/>
-            </a:r>
             <a:endParaRPr/>
           </a:p>
         </p:txBody>
@@ -5931,7 +5812,9 @@
       <p:sp>
         <p:nvSpPr>
           <p:cNvPr id="74" name="Google Shape;74;p7"/>
-          <p:cNvSpPr txBox="1"/>
+          <p:cNvSpPr txBox="1">
+            <a:spLocks noGrp="1"/>
+          </p:cNvSpPr>
           <p:nvPr>
             <p:ph type="title"/>
           </p:nvPr>
@@ -5946,7 +5829,7 @@
           </a:prstGeom>
         </p:spPr>
         <p:txBody>
-          <a:bodyPr anchorCtr="0" anchor="t" bIns="91425" lIns="91425" spcFirstLastPara="1" rIns="91425" wrap="square" tIns="91425">
+          <a:bodyPr spcFirstLastPara="1" wrap="square" lIns="91425" tIns="91425" rIns="91425" bIns="91425" anchor="t" anchorCtr="0">
             <a:noAutofit/>
           </a:bodyPr>
           <a:lstStyle>
@@ -6050,15 +5933,19 @@
               <a:defRPr sz="3000"/>
             </a:lvl9pPr>
           </a:lstStyle>
-          <a:p/>
+          <a:p>
+            <a:endParaRPr/>
+          </a:p>
         </p:txBody>
       </p:sp>
       <p:sp>
         <p:nvSpPr>
           <p:cNvPr id="75" name="Google Shape;75;p7"/>
-          <p:cNvSpPr txBox="1"/>
+          <p:cNvSpPr txBox="1">
+            <a:spLocks noGrp="1"/>
+          </p:cNvSpPr>
           <p:nvPr>
-            <p:ph idx="1" type="body"/>
+            <p:ph type="body" idx="1"/>
           </p:nvPr>
         </p:nvSpPr>
         <p:spPr>
@@ -6071,11 +5958,11 @@
           </a:prstGeom>
         </p:spPr>
         <p:txBody>
-          <a:bodyPr anchorCtr="0" anchor="t" bIns="91425" lIns="91425" spcFirstLastPara="1" rIns="91425" wrap="square" tIns="91425">
+          <a:bodyPr spcFirstLastPara="1" wrap="square" lIns="91425" tIns="91425" rIns="91425" bIns="91425" anchor="t" anchorCtr="0">
             <a:noAutofit/>
           </a:bodyPr>
           <a:lstStyle>
-            <a:lvl1pPr indent="-311150" lvl="0" marL="457200">
+            <a:lvl1pPr marL="457200" lvl="0" indent="-311150">
               <a:spcBef>
                 <a:spcPts val="0"/>
               </a:spcBef>
@@ -6086,7 +5973,7 @@
               <a:buChar char="●"/>
               <a:defRPr/>
             </a:lvl1pPr>
-            <a:lvl2pPr indent="-298450" lvl="1" marL="914400">
+            <a:lvl2pPr marL="914400" lvl="1" indent="-298450">
               <a:spcBef>
                 <a:spcPts val="1600"/>
               </a:spcBef>
@@ -6097,7 +5984,7 @@
               <a:buChar char="○"/>
               <a:defRPr/>
             </a:lvl2pPr>
-            <a:lvl3pPr indent="-298450" lvl="2" marL="1371600">
+            <a:lvl3pPr marL="1371600" lvl="2" indent="-298450">
               <a:spcBef>
                 <a:spcPts val="1600"/>
               </a:spcBef>
@@ -6108,7 +5995,7 @@
               <a:buChar char="■"/>
               <a:defRPr/>
             </a:lvl3pPr>
-            <a:lvl4pPr indent="-298450" lvl="3" marL="1828800">
+            <a:lvl4pPr marL="1828800" lvl="3" indent="-298450">
               <a:spcBef>
                 <a:spcPts val="1600"/>
               </a:spcBef>
@@ -6119,7 +6006,7 @@
               <a:buChar char="●"/>
               <a:defRPr/>
             </a:lvl4pPr>
-            <a:lvl5pPr indent="-298450" lvl="4" marL="2286000">
+            <a:lvl5pPr marL="2286000" lvl="4" indent="-298450">
               <a:spcBef>
                 <a:spcPts val="1600"/>
               </a:spcBef>
@@ -6130,7 +6017,7 @@
               <a:buChar char="○"/>
               <a:defRPr/>
             </a:lvl5pPr>
-            <a:lvl6pPr indent="-298450" lvl="5" marL="2743200">
+            <a:lvl6pPr marL="2743200" lvl="5" indent="-298450">
               <a:spcBef>
                 <a:spcPts val="1600"/>
               </a:spcBef>
@@ -6141,7 +6028,7 @@
               <a:buChar char="■"/>
               <a:defRPr/>
             </a:lvl6pPr>
-            <a:lvl7pPr indent="-298450" lvl="6" marL="3200400">
+            <a:lvl7pPr marL="3200400" lvl="6" indent="-298450">
               <a:spcBef>
                 <a:spcPts val="1600"/>
               </a:spcBef>
@@ -6152,7 +6039,7 @@
               <a:buChar char="●"/>
               <a:defRPr/>
             </a:lvl7pPr>
-            <a:lvl8pPr indent="-298450" lvl="7" marL="3657600">
+            <a:lvl8pPr marL="3657600" lvl="7" indent="-298450">
               <a:spcBef>
                 <a:spcPts val="1600"/>
               </a:spcBef>
@@ -6163,7 +6050,7 @@
               <a:buChar char="○"/>
               <a:defRPr/>
             </a:lvl8pPr>
-            <a:lvl9pPr indent="-298450" lvl="8" marL="4114800">
+            <a:lvl9pPr marL="4114800" lvl="8" indent="-298450">
               <a:spcBef>
                 <a:spcPts val="1600"/>
               </a:spcBef>
@@ -6175,15 +6062,19 @@
               <a:defRPr/>
             </a:lvl9pPr>
           </a:lstStyle>
-          <a:p/>
+          <a:p>
+            <a:endParaRPr/>
+          </a:p>
         </p:txBody>
       </p:sp>
       <p:sp>
         <p:nvSpPr>
           <p:cNvPr id="76" name="Google Shape;76;p7"/>
-          <p:cNvSpPr txBox="1"/>
+          <p:cNvSpPr txBox="1">
+            <a:spLocks noGrp="1"/>
+          </p:cNvSpPr>
           <p:nvPr>
-            <p:ph idx="12" type="sldNum"/>
+            <p:ph type="sldNum" idx="12"/>
           </p:nvPr>
         </p:nvSpPr>
         <p:spPr>
@@ -6196,7 +6087,7 @@
           </a:prstGeom>
         </p:spPr>
         <p:txBody>
-          <a:bodyPr anchorCtr="0" anchor="ctr" bIns="91425" lIns="91425" spcFirstLastPara="1" rIns="91425" wrap="square" tIns="91425">
+          <a:bodyPr spcFirstLastPara="1" wrap="square" lIns="91425" tIns="91425" rIns="91425" bIns="91425" anchor="ctr" anchorCtr="0">
             <a:noAutofit/>
           </a:bodyPr>
           <a:lstStyle>
@@ -6238,7 +6129,7 @@
             </a:lvl9pPr>
           </a:lstStyle>
           <a:p>
-            <a:pPr indent="0" lvl="0" marL="0" rtl="0" algn="r">
+            <a:pPr marL="0" lvl="0" indent="0" algn="r" rtl="0">
               <a:spcBef>
                 <a:spcPts val="0"/>
               </a:spcBef>
@@ -6264,18 +6155,19 @@
 </file>
 
 <file path=ppt/slideLayouts/slideLayout7.xml><?xml version="1.0" encoding="utf-8"?>
-<p:sldLayout xmlns:a="http://schemas.openxmlformats.org/drawingml/2006/main" xmlns:r="http://schemas.openxmlformats.org/officeDocument/2006/relationships" xmlns:mc="http://schemas.openxmlformats.org/markup-compatibility/2006" xmlns:mv="urn:schemas-microsoft-com:mac:vml" xmlns:p="http://schemas.openxmlformats.org/presentationml/2006/main" xmlns:c="http://schemas.openxmlformats.org/drawingml/2006/chart" xmlns:dgm="http://schemas.openxmlformats.org/drawingml/2006/diagram" xmlns:o="urn:schemas-microsoft-com:office:office" xmlns:v="urn:schemas-microsoft-com:vml" xmlns:pvml="urn:schemas-microsoft-com:office:powerpoint" xmlns:com="http://schemas.openxmlformats.org/drawingml/2006/compatibility" xmlns:p14="http://schemas.microsoft.com/office/powerpoint/2010/main" xmlns:p15="http://schemas.microsoft.com/office/powerpoint/2012/main" matchingName="Main point">
+<p:sldLayout xmlns:a="http://schemas.openxmlformats.org/drawingml/2006/main" xmlns:r="http://schemas.openxmlformats.org/officeDocument/2006/relationships" xmlns:p="http://schemas.openxmlformats.org/presentationml/2006/main" matchingName="Main point">
   <p:cSld name="MAIN_POINT">
     <p:bg>
       <p:bgPr>
         <a:solidFill>
           <a:schemeClr val="accent1"/>
         </a:solidFill>
+        <a:effectLst/>
       </p:bgPr>
     </p:bg>
     <p:spTree>
       <p:nvGrpSpPr>
-        <p:cNvPr id="77" name="Shape 77"/>
+        <p:cNvPr id="1" name="Shape 77"/>
         <p:cNvGrpSpPr/>
         <p:nvPr/>
       </p:nvGrpSpPr>
@@ -6309,12 +6201,12 @@
           </a:ln>
         </p:spPr>
         <p:txBody>
-          <a:bodyPr anchorCtr="0" anchor="ctr" bIns="91425" lIns="91425" spcFirstLastPara="1" rIns="91425" wrap="square" tIns="91425">
+          <a:bodyPr spcFirstLastPara="1" wrap="square" lIns="91425" tIns="91425" rIns="91425" bIns="91425" anchor="ctr" anchorCtr="0">
             <a:noAutofit/>
           </a:bodyPr>
           <a:lstStyle/>
           <a:p>
-            <a:pPr indent="0" lvl="0" marL="0" rtl="0" algn="l">
+            <a:pPr marL="0" lvl="0" indent="0" algn="l" rtl="0">
               <a:spcBef>
                 <a:spcPts val="0"/>
               </a:spcBef>
@@ -6323,9 +6215,6 @@
               </a:spcAft>
               <a:buNone/>
             </a:pPr>
-            <a:r>
-              <a:t/>
-            </a:r>
             <a:endParaRPr/>
           </a:p>
         </p:txBody>
@@ -6352,12 +6241,12 @@
           </a:ln>
         </p:spPr>
         <p:txBody>
-          <a:bodyPr anchorCtr="0" anchor="ctr" bIns="91425" lIns="91425" spcFirstLastPara="1" rIns="91425" wrap="square" tIns="91425">
+          <a:bodyPr spcFirstLastPara="1" wrap="square" lIns="91425" tIns="91425" rIns="91425" bIns="91425" anchor="ctr" anchorCtr="0">
             <a:noAutofit/>
           </a:bodyPr>
           <a:lstStyle/>
           <a:p>
-            <a:pPr indent="0" lvl="0" marL="0" rtl="0" algn="l">
+            <a:pPr marL="0" lvl="0" indent="0" algn="l" rtl="0">
               <a:spcBef>
                 <a:spcPts val="0"/>
               </a:spcBef>
@@ -6366,9 +6255,6 @@
               </a:spcAft>
               <a:buNone/>
             </a:pPr>
-            <a:r>
-              <a:t/>
-            </a:r>
             <a:endParaRPr/>
           </a:p>
         </p:txBody>
@@ -6400,7 +6286,7 @@
             </a:xfrm>
             <a:prstGeom prst="parallelogram">
               <a:avLst>
-                <a:gd fmla="val 153193" name="adj"/>
+                <a:gd name="adj" fmla="val 153193"/>
               </a:avLst>
             </a:prstGeom>
             <a:solidFill>
@@ -6411,12 +6297,12 @@
             </a:ln>
           </p:spPr>
           <p:txBody>
-            <a:bodyPr anchorCtr="0" anchor="ctr" bIns="91425" lIns="91425" spcFirstLastPara="1" rIns="91425" wrap="square" tIns="91425">
+            <a:bodyPr spcFirstLastPara="1" wrap="square" lIns="91425" tIns="91425" rIns="91425" bIns="91425" anchor="ctr" anchorCtr="0">
               <a:noAutofit/>
             </a:bodyPr>
             <a:lstStyle/>
             <a:p>
-              <a:pPr indent="0" lvl="0" marL="0" rtl="0" algn="l">
+              <a:pPr marL="0" lvl="0" indent="0" algn="l" rtl="0">
                 <a:spcBef>
                   <a:spcPts val="0"/>
                 </a:spcBef>
@@ -6425,9 +6311,6 @@
                 </a:spcAft>
                 <a:buNone/>
               </a:pPr>
-              <a:r>
-                <a:t/>
-              </a:r>
               <a:endParaRPr/>
             </a:p>
           </p:txBody>
@@ -6445,7 +6328,7 @@
             </a:xfrm>
             <a:prstGeom prst="parallelogram">
               <a:avLst>
-                <a:gd fmla="val 153193" name="adj"/>
+                <a:gd name="adj" fmla="val 153193"/>
               </a:avLst>
             </a:prstGeom>
             <a:solidFill>
@@ -6456,12 +6339,12 @@
             </a:ln>
           </p:spPr>
           <p:txBody>
-            <a:bodyPr anchorCtr="0" anchor="ctr" bIns="91425" lIns="91425" spcFirstLastPara="1" rIns="91425" wrap="square" tIns="91425">
+            <a:bodyPr spcFirstLastPara="1" wrap="square" lIns="91425" tIns="91425" rIns="91425" bIns="91425" anchor="ctr" anchorCtr="0">
               <a:noAutofit/>
             </a:bodyPr>
             <a:lstStyle/>
             <a:p>
-              <a:pPr indent="0" lvl="0" marL="0" rtl="0" algn="l">
+              <a:pPr marL="0" lvl="0" indent="0" algn="l" rtl="0">
                 <a:spcBef>
                   <a:spcPts val="0"/>
                 </a:spcBef>
@@ -6470,9 +6353,6 @@
                 </a:spcAft>
                 <a:buNone/>
               </a:pPr>
-              <a:r>
-                <a:t/>
-              </a:r>
               <a:endParaRPr/>
             </a:p>
           </p:txBody>
@@ -6490,7 +6370,7 @@
             </a:xfrm>
             <a:prstGeom prst="parallelogram">
               <a:avLst>
-                <a:gd fmla="val 153193" name="adj"/>
+                <a:gd name="adj" fmla="val 153193"/>
               </a:avLst>
             </a:prstGeom>
             <a:solidFill>
@@ -6501,12 +6381,12 @@
             </a:ln>
           </p:spPr>
           <p:txBody>
-            <a:bodyPr anchorCtr="0" anchor="ctr" bIns="91425" lIns="91425" spcFirstLastPara="1" rIns="91425" wrap="square" tIns="91425">
+            <a:bodyPr spcFirstLastPara="1" wrap="square" lIns="91425" tIns="91425" rIns="91425" bIns="91425" anchor="ctr" anchorCtr="0">
               <a:noAutofit/>
             </a:bodyPr>
             <a:lstStyle/>
             <a:p>
-              <a:pPr indent="0" lvl="0" marL="0" rtl="0" algn="l">
+              <a:pPr marL="0" lvl="0" indent="0" algn="l" rtl="0">
                 <a:spcBef>
                   <a:spcPts val="0"/>
                 </a:spcBef>
@@ -6515,9 +6395,6 @@
                 </a:spcAft>
                 <a:buNone/>
               </a:pPr>
-              <a:r>
-                <a:t/>
-              </a:r>
               <a:endParaRPr/>
             </a:p>
           </p:txBody>
@@ -6544,7 +6421,7 @@
             <a:noFill/>
           </a:ln>
           <a:effectLst>
-            <a:outerShdw blurRad="228600" sx="101000" rotWithShape="0" algn="ctr" sy="101000">
+            <a:outerShdw blurRad="228600" sx="101000" sy="101000" algn="ctr" rotWithShape="0">
               <a:srgbClr val="000000">
                 <a:alpha val="40000"/>
               </a:srgbClr>
@@ -6552,12 +6429,12 @@
           </a:effectLst>
         </p:spPr>
         <p:txBody>
-          <a:bodyPr anchorCtr="0" anchor="ctr" bIns="91425" lIns="91425" spcFirstLastPara="1" rIns="91425" wrap="square" tIns="91425">
+          <a:bodyPr spcFirstLastPara="1" wrap="square" lIns="91425" tIns="91425" rIns="91425" bIns="91425" anchor="ctr" anchorCtr="0">
             <a:noAutofit/>
           </a:bodyPr>
           <a:lstStyle/>
           <a:p>
-            <a:pPr indent="0" lvl="0" marL="0" rtl="0" algn="l">
+            <a:pPr marL="0" lvl="0" indent="0" algn="l" rtl="0">
               <a:spcBef>
                 <a:spcPts val="0"/>
               </a:spcBef>
@@ -6566,9 +6443,6 @@
               </a:spcAft>
               <a:buNone/>
             </a:pPr>
-            <a:r>
-              <a:t/>
-            </a:r>
             <a:endParaRPr/>
           </a:p>
         </p:txBody>
@@ -6600,7 +6474,7 @@
             </a:xfrm>
             <a:prstGeom prst="parallelogram">
               <a:avLst>
-                <a:gd fmla="val 158024" name="adj"/>
+                <a:gd name="adj" fmla="val 158024"/>
               </a:avLst>
             </a:prstGeom>
             <a:solidFill>
@@ -6611,12 +6485,12 @@
             </a:ln>
           </p:spPr>
           <p:txBody>
-            <a:bodyPr anchorCtr="0" anchor="ctr" bIns="91425" lIns="91425" spcFirstLastPara="1" rIns="91425" wrap="square" tIns="91425">
+            <a:bodyPr spcFirstLastPara="1" wrap="square" lIns="91425" tIns="91425" rIns="91425" bIns="91425" anchor="ctr" anchorCtr="0">
               <a:noAutofit/>
             </a:bodyPr>
             <a:lstStyle/>
             <a:p>
-              <a:pPr indent="0" lvl="0" marL="0" rtl="0" algn="l">
+              <a:pPr marL="0" lvl="0" indent="0" algn="l" rtl="0">
                 <a:spcBef>
                   <a:spcPts val="0"/>
                 </a:spcBef>
@@ -6625,9 +6499,6 @@
                 </a:spcAft>
                 <a:buNone/>
               </a:pPr>
-              <a:r>
-                <a:t/>
-              </a:r>
               <a:endParaRPr/>
             </a:p>
           </p:txBody>
@@ -6645,7 +6516,7 @@
             </a:xfrm>
             <a:prstGeom prst="parallelogram">
               <a:avLst>
-                <a:gd fmla="val 158024" name="adj"/>
+                <a:gd name="adj" fmla="val 158024"/>
               </a:avLst>
             </a:prstGeom>
             <a:solidFill>
@@ -6656,12 +6527,12 @@
             </a:ln>
           </p:spPr>
           <p:txBody>
-            <a:bodyPr anchorCtr="0" anchor="ctr" bIns="91425" lIns="91425" spcFirstLastPara="1" rIns="91425" wrap="square" tIns="91425">
+            <a:bodyPr spcFirstLastPara="1" wrap="square" lIns="91425" tIns="91425" rIns="91425" bIns="91425" anchor="ctr" anchorCtr="0">
               <a:noAutofit/>
             </a:bodyPr>
             <a:lstStyle/>
             <a:p>
-              <a:pPr indent="0" lvl="0" marL="0" rtl="0" algn="l">
+              <a:pPr marL="0" lvl="0" indent="0" algn="l" rtl="0">
                 <a:spcBef>
                   <a:spcPts val="0"/>
                 </a:spcBef>
@@ -6670,9 +6541,6 @@
                 </a:spcAft>
                 <a:buNone/>
               </a:pPr>
-              <a:r>
-                <a:t/>
-              </a:r>
               <a:endParaRPr/>
             </a:p>
           </p:txBody>
@@ -6690,7 +6558,7 @@
             </a:xfrm>
             <a:prstGeom prst="parallelogram">
               <a:avLst>
-                <a:gd fmla="val 158024" name="adj"/>
+                <a:gd name="adj" fmla="val 158024"/>
               </a:avLst>
             </a:prstGeom>
             <a:solidFill>
@@ -6701,12 +6569,12 @@
             </a:ln>
           </p:spPr>
           <p:txBody>
-            <a:bodyPr anchorCtr="0" anchor="ctr" bIns="91425" lIns="91425" spcFirstLastPara="1" rIns="91425" wrap="square" tIns="91425">
+            <a:bodyPr spcFirstLastPara="1" wrap="square" lIns="91425" tIns="91425" rIns="91425" bIns="91425" anchor="ctr" anchorCtr="0">
               <a:noAutofit/>
             </a:bodyPr>
             <a:lstStyle/>
             <a:p>
-              <a:pPr indent="0" lvl="0" marL="0" rtl="0" algn="l">
+              <a:pPr marL="0" lvl="0" indent="0" algn="l" rtl="0">
                 <a:spcBef>
                   <a:spcPts val="0"/>
                 </a:spcBef>
@@ -6715,9 +6583,6 @@
                 </a:spcAft>
                 <a:buNone/>
               </a:pPr>
-              <a:r>
-                <a:t/>
-              </a:r>
               <a:endParaRPr/>
             </a:p>
           </p:txBody>
@@ -6750,7 +6615,7 @@
             </a:xfrm>
             <a:prstGeom prst="parallelogram">
               <a:avLst>
-                <a:gd fmla="val 158024" name="adj"/>
+                <a:gd name="adj" fmla="val 158024"/>
               </a:avLst>
             </a:prstGeom>
             <a:solidFill>
@@ -6761,12 +6626,12 @@
             </a:ln>
           </p:spPr>
           <p:txBody>
-            <a:bodyPr anchorCtr="0" anchor="ctr" bIns="91425" lIns="91425" spcFirstLastPara="1" rIns="91425" wrap="square" tIns="91425">
+            <a:bodyPr spcFirstLastPara="1" wrap="square" lIns="91425" tIns="91425" rIns="91425" bIns="91425" anchor="ctr" anchorCtr="0">
               <a:noAutofit/>
             </a:bodyPr>
             <a:lstStyle/>
             <a:p>
-              <a:pPr indent="0" lvl="0" marL="0" rtl="0" algn="l">
+              <a:pPr marL="0" lvl="0" indent="0" algn="l" rtl="0">
                 <a:spcBef>
                   <a:spcPts val="0"/>
                 </a:spcBef>
@@ -6775,9 +6640,6 @@
                 </a:spcAft>
                 <a:buNone/>
               </a:pPr>
-              <a:r>
-                <a:t/>
-              </a:r>
               <a:endParaRPr/>
             </a:p>
           </p:txBody>
@@ -6795,7 +6657,7 @@
             </a:xfrm>
             <a:prstGeom prst="parallelogram">
               <a:avLst>
-                <a:gd fmla="val 158024" name="adj"/>
+                <a:gd name="adj" fmla="val 158024"/>
               </a:avLst>
             </a:prstGeom>
             <a:solidFill>
@@ -6806,12 +6668,12 @@
             </a:ln>
           </p:spPr>
           <p:txBody>
-            <a:bodyPr anchorCtr="0" anchor="ctr" bIns="91425" lIns="91425" spcFirstLastPara="1" rIns="91425" wrap="square" tIns="91425">
+            <a:bodyPr spcFirstLastPara="1" wrap="square" lIns="91425" tIns="91425" rIns="91425" bIns="91425" anchor="ctr" anchorCtr="0">
               <a:noAutofit/>
             </a:bodyPr>
             <a:lstStyle/>
             <a:p>
-              <a:pPr indent="0" lvl="0" marL="0" rtl="0" algn="l">
+              <a:pPr marL="0" lvl="0" indent="0" algn="l" rtl="0">
                 <a:spcBef>
                   <a:spcPts val="0"/>
                 </a:spcBef>
@@ -6820,9 +6682,6 @@
                 </a:spcAft>
                 <a:buNone/>
               </a:pPr>
-              <a:r>
-                <a:t/>
-              </a:r>
               <a:endParaRPr/>
             </a:p>
           </p:txBody>
@@ -6840,7 +6699,7 @@
             </a:xfrm>
             <a:prstGeom prst="parallelogram">
               <a:avLst>
-                <a:gd fmla="val 158024" name="adj"/>
+                <a:gd name="adj" fmla="val 158024"/>
               </a:avLst>
             </a:prstGeom>
             <a:solidFill>
@@ -6851,12 +6710,12 @@
             </a:ln>
           </p:spPr>
           <p:txBody>
-            <a:bodyPr anchorCtr="0" anchor="ctr" bIns="91425" lIns="91425" spcFirstLastPara="1" rIns="91425" wrap="square" tIns="91425">
+            <a:bodyPr spcFirstLastPara="1" wrap="square" lIns="91425" tIns="91425" rIns="91425" bIns="91425" anchor="ctr" anchorCtr="0">
               <a:noAutofit/>
             </a:bodyPr>
             <a:lstStyle/>
             <a:p>
-              <a:pPr indent="0" lvl="0" marL="0" rtl="0" algn="l">
+              <a:pPr marL="0" lvl="0" indent="0" algn="l" rtl="0">
                 <a:spcBef>
                   <a:spcPts val="0"/>
                 </a:spcBef>
@@ -6865,9 +6724,6 @@
                 </a:spcAft>
                 <a:buNone/>
               </a:pPr>
-              <a:r>
-                <a:t/>
-              </a:r>
               <a:endParaRPr/>
             </a:p>
           </p:txBody>
@@ -6876,7 +6732,9 @@
       <p:sp>
         <p:nvSpPr>
           <p:cNvPr id="93" name="Google Shape;93;p8"/>
-          <p:cNvSpPr txBox="1"/>
+          <p:cNvSpPr txBox="1">
+            <a:spLocks noGrp="1"/>
+          </p:cNvSpPr>
           <p:nvPr>
             <p:ph type="title"/>
           </p:nvPr>
@@ -6891,7 +6749,7 @@
           </a:prstGeom>
         </p:spPr>
         <p:txBody>
-          <a:bodyPr anchorCtr="0" anchor="ctr" bIns="91425" lIns="91425" spcFirstLastPara="1" rIns="91425" wrap="square" tIns="91425">
+          <a:bodyPr spcFirstLastPara="1" wrap="square" lIns="91425" tIns="91425" rIns="91425" bIns="91425" anchor="ctr" anchorCtr="0">
             <a:noAutofit/>
           </a:bodyPr>
           <a:lstStyle>
@@ -6995,15 +6853,19 @@
               <a:defRPr sz="3200"/>
             </a:lvl9pPr>
           </a:lstStyle>
-          <a:p/>
+          <a:p>
+            <a:endParaRPr/>
+          </a:p>
         </p:txBody>
       </p:sp>
       <p:sp>
         <p:nvSpPr>
           <p:cNvPr id="94" name="Google Shape;94;p8"/>
-          <p:cNvSpPr txBox="1"/>
+          <p:cNvSpPr txBox="1">
+            <a:spLocks noGrp="1"/>
+          </p:cNvSpPr>
           <p:nvPr>
-            <p:ph idx="12" type="sldNum"/>
+            <p:ph type="sldNum" idx="12"/>
           </p:nvPr>
         </p:nvSpPr>
         <p:spPr>
@@ -7016,7 +6878,7 @@
           </a:prstGeom>
         </p:spPr>
         <p:txBody>
-          <a:bodyPr anchorCtr="0" anchor="ctr" bIns="91425" lIns="91425" spcFirstLastPara="1" rIns="91425" wrap="square" tIns="91425">
+          <a:bodyPr spcFirstLastPara="1" wrap="square" lIns="91425" tIns="91425" rIns="91425" bIns="91425" anchor="ctr" anchorCtr="0">
             <a:noAutofit/>
           </a:bodyPr>
           <a:lstStyle>
@@ -7058,7 +6920,7 @@
             </a:lvl9pPr>
           </a:lstStyle>
           <a:p>
-            <a:pPr indent="0" lvl="0" marL="0" rtl="0" algn="r">
+            <a:pPr marL="0" lvl="0" indent="0" algn="r" rtl="0">
               <a:spcBef>
                 <a:spcPts val="0"/>
               </a:spcBef>
@@ -7084,18 +6946,19 @@
 </file>
 
 <file path=ppt/slideLayouts/slideLayout8.xml><?xml version="1.0" encoding="utf-8"?>
-<p:sldLayout xmlns:a="http://schemas.openxmlformats.org/drawingml/2006/main" xmlns:r="http://schemas.openxmlformats.org/officeDocument/2006/relationships" xmlns:mc="http://schemas.openxmlformats.org/markup-compatibility/2006" xmlns:mv="urn:schemas-microsoft-com:mac:vml" xmlns:p="http://schemas.openxmlformats.org/presentationml/2006/main" xmlns:c="http://schemas.openxmlformats.org/drawingml/2006/chart" xmlns:dgm="http://schemas.openxmlformats.org/drawingml/2006/diagram" xmlns:o="urn:schemas-microsoft-com:office:office" xmlns:v="urn:schemas-microsoft-com:vml" xmlns:pvml="urn:schemas-microsoft-com:office:powerpoint" xmlns:com="http://schemas.openxmlformats.org/drawingml/2006/compatibility" xmlns:p14="http://schemas.microsoft.com/office/powerpoint/2010/main" xmlns:p15="http://schemas.microsoft.com/office/powerpoint/2012/main" matchingName="Section title and description">
+<p:sldLayout xmlns:a="http://schemas.openxmlformats.org/drawingml/2006/main" xmlns:r="http://schemas.openxmlformats.org/officeDocument/2006/relationships" xmlns:p="http://schemas.openxmlformats.org/presentationml/2006/main" matchingName="Section title and description">
   <p:cSld name="SECTION_TITLE_AND_DESCRIPTION">
     <p:bg>
       <p:bgPr>
         <a:solidFill>
           <a:schemeClr val="dk2"/>
         </a:solidFill>
+        <a:effectLst/>
       </p:bgPr>
     </p:bg>
     <p:spTree>
       <p:nvGrpSpPr>
-        <p:cNvPr id="95" name="Shape 95"/>
+        <p:cNvPr id="1" name="Shape 95"/>
         <p:cNvGrpSpPr/>
         <p:nvPr/>
       </p:nvGrpSpPr>
@@ -7129,12 +6992,12 @@
           </a:ln>
         </p:spPr>
         <p:txBody>
-          <a:bodyPr anchorCtr="0" anchor="ctr" bIns="91425" lIns="91425" spcFirstLastPara="1" rIns="91425" wrap="square" tIns="91425">
+          <a:bodyPr spcFirstLastPara="1" wrap="square" lIns="91425" tIns="91425" rIns="91425" bIns="91425" anchor="ctr" anchorCtr="0">
             <a:noAutofit/>
           </a:bodyPr>
           <a:lstStyle/>
           <a:p>
-            <a:pPr indent="0" lvl="0" marL="0" rtl="0" algn="l">
+            <a:pPr marL="0" lvl="0" indent="0" algn="l" rtl="0">
               <a:spcBef>
                 <a:spcPts val="0"/>
               </a:spcBef>
@@ -7143,9 +7006,6 @@
               </a:spcAft>
               <a:buNone/>
             </a:pPr>
-            <a:r>
-              <a:t/>
-            </a:r>
             <a:endParaRPr/>
           </a:p>
         </p:txBody>
@@ -7172,12 +7032,12 @@
           </a:ln>
         </p:spPr>
         <p:txBody>
-          <a:bodyPr anchorCtr="0" anchor="ctr" bIns="91425" lIns="91425" spcFirstLastPara="1" rIns="91425" wrap="square" tIns="91425">
+          <a:bodyPr spcFirstLastPara="1" wrap="square" lIns="91425" tIns="91425" rIns="91425" bIns="91425" anchor="ctr" anchorCtr="0">
             <a:noAutofit/>
           </a:bodyPr>
           <a:lstStyle/>
           <a:p>
-            <a:pPr indent="0" lvl="0" marL="0" rtl="0" algn="l">
+            <a:pPr marL="0" lvl="0" indent="0" algn="l" rtl="0">
               <a:spcBef>
                 <a:spcPts val="0"/>
               </a:spcBef>
@@ -7186,9 +7046,6 @@
               </a:spcAft>
               <a:buNone/>
             </a:pPr>
-            <a:r>
-              <a:t/>
-            </a:r>
             <a:endParaRPr/>
           </a:p>
         </p:txBody>
@@ -7214,7 +7071,7 @@
             <a:noFill/>
           </a:ln>
           <a:effectLst>
-            <a:outerShdw blurRad="228600" sx="101000" rotWithShape="0" algn="ctr" sy="101000">
+            <a:outerShdw blurRad="228600" sx="101000" sy="101000" algn="ctr" rotWithShape="0">
               <a:srgbClr val="000000">
                 <a:alpha val="40000"/>
               </a:srgbClr>
@@ -7222,12 +7079,12 @@
           </a:effectLst>
         </p:spPr>
         <p:txBody>
-          <a:bodyPr anchorCtr="0" anchor="ctr" bIns="91425" lIns="91425" spcFirstLastPara="1" rIns="91425" wrap="square" tIns="91425">
+          <a:bodyPr spcFirstLastPara="1" wrap="square" lIns="91425" tIns="91425" rIns="91425" bIns="91425" anchor="ctr" anchorCtr="0">
             <a:noAutofit/>
           </a:bodyPr>
           <a:lstStyle/>
           <a:p>
-            <a:pPr indent="0" lvl="0" marL="0" rtl="0" algn="l">
+            <a:pPr marL="0" lvl="0" indent="0" algn="l" rtl="0">
               <a:spcBef>
                 <a:spcPts val="0"/>
               </a:spcBef>
@@ -7236,9 +7093,6 @@
               </a:spcAft>
               <a:buNone/>
             </a:pPr>
-            <a:r>
-              <a:t/>
-            </a:r>
             <a:endParaRPr/>
           </a:p>
         </p:txBody>
@@ -7246,7 +7100,9 @@
       <p:sp>
         <p:nvSpPr>
           <p:cNvPr id="99" name="Google Shape;99;p9"/>
-          <p:cNvSpPr txBox="1"/>
+          <p:cNvSpPr txBox="1">
+            <a:spLocks noGrp="1"/>
+          </p:cNvSpPr>
           <p:nvPr>
             <p:ph type="title"/>
           </p:nvPr>
@@ -7261,7 +7117,7 @@
           </a:prstGeom>
         </p:spPr>
         <p:txBody>
-          <a:bodyPr anchorCtr="0" anchor="t" bIns="91425" lIns="91425" spcFirstLastPara="1" rIns="91425" wrap="square" tIns="91425">
+          <a:bodyPr spcFirstLastPara="1" wrap="square" lIns="91425" tIns="91425" rIns="91425" bIns="91425" anchor="t" anchorCtr="0">
             <a:noAutofit/>
           </a:bodyPr>
           <a:lstStyle>
@@ -7365,15 +7221,19 @@
               <a:defRPr sz="3000"/>
             </a:lvl9pPr>
           </a:lstStyle>
-          <a:p/>
+          <a:p>
+            <a:endParaRPr/>
+          </a:p>
         </p:txBody>
       </p:sp>
       <p:sp>
         <p:nvSpPr>
           <p:cNvPr id="100" name="Google Shape;100;p9"/>
-          <p:cNvSpPr txBox="1"/>
+          <p:cNvSpPr txBox="1">
+            <a:spLocks noGrp="1"/>
+          </p:cNvSpPr>
           <p:nvPr>
-            <p:ph idx="1" type="subTitle"/>
+            <p:ph type="subTitle" idx="1"/>
           </p:nvPr>
         </p:nvSpPr>
         <p:spPr>
@@ -7386,7 +7246,7 @@
           </a:prstGeom>
         </p:spPr>
         <p:txBody>
-          <a:bodyPr anchorCtr="0" anchor="t" bIns="91425" lIns="91425" spcFirstLastPara="1" rIns="91425" wrap="square" tIns="91425">
+          <a:bodyPr spcFirstLastPara="1" wrap="square" lIns="91425" tIns="91425" rIns="91425" bIns="91425" anchor="t" anchorCtr="0">
             <a:noAutofit/>
           </a:bodyPr>
           <a:lstStyle>
@@ -7580,15 +7440,19 @@
               </a:defRPr>
             </a:lvl9pPr>
           </a:lstStyle>
-          <a:p/>
+          <a:p>
+            <a:endParaRPr/>
+          </a:p>
         </p:txBody>
       </p:sp>
       <p:sp>
         <p:nvSpPr>
           <p:cNvPr id="101" name="Google Shape;101;p9"/>
-          <p:cNvSpPr txBox="1"/>
+          <p:cNvSpPr txBox="1">
+            <a:spLocks noGrp="1"/>
+          </p:cNvSpPr>
           <p:nvPr>
-            <p:ph idx="2" type="body"/>
+            <p:ph type="body" idx="2"/>
           </p:nvPr>
         </p:nvSpPr>
         <p:spPr>
@@ -7601,11 +7465,11 @@
           </a:prstGeom>
         </p:spPr>
         <p:txBody>
-          <a:bodyPr anchorCtr="0" anchor="t" bIns="91425" lIns="91425" spcFirstLastPara="1" rIns="91425" wrap="square" tIns="91425">
+          <a:bodyPr spcFirstLastPara="1" wrap="square" lIns="91425" tIns="91425" rIns="91425" bIns="91425" anchor="t" anchorCtr="0">
             <a:noAutofit/>
           </a:bodyPr>
           <a:lstStyle>
-            <a:lvl1pPr indent="-311150" lvl="0" marL="457200">
+            <a:lvl1pPr marL="457200" lvl="0" indent="-311150">
               <a:spcBef>
                 <a:spcPts val="0"/>
               </a:spcBef>
@@ -7616,7 +7480,7 @@
               <a:buChar char="●"/>
               <a:defRPr/>
             </a:lvl1pPr>
-            <a:lvl2pPr indent="-298450" lvl="1" marL="914400">
+            <a:lvl2pPr marL="914400" lvl="1" indent="-298450">
               <a:spcBef>
                 <a:spcPts val="1600"/>
               </a:spcBef>
@@ -7627,7 +7491,7 @@
               <a:buChar char="○"/>
               <a:defRPr/>
             </a:lvl2pPr>
-            <a:lvl3pPr indent="-298450" lvl="2" marL="1371600">
+            <a:lvl3pPr marL="1371600" lvl="2" indent="-298450">
               <a:spcBef>
                 <a:spcPts val="1600"/>
               </a:spcBef>
@@ -7638,7 +7502,7 @@
               <a:buChar char="■"/>
               <a:defRPr/>
             </a:lvl3pPr>
-            <a:lvl4pPr indent="-298450" lvl="3" marL="1828800">
+            <a:lvl4pPr marL="1828800" lvl="3" indent="-298450">
               <a:spcBef>
                 <a:spcPts val="1600"/>
               </a:spcBef>
@@ -7649,7 +7513,7 @@
               <a:buChar char="●"/>
               <a:defRPr/>
             </a:lvl4pPr>
-            <a:lvl5pPr indent="-298450" lvl="4" marL="2286000">
+            <a:lvl5pPr marL="2286000" lvl="4" indent="-298450">
               <a:spcBef>
                 <a:spcPts val="1600"/>
               </a:spcBef>
@@ -7660,7 +7524,7 @@
               <a:buChar char="○"/>
               <a:defRPr/>
             </a:lvl5pPr>
-            <a:lvl6pPr indent="-298450" lvl="5" marL="2743200">
+            <a:lvl6pPr marL="2743200" lvl="5" indent="-298450">
               <a:spcBef>
                 <a:spcPts val="1600"/>
               </a:spcBef>
@@ -7671,7 +7535,7 @@
               <a:buChar char="■"/>
               <a:defRPr/>
             </a:lvl6pPr>
-            <a:lvl7pPr indent="-298450" lvl="6" marL="3200400">
+            <a:lvl7pPr marL="3200400" lvl="6" indent="-298450">
               <a:spcBef>
                 <a:spcPts val="1600"/>
               </a:spcBef>
@@ -7682,7 +7546,7 @@
               <a:buChar char="●"/>
               <a:defRPr/>
             </a:lvl7pPr>
-            <a:lvl8pPr indent="-298450" lvl="7" marL="3657600">
+            <a:lvl8pPr marL="3657600" lvl="7" indent="-298450">
               <a:spcBef>
                 <a:spcPts val="1600"/>
               </a:spcBef>
@@ -7693,7 +7557,7 @@
               <a:buChar char="○"/>
               <a:defRPr/>
             </a:lvl8pPr>
-            <a:lvl9pPr indent="-298450" lvl="8" marL="4114800">
+            <a:lvl9pPr marL="4114800" lvl="8" indent="-298450">
               <a:spcBef>
                 <a:spcPts val="1600"/>
               </a:spcBef>
@@ -7705,15 +7569,19 @@
               <a:defRPr/>
             </a:lvl9pPr>
           </a:lstStyle>
-          <a:p/>
+          <a:p>
+            <a:endParaRPr/>
+          </a:p>
         </p:txBody>
       </p:sp>
       <p:sp>
         <p:nvSpPr>
           <p:cNvPr id="102" name="Google Shape;102;p9"/>
-          <p:cNvSpPr txBox="1"/>
+          <p:cNvSpPr txBox="1">
+            <a:spLocks noGrp="1"/>
+          </p:cNvSpPr>
           <p:nvPr>
-            <p:ph idx="12" type="sldNum"/>
+            <p:ph type="sldNum" idx="12"/>
           </p:nvPr>
         </p:nvSpPr>
         <p:spPr>
@@ -7726,7 +7594,7 @@
           </a:prstGeom>
         </p:spPr>
         <p:txBody>
-          <a:bodyPr anchorCtr="0" anchor="ctr" bIns="91425" lIns="91425" spcFirstLastPara="1" rIns="91425" wrap="square" tIns="91425">
+          <a:bodyPr spcFirstLastPara="1" wrap="square" lIns="91425" tIns="91425" rIns="91425" bIns="91425" anchor="ctr" anchorCtr="0">
             <a:noAutofit/>
           </a:bodyPr>
           <a:lstStyle>
@@ -7768,7 +7636,7 @@
             </a:lvl9pPr>
           </a:lstStyle>
           <a:p>
-            <a:pPr indent="0" lvl="0" marL="0" rtl="0" algn="r">
+            <a:pPr marL="0" lvl="0" indent="0" algn="r" rtl="0">
               <a:spcBef>
                 <a:spcPts val="0"/>
               </a:spcBef>
@@ -7794,18 +7662,19 @@
 </file>
 
 <file path=ppt/slideLayouts/slideLayout9.xml><?xml version="1.0" encoding="utf-8"?>
-<p:sldLayout xmlns:a="http://schemas.openxmlformats.org/drawingml/2006/main" xmlns:r="http://schemas.openxmlformats.org/officeDocument/2006/relationships" xmlns:mc="http://schemas.openxmlformats.org/markup-compatibility/2006" xmlns:mv="urn:schemas-microsoft-com:mac:vml" xmlns:p="http://schemas.openxmlformats.org/presentationml/2006/main" xmlns:c="http://schemas.openxmlformats.org/drawingml/2006/chart" xmlns:dgm="http://schemas.openxmlformats.org/drawingml/2006/diagram" xmlns:o="urn:schemas-microsoft-com:office:office" xmlns:v="urn:schemas-microsoft-com:vml" xmlns:pvml="urn:schemas-microsoft-com:office:powerpoint" xmlns:com="http://schemas.openxmlformats.org/drawingml/2006/compatibility" xmlns:p14="http://schemas.microsoft.com/office/powerpoint/2010/main" xmlns:p15="http://schemas.microsoft.com/office/powerpoint/2012/main" matchingName="Caption">
+<p:sldLayout xmlns:a="http://schemas.openxmlformats.org/drawingml/2006/main" xmlns:r="http://schemas.openxmlformats.org/officeDocument/2006/relationships" xmlns:p="http://schemas.openxmlformats.org/presentationml/2006/main" matchingName="Caption">
   <p:cSld name="CAPTION_ONLY">
     <p:bg>
       <p:bgPr>
         <a:solidFill>
           <a:schemeClr val="accent1"/>
         </a:solidFill>
+        <a:effectLst/>
       </p:bgPr>
     </p:bg>
     <p:spTree>
       <p:nvGrpSpPr>
-        <p:cNvPr id="103" name="Shape 103"/>
+        <p:cNvPr id="1" name="Shape 103"/>
         <p:cNvGrpSpPr/>
         <p:nvPr/>
       </p:nvGrpSpPr>
@@ -7839,12 +7708,12 @@
           </a:ln>
         </p:spPr>
         <p:txBody>
-          <a:bodyPr anchorCtr="0" anchor="ctr" bIns="91425" lIns="91425" spcFirstLastPara="1" rIns="91425" wrap="square" tIns="91425">
+          <a:bodyPr spcFirstLastPara="1" wrap="square" lIns="91425" tIns="91425" rIns="91425" bIns="91425" anchor="ctr" anchorCtr="0">
             <a:noAutofit/>
           </a:bodyPr>
           <a:lstStyle/>
           <a:p>
-            <a:pPr indent="0" lvl="0" marL="0" rtl="0" algn="l">
+            <a:pPr marL="0" lvl="0" indent="0" algn="l" rtl="0">
               <a:spcBef>
                 <a:spcPts val="0"/>
               </a:spcBef>
@@ -7853,9 +7722,6 @@
               </a:spcAft>
               <a:buNone/>
             </a:pPr>
-            <a:r>
-              <a:t/>
-            </a:r>
             <a:endParaRPr/>
           </a:p>
         </p:txBody>
@@ -7882,12 +7748,12 @@
           </a:ln>
         </p:spPr>
         <p:txBody>
-          <a:bodyPr anchorCtr="0" anchor="ctr" bIns="91425" lIns="91425" spcFirstLastPara="1" rIns="91425" wrap="square" tIns="91425">
+          <a:bodyPr spcFirstLastPara="1" wrap="square" lIns="91425" tIns="91425" rIns="91425" bIns="91425" anchor="ctr" anchorCtr="0">
             <a:noAutofit/>
           </a:bodyPr>
           <a:lstStyle/>
           <a:p>
-            <a:pPr indent="0" lvl="0" marL="0" rtl="0" algn="l">
+            <a:pPr marL="0" lvl="0" indent="0" algn="l" rtl="0">
               <a:spcBef>
                 <a:spcPts val="0"/>
               </a:spcBef>
@@ -7896,9 +7762,6 @@
               </a:spcAft>
               <a:buNone/>
             </a:pPr>
-            <a:r>
-              <a:t/>
-            </a:r>
             <a:endParaRPr/>
           </a:p>
         </p:txBody>
@@ -7924,7 +7787,7 @@
             <a:noFill/>
           </a:ln>
           <a:effectLst>
-            <a:outerShdw blurRad="228600" sx="101000" rotWithShape="0" algn="ctr" sy="101000">
+            <a:outerShdw blurRad="228600" sx="101000" sy="101000" algn="ctr" rotWithShape="0">
               <a:srgbClr val="000000">
                 <a:alpha val="40000"/>
               </a:srgbClr>
@@ -7932,12 +7795,12 @@
           </a:effectLst>
         </p:spPr>
         <p:txBody>
-          <a:bodyPr anchorCtr="0" anchor="ctr" bIns="91425" lIns="91425" spcFirstLastPara="1" rIns="91425" wrap="square" tIns="91425">
+          <a:bodyPr spcFirstLastPara="1" wrap="square" lIns="91425" tIns="91425" rIns="91425" bIns="91425" anchor="ctr" anchorCtr="0">
             <a:noAutofit/>
           </a:bodyPr>
           <a:lstStyle/>
           <a:p>
-            <a:pPr indent="0" lvl="0" marL="0" rtl="0" algn="l">
+            <a:pPr marL="0" lvl="0" indent="0" algn="l" rtl="0">
               <a:spcBef>
                 <a:spcPts val="0"/>
               </a:spcBef>
@@ -7946,9 +7809,6 @@
               </a:spcAft>
               <a:buNone/>
             </a:pPr>
-            <a:r>
-              <a:t/>
-            </a:r>
             <a:endParaRPr/>
           </a:p>
         </p:txBody>
@@ -7956,9 +7816,11 @@
       <p:sp>
         <p:nvSpPr>
           <p:cNvPr id="107" name="Google Shape;107;p10"/>
-          <p:cNvSpPr txBox="1"/>
+          <p:cNvSpPr txBox="1">
+            <a:spLocks noGrp="1"/>
+          </p:cNvSpPr>
           <p:nvPr>
-            <p:ph idx="1" type="body"/>
+            <p:ph type="body" idx="1"/>
           </p:nvPr>
         </p:nvSpPr>
         <p:spPr>
@@ -7971,11 +7833,11 @@
           </a:prstGeom>
         </p:spPr>
         <p:txBody>
-          <a:bodyPr anchorCtr="0" anchor="b" bIns="91425" lIns="91425" spcFirstLastPara="1" rIns="91425" wrap="square" tIns="91425">
+          <a:bodyPr spcFirstLastPara="1" wrap="square" lIns="91425" tIns="91425" rIns="91425" bIns="91425" anchor="b" anchorCtr="0">
             <a:noAutofit/>
           </a:bodyPr>
           <a:lstStyle>
-            <a:lvl1pPr indent="-228600" lvl="0" marL="457200">
+            <a:lvl1pPr marL="457200" lvl="0" indent="-228600">
               <a:lnSpc>
                 <a:spcPct val="100000"/>
               </a:lnSpc>
@@ -7990,15 +7852,19 @@
               <a:defRPr/>
             </a:lvl1pPr>
           </a:lstStyle>
-          <a:p/>
+          <a:p>
+            <a:endParaRPr/>
+          </a:p>
         </p:txBody>
       </p:sp>
       <p:sp>
         <p:nvSpPr>
           <p:cNvPr id="108" name="Google Shape;108;p10"/>
-          <p:cNvSpPr txBox="1"/>
+          <p:cNvSpPr txBox="1">
+            <a:spLocks noGrp="1"/>
+          </p:cNvSpPr>
           <p:nvPr>
-            <p:ph idx="12" type="sldNum"/>
+            <p:ph type="sldNum" idx="12"/>
           </p:nvPr>
         </p:nvSpPr>
         <p:spPr>
@@ -8011,7 +7877,7 @@
           </a:prstGeom>
         </p:spPr>
         <p:txBody>
-          <a:bodyPr anchorCtr="0" anchor="ctr" bIns="91425" lIns="91425" spcFirstLastPara="1" rIns="91425" wrap="square" tIns="91425">
+          <a:bodyPr spcFirstLastPara="1" wrap="square" lIns="91425" tIns="91425" rIns="91425" bIns="91425" anchor="ctr" anchorCtr="0">
             <a:noAutofit/>
           </a:bodyPr>
           <a:lstStyle>
@@ -8053,7 +7919,7 @@
             </a:lvl9pPr>
           </a:lstStyle>
           <a:p>
-            <a:pPr indent="0" lvl="0" marL="0" rtl="0" algn="r">
+            <a:pPr marL="0" lvl="0" indent="0" algn="r" rtl="0">
               <a:spcBef>
                 <a:spcPts val="0"/>
               </a:spcBef>
@@ -8079,18 +7945,19 @@
 </file>
 
 <file path=ppt/slideMasters/slideMaster1.xml><?xml version="1.0" encoding="utf-8"?>
-<p:sldMaster xmlns:a="http://schemas.openxmlformats.org/drawingml/2006/main" xmlns:r="http://schemas.openxmlformats.org/officeDocument/2006/relationships" xmlns:mc="http://schemas.openxmlformats.org/markup-compatibility/2006" xmlns:mv="urn:schemas-microsoft-com:mac:vml" xmlns:p="http://schemas.openxmlformats.org/presentationml/2006/main" xmlns:c="http://schemas.openxmlformats.org/drawingml/2006/chart" xmlns:dgm="http://schemas.openxmlformats.org/drawingml/2006/diagram" xmlns:o="urn:schemas-microsoft-com:office:office" xmlns:v="urn:schemas-microsoft-com:vml" xmlns:pvml="urn:schemas-microsoft-com:office:powerpoint" xmlns:com="http://schemas.openxmlformats.org/drawingml/2006/compatibility" xmlns:p14="http://schemas.microsoft.com/office/powerpoint/2010/main" xmlns:p15="http://schemas.microsoft.com/office/powerpoint/2012/main">
+<p:sldMaster xmlns:a="http://schemas.openxmlformats.org/drawingml/2006/main" xmlns:r="http://schemas.openxmlformats.org/officeDocument/2006/relationships" xmlns:p="http://schemas.openxmlformats.org/presentationml/2006/main">
   <p:cSld name="shift">
     <p:bg>
       <p:bgPr>
         <a:solidFill>
           <a:schemeClr val="dk1"/>
         </a:solidFill>
+        <a:effectLst/>
       </p:bgPr>
     </p:bg>
     <p:spTree>
       <p:nvGrpSpPr>
-        <p:cNvPr id="5" name="Shape 5"/>
+        <p:cNvPr id="1" name="Shape 5"/>
         <p:cNvGrpSpPr/>
         <p:nvPr/>
       </p:nvGrpSpPr>
@@ -8105,7 +7972,9 @@
       <p:sp>
         <p:nvSpPr>
           <p:cNvPr id="6" name="Google Shape;6;p1"/>
-          <p:cNvSpPr txBox="1"/>
+          <p:cNvSpPr txBox="1">
+            <a:spLocks noGrp="1"/>
+          </p:cNvSpPr>
           <p:nvPr>
             <p:ph type="title"/>
           </p:nvPr>
@@ -8124,7 +7993,7 @@
           </a:ln>
         </p:spPr>
         <p:txBody>
-          <a:bodyPr anchorCtr="0" anchor="t" bIns="91425" lIns="91425" spcFirstLastPara="1" rIns="91425" wrap="square" tIns="91425">
+          <a:bodyPr spcFirstLastPara="1" wrap="square" lIns="91425" tIns="91425" rIns="91425" bIns="91425" anchor="t" anchorCtr="0">
             <a:noAutofit/>
           </a:bodyPr>
           <a:lstStyle>
@@ -8336,15 +8205,19 @@
               </a:defRPr>
             </a:lvl9pPr>
           </a:lstStyle>
-          <a:p/>
+          <a:p>
+            <a:endParaRPr/>
+          </a:p>
         </p:txBody>
       </p:sp>
       <p:sp>
         <p:nvSpPr>
           <p:cNvPr id="7" name="Google Shape;7;p1"/>
-          <p:cNvSpPr txBox="1"/>
+          <p:cNvSpPr txBox="1">
+            <a:spLocks noGrp="1"/>
+          </p:cNvSpPr>
           <p:nvPr>
-            <p:ph idx="1" type="body"/>
+            <p:ph type="body" idx="1"/>
           </p:nvPr>
         </p:nvSpPr>
         <p:spPr>
@@ -8361,11 +8234,11 @@
           </a:ln>
         </p:spPr>
         <p:txBody>
-          <a:bodyPr anchorCtr="0" anchor="t" bIns="91425" lIns="91425" spcFirstLastPara="1" rIns="91425" wrap="square" tIns="91425">
+          <a:bodyPr spcFirstLastPara="1" wrap="square" lIns="91425" tIns="91425" rIns="91425" bIns="91425" anchor="t" anchorCtr="0">
             <a:noAutofit/>
           </a:bodyPr>
           <a:lstStyle>
-            <a:lvl1pPr indent="-311150" lvl="0" marL="457200">
+            <a:lvl1pPr marL="457200" lvl="0" indent="-311150">
               <a:lnSpc>
                 <a:spcPct val="115000"/>
               </a:lnSpc>
@@ -8391,7 +8264,7 @@
                 <a:sym typeface="Calibri"/>
               </a:defRPr>
             </a:lvl1pPr>
-            <a:lvl2pPr indent="-298450" lvl="1" marL="914400">
+            <a:lvl2pPr marL="914400" lvl="1" indent="-298450">
               <a:lnSpc>
                 <a:spcPct val="115000"/>
               </a:lnSpc>
@@ -8417,7 +8290,7 @@
                 <a:sym typeface="Calibri"/>
               </a:defRPr>
             </a:lvl2pPr>
-            <a:lvl3pPr indent="-298450" lvl="2" marL="1371600">
+            <a:lvl3pPr marL="1371600" lvl="2" indent="-298450">
               <a:lnSpc>
                 <a:spcPct val="115000"/>
               </a:lnSpc>
@@ -8443,7 +8316,7 @@
                 <a:sym typeface="Calibri"/>
               </a:defRPr>
             </a:lvl3pPr>
-            <a:lvl4pPr indent="-298450" lvl="3" marL="1828800">
+            <a:lvl4pPr marL="1828800" lvl="3" indent="-298450">
               <a:lnSpc>
                 <a:spcPct val="115000"/>
               </a:lnSpc>
@@ -8469,7 +8342,7 @@
                 <a:sym typeface="Calibri"/>
               </a:defRPr>
             </a:lvl4pPr>
-            <a:lvl5pPr indent="-298450" lvl="4" marL="2286000">
+            <a:lvl5pPr marL="2286000" lvl="4" indent="-298450">
               <a:lnSpc>
                 <a:spcPct val="115000"/>
               </a:lnSpc>
@@ -8495,7 +8368,7 @@
                 <a:sym typeface="Calibri"/>
               </a:defRPr>
             </a:lvl5pPr>
-            <a:lvl6pPr indent="-298450" lvl="5" marL="2743200">
+            <a:lvl6pPr marL="2743200" lvl="5" indent="-298450">
               <a:lnSpc>
                 <a:spcPct val="115000"/>
               </a:lnSpc>
@@ -8521,7 +8394,7 @@
                 <a:sym typeface="Calibri"/>
               </a:defRPr>
             </a:lvl6pPr>
-            <a:lvl7pPr indent="-298450" lvl="6" marL="3200400">
+            <a:lvl7pPr marL="3200400" lvl="6" indent="-298450">
               <a:lnSpc>
                 <a:spcPct val="115000"/>
               </a:lnSpc>
@@ -8547,7 +8420,7 @@
                 <a:sym typeface="Calibri"/>
               </a:defRPr>
             </a:lvl7pPr>
-            <a:lvl8pPr indent="-298450" lvl="7" marL="3657600">
+            <a:lvl8pPr marL="3657600" lvl="7" indent="-298450">
               <a:lnSpc>
                 <a:spcPct val="115000"/>
               </a:lnSpc>
@@ -8573,7 +8446,7 @@
                 <a:sym typeface="Calibri"/>
               </a:defRPr>
             </a:lvl8pPr>
-            <a:lvl9pPr indent="-298450" lvl="8" marL="4114800">
+            <a:lvl9pPr marL="4114800" lvl="8" indent="-298450">
               <a:lnSpc>
                 <a:spcPct val="115000"/>
               </a:lnSpc>
@@ -8600,15 +8473,19 @@
               </a:defRPr>
             </a:lvl9pPr>
           </a:lstStyle>
-          <a:p/>
+          <a:p>
+            <a:endParaRPr/>
+          </a:p>
         </p:txBody>
       </p:sp>
       <p:sp>
         <p:nvSpPr>
           <p:cNvPr id="8" name="Google Shape;8;p1"/>
-          <p:cNvSpPr txBox="1"/>
+          <p:cNvSpPr txBox="1">
+            <a:spLocks noGrp="1"/>
+          </p:cNvSpPr>
           <p:nvPr>
-            <p:ph idx="12" type="sldNum"/>
+            <p:ph type="sldNum" idx="12"/>
           </p:nvPr>
         </p:nvSpPr>
         <p:spPr>
@@ -8625,7 +8502,7 @@
           </a:ln>
         </p:spPr>
         <p:txBody>
-          <a:bodyPr anchorCtr="0" anchor="ctr" bIns="91425" lIns="91425" spcFirstLastPara="1" rIns="91425" wrap="square" tIns="91425">
+          <a:bodyPr spcFirstLastPara="1" wrap="square" lIns="91425" tIns="91425" rIns="91425" bIns="91425" anchor="ctr" anchorCtr="0">
             <a:noAutofit/>
           </a:bodyPr>
           <a:lstStyle>
@@ -8739,7 +8616,7 @@
             </a:lvl9pPr>
           </a:lstStyle>
           <a:p>
-            <a:pPr indent="0" lvl="0" marL="0" rtl="0" algn="r">
+            <a:pPr marL="0" lvl="0" indent="0" algn="r" rtl="0">
               <a:spcBef>
                 <a:spcPts val="0"/>
               </a:spcBef>
@@ -8758,7 +8635,7 @@
       </p:sp>
     </p:spTree>
   </p:cSld>
-  <p:clrMap accent1="accent1" accent2="accent2" accent3="accent3" accent4="accent4" accent5="accent5" accent6="accent6" bg1="lt1" bg2="dk2" tx1="dk1" tx2="lt2" folHlink="folHlink" hlink="hlink"/>
+  <p:clrMap bg1="lt1" tx1="dk1" bg2="dk2" tx2="lt2" accent1="accent1" accent2="accent2" accent3="accent3" accent4="accent4" accent5="accent5" accent6="accent6" hlink="hlink" folHlink="folHlink"/>
   <p:sldLayoutIdLst>
     <p:sldLayoutId id="2147483648" r:id="rId1"/>
     <p:sldLayoutId id="2147483649" r:id="rId2"/>
@@ -8772,10 +8649,10 @@
     <p:sldLayoutId id="2147483657" r:id="rId10"/>
     <p:sldLayoutId id="2147483658" r:id="rId11"/>
   </p:sldLayoutIdLst>
-  <p:hf dt="0" ftr="0" hdr="0" sldNum="0"/>
+  <p:hf sldNum="0" hdr="0" ftr="0" dt="0"/>
   <p:txStyles>
     <p:titleStyle>
-      <a:defPPr lvl="0" marR="0" rtl="0" algn="l">
+      <a:defPPr marR="0" lvl="0" algn="l" rtl="0">
         <a:lnSpc>
           <a:spcPct val="100000"/>
         </a:lnSpc>
@@ -8786,7 +8663,7 @@
           <a:spcPts val="0"/>
         </a:spcAft>
       </a:defPPr>
-      <a:lvl1pPr lvl="0" marR="0" rtl="0" algn="l">
+      <a:lvl1pPr marR="0" lvl="0" algn="l" rtl="0">
         <a:lnSpc>
           <a:spcPct val="100000"/>
         </a:lnSpc>
@@ -8800,7 +8677,7 @@
           <a:srgbClr val="000000"/>
         </a:buClr>
         <a:buFont typeface="Arial"/>
-        <a:defRPr b="0" i="0" sz="1400" u="none" cap="none" strike="noStrike">
+        <a:defRPr sz="1400" b="0" i="0" u="none" strike="noStrike" cap="none">
           <a:solidFill>
             <a:srgbClr val="000000"/>
           </a:solidFill>
@@ -8810,7 +8687,7 @@
           <a:sym typeface="Arial"/>
         </a:defRPr>
       </a:lvl1pPr>
-      <a:lvl2pPr lvl="1" marR="0" rtl="0" algn="l">
+      <a:lvl2pPr marR="0" lvl="1" algn="l" rtl="0">
         <a:lnSpc>
           <a:spcPct val="100000"/>
         </a:lnSpc>
@@ -8824,7 +8701,7 @@
           <a:srgbClr val="000000"/>
         </a:buClr>
         <a:buFont typeface="Arial"/>
-        <a:defRPr b="0" i="0" sz="1400" u="none" cap="none" strike="noStrike">
+        <a:defRPr sz="1400" b="0" i="0" u="none" strike="noStrike" cap="none">
           <a:solidFill>
             <a:srgbClr val="000000"/>
           </a:solidFill>
@@ -8834,7 +8711,7 @@
           <a:sym typeface="Arial"/>
         </a:defRPr>
       </a:lvl2pPr>
-      <a:lvl3pPr lvl="2" marR="0" rtl="0" algn="l">
+      <a:lvl3pPr marR="0" lvl="2" algn="l" rtl="0">
         <a:lnSpc>
           <a:spcPct val="100000"/>
         </a:lnSpc>
@@ -8848,7 +8725,7 @@
           <a:srgbClr val="000000"/>
         </a:buClr>
         <a:buFont typeface="Arial"/>
-        <a:defRPr b="0" i="0" sz="1400" u="none" cap="none" strike="noStrike">
+        <a:defRPr sz="1400" b="0" i="0" u="none" strike="noStrike" cap="none">
           <a:solidFill>
             <a:srgbClr val="000000"/>
           </a:solidFill>
@@ -8858,7 +8735,7 @@
           <a:sym typeface="Arial"/>
         </a:defRPr>
       </a:lvl3pPr>
-      <a:lvl4pPr lvl="3" marR="0" rtl="0" algn="l">
+      <a:lvl4pPr marR="0" lvl="3" algn="l" rtl="0">
         <a:lnSpc>
           <a:spcPct val="100000"/>
         </a:lnSpc>
@@ -8872,7 +8749,7 @@
           <a:srgbClr val="000000"/>
         </a:buClr>
         <a:buFont typeface="Arial"/>
-        <a:defRPr b="0" i="0" sz="1400" u="none" cap="none" strike="noStrike">
+        <a:defRPr sz="1400" b="0" i="0" u="none" strike="noStrike" cap="none">
           <a:solidFill>
             <a:srgbClr val="000000"/>
           </a:solidFill>
@@ -8882,7 +8759,7 @@
           <a:sym typeface="Arial"/>
         </a:defRPr>
       </a:lvl4pPr>
-      <a:lvl5pPr lvl="4" marR="0" rtl="0" algn="l">
+      <a:lvl5pPr marR="0" lvl="4" algn="l" rtl="0">
         <a:lnSpc>
           <a:spcPct val="100000"/>
         </a:lnSpc>
@@ -8896,7 +8773,7 @@
           <a:srgbClr val="000000"/>
         </a:buClr>
         <a:buFont typeface="Arial"/>
-        <a:defRPr b="0" i="0" sz="1400" u="none" cap="none" strike="noStrike">
+        <a:defRPr sz="1400" b="0" i="0" u="none" strike="noStrike" cap="none">
           <a:solidFill>
             <a:srgbClr val="000000"/>
           </a:solidFill>
@@ -8906,7 +8783,7 @@
           <a:sym typeface="Arial"/>
         </a:defRPr>
       </a:lvl5pPr>
-      <a:lvl6pPr lvl="5" marR="0" rtl="0" algn="l">
+      <a:lvl6pPr marR="0" lvl="5" algn="l" rtl="0">
         <a:lnSpc>
           <a:spcPct val="100000"/>
         </a:lnSpc>
@@ -8920,7 +8797,7 @@
           <a:srgbClr val="000000"/>
         </a:buClr>
         <a:buFont typeface="Arial"/>
-        <a:defRPr b="0" i="0" sz="1400" u="none" cap="none" strike="noStrike">
+        <a:defRPr sz="1400" b="0" i="0" u="none" strike="noStrike" cap="none">
           <a:solidFill>
             <a:srgbClr val="000000"/>
           </a:solidFill>
@@ -8930,7 +8807,7 @@
           <a:sym typeface="Arial"/>
         </a:defRPr>
       </a:lvl6pPr>
-      <a:lvl7pPr lvl="6" marR="0" rtl="0" algn="l">
+      <a:lvl7pPr marR="0" lvl="6" algn="l" rtl="0">
         <a:lnSpc>
           <a:spcPct val="100000"/>
         </a:lnSpc>
@@ -8944,7 +8821,7 @@
           <a:srgbClr val="000000"/>
         </a:buClr>
         <a:buFont typeface="Arial"/>
-        <a:defRPr b="0" i="0" sz="1400" u="none" cap="none" strike="noStrike">
+        <a:defRPr sz="1400" b="0" i="0" u="none" strike="noStrike" cap="none">
           <a:solidFill>
             <a:srgbClr val="000000"/>
           </a:solidFill>
@@ -8954,7 +8831,7 @@
           <a:sym typeface="Arial"/>
         </a:defRPr>
       </a:lvl7pPr>
-      <a:lvl8pPr lvl="7" marR="0" rtl="0" algn="l">
+      <a:lvl8pPr marR="0" lvl="7" algn="l" rtl="0">
         <a:lnSpc>
           <a:spcPct val="100000"/>
         </a:lnSpc>
@@ -8968,7 +8845,7 @@
           <a:srgbClr val="000000"/>
         </a:buClr>
         <a:buFont typeface="Arial"/>
-        <a:defRPr b="0" i="0" sz="1400" u="none" cap="none" strike="noStrike">
+        <a:defRPr sz="1400" b="0" i="0" u="none" strike="noStrike" cap="none">
           <a:solidFill>
             <a:srgbClr val="000000"/>
           </a:solidFill>
@@ -8978,7 +8855,7 @@
           <a:sym typeface="Arial"/>
         </a:defRPr>
       </a:lvl8pPr>
-      <a:lvl9pPr lvl="8" marR="0" rtl="0" algn="l">
+      <a:lvl9pPr marR="0" lvl="8" algn="l" rtl="0">
         <a:lnSpc>
           <a:spcPct val="100000"/>
         </a:lnSpc>
@@ -8992,7 +8869,7 @@
           <a:srgbClr val="000000"/>
         </a:buClr>
         <a:buFont typeface="Arial"/>
-        <a:defRPr b="0" i="0" sz="1400" u="none" cap="none" strike="noStrike">
+        <a:defRPr sz="1400" b="0" i="0" u="none" strike="noStrike" cap="none">
           <a:solidFill>
             <a:srgbClr val="000000"/>
           </a:solidFill>
@@ -9004,7 +8881,7 @@
       </a:lvl9pPr>
     </p:titleStyle>
     <p:bodyStyle>
-      <a:defPPr lvl="0" marR="0" rtl="0" algn="l">
+      <a:defPPr marR="0" lvl="0" algn="l" rtl="0">
         <a:lnSpc>
           <a:spcPct val="100000"/>
         </a:lnSpc>
@@ -9015,7 +8892,7 @@
           <a:spcPts val="0"/>
         </a:spcAft>
       </a:defPPr>
-      <a:lvl1pPr lvl="0" marR="0" rtl="0" algn="l">
+      <a:lvl1pPr marR="0" lvl="0" algn="l" rtl="0">
         <a:lnSpc>
           <a:spcPct val="100000"/>
         </a:lnSpc>
@@ -9029,7 +8906,7 @@
           <a:srgbClr val="000000"/>
         </a:buClr>
         <a:buFont typeface="Arial"/>
-        <a:defRPr b="0" i="0" sz="1400" u="none" cap="none" strike="noStrike">
+        <a:defRPr sz="1400" b="0" i="0" u="none" strike="noStrike" cap="none">
           <a:solidFill>
             <a:srgbClr val="000000"/>
           </a:solidFill>
@@ -9039,7 +8916,7 @@
           <a:sym typeface="Arial"/>
         </a:defRPr>
       </a:lvl1pPr>
-      <a:lvl2pPr lvl="1" marR="0" rtl="0" algn="l">
+      <a:lvl2pPr marR="0" lvl="1" algn="l" rtl="0">
         <a:lnSpc>
           <a:spcPct val="100000"/>
         </a:lnSpc>
@@ -9053,7 +8930,7 @@
           <a:srgbClr val="000000"/>
         </a:buClr>
         <a:buFont typeface="Arial"/>
-        <a:defRPr b="0" i="0" sz="1400" u="none" cap="none" strike="noStrike">
+        <a:defRPr sz="1400" b="0" i="0" u="none" strike="noStrike" cap="none">
           <a:solidFill>
             <a:srgbClr val="000000"/>
           </a:solidFill>
@@ -9063,7 +8940,7 @@
           <a:sym typeface="Arial"/>
         </a:defRPr>
       </a:lvl2pPr>
-      <a:lvl3pPr lvl="2" marR="0" rtl="0" algn="l">
+      <a:lvl3pPr marR="0" lvl="2" algn="l" rtl="0">
         <a:lnSpc>
           <a:spcPct val="100000"/>
         </a:lnSpc>
@@ -9077,7 +8954,7 @@
           <a:srgbClr val="000000"/>
         </a:buClr>
         <a:buFont typeface="Arial"/>
-        <a:defRPr b="0" i="0" sz="1400" u="none" cap="none" strike="noStrike">
+        <a:defRPr sz="1400" b="0" i="0" u="none" strike="noStrike" cap="none">
           <a:solidFill>
             <a:srgbClr val="000000"/>
           </a:solidFill>
@@ -9087,7 +8964,7 @@
           <a:sym typeface="Arial"/>
         </a:defRPr>
       </a:lvl3pPr>
-      <a:lvl4pPr lvl="3" marR="0" rtl="0" algn="l">
+      <a:lvl4pPr marR="0" lvl="3" algn="l" rtl="0">
         <a:lnSpc>
           <a:spcPct val="100000"/>
         </a:lnSpc>
@@ -9101,7 +8978,7 @@
           <a:srgbClr val="000000"/>
         </a:buClr>
         <a:buFont typeface="Arial"/>
-        <a:defRPr b="0" i="0" sz="1400" u="none" cap="none" strike="noStrike">
+        <a:defRPr sz="1400" b="0" i="0" u="none" strike="noStrike" cap="none">
           <a:solidFill>
             <a:srgbClr val="000000"/>
           </a:solidFill>
@@ -9111,7 +8988,7 @@
           <a:sym typeface="Arial"/>
         </a:defRPr>
       </a:lvl4pPr>
-      <a:lvl5pPr lvl="4" marR="0" rtl="0" algn="l">
+      <a:lvl5pPr marR="0" lvl="4" algn="l" rtl="0">
         <a:lnSpc>
           <a:spcPct val="100000"/>
         </a:lnSpc>
@@ -9125,7 +9002,7 @@
           <a:srgbClr val="000000"/>
         </a:buClr>
         <a:buFont typeface="Arial"/>
-        <a:defRPr b="0" i="0" sz="1400" u="none" cap="none" strike="noStrike">
+        <a:defRPr sz="1400" b="0" i="0" u="none" strike="noStrike" cap="none">
           <a:solidFill>
             <a:srgbClr val="000000"/>
           </a:solidFill>
@@ -9135,7 +9012,7 @@
           <a:sym typeface="Arial"/>
         </a:defRPr>
       </a:lvl5pPr>
-      <a:lvl6pPr lvl="5" marR="0" rtl="0" algn="l">
+      <a:lvl6pPr marR="0" lvl="5" algn="l" rtl="0">
         <a:lnSpc>
           <a:spcPct val="100000"/>
         </a:lnSpc>
@@ -9149,7 +9026,7 @@
           <a:srgbClr val="000000"/>
         </a:buClr>
         <a:buFont typeface="Arial"/>
-        <a:defRPr b="0" i="0" sz="1400" u="none" cap="none" strike="noStrike">
+        <a:defRPr sz="1400" b="0" i="0" u="none" strike="noStrike" cap="none">
           <a:solidFill>
             <a:srgbClr val="000000"/>
           </a:solidFill>
@@ -9159,7 +9036,7 @@
           <a:sym typeface="Arial"/>
         </a:defRPr>
       </a:lvl6pPr>
-      <a:lvl7pPr lvl="6" marR="0" rtl="0" algn="l">
+      <a:lvl7pPr marR="0" lvl="6" algn="l" rtl="0">
         <a:lnSpc>
           <a:spcPct val="100000"/>
         </a:lnSpc>
@@ -9173,7 +9050,7 @@
           <a:srgbClr val="000000"/>
         </a:buClr>
         <a:buFont typeface="Arial"/>
-        <a:defRPr b="0" i="0" sz="1400" u="none" cap="none" strike="noStrike">
+        <a:defRPr sz="1400" b="0" i="0" u="none" strike="noStrike" cap="none">
           <a:solidFill>
             <a:srgbClr val="000000"/>
           </a:solidFill>
@@ -9183,7 +9060,7 @@
           <a:sym typeface="Arial"/>
         </a:defRPr>
       </a:lvl7pPr>
-      <a:lvl8pPr lvl="7" marR="0" rtl="0" algn="l">
+      <a:lvl8pPr marR="0" lvl="7" algn="l" rtl="0">
         <a:lnSpc>
           <a:spcPct val="100000"/>
         </a:lnSpc>
@@ -9197,7 +9074,7 @@
           <a:srgbClr val="000000"/>
         </a:buClr>
         <a:buFont typeface="Arial"/>
-        <a:defRPr b="0" i="0" sz="1400" u="none" cap="none" strike="noStrike">
+        <a:defRPr sz="1400" b="0" i="0" u="none" strike="noStrike" cap="none">
           <a:solidFill>
             <a:srgbClr val="000000"/>
           </a:solidFill>
@@ -9207,7 +9084,7 @@
           <a:sym typeface="Arial"/>
         </a:defRPr>
       </a:lvl8pPr>
-      <a:lvl9pPr lvl="8" marR="0" rtl="0" algn="l">
+      <a:lvl9pPr marR="0" lvl="8" algn="l" rtl="0">
         <a:lnSpc>
           <a:spcPct val="100000"/>
         </a:lnSpc>
@@ -9221,7 +9098,7 @@
           <a:srgbClr val="000000"/>
         </a:buClr>
         <a:buFont typeface="Arial"/>
-        <a:defRPr b="0" i="0" sz="1400" u="none" cap="none" strike="noStrike">
+        <a:defRPr sz="1400" b="0" i="0" u="none" strike="noStrike" cap="none">
           <a:solidFill>
             <a:srgbClr val="000000"/>
           </a:solidFill>
@@ -9233,7 +9110,7 @@
       </a:lvl9pPr>
     </p:bodyStyle>
     <p:otherStyle>
-      <a:defPPr lvl="0" marR="0" rtl="0" algn="l">
+      <a:defPPr marR="0" lvl="0" algn="l" rtl="0">
         <a:lnSpc>
           <a:spcPct val="100000"/>
         </a:lnSpc>
@@ -9244,7 +9121,7 @@
           <a:spcPts val="0"/>
         </a:spcAft>
       </a:defPPr>
-      <a:lvl1pPr lvl="0" marR="0" rtl="0" algn="l">
+      <a:lvl1pPr marR="0" lvl="0" algn="l" rtl="0">
         <a:lnSpc>
           <a:spcPct val="100000"/>
         </a:lnSpc>
@@ -9258,7 +9135,7 @@
           <a:srgbClr val="000000"/>
         </a:buClr>
         <a:buFont typeface="Arial"/>
-        <a:defRPr b="0" i="0" sz="1400" u="none" cap="none" strike="noStrike">
+        <a:defRPr sz="1400" b="0" i="0" u="none" strike="noStrike" cap="none">
           <a:solidFill>
             <a:srgbClr val="000000"/>
           </a:solidFill>
@@ -9268,7 +9145,7 @@
           <a:sym typeface="Arial"/>
         </a:defRPr>
       </a:lvl1pPr>
-      <a:lvl2pPr lvl="1" marR="0" rtl="0" algn="l">
+      <a:lvl2pPr marR="0" lvl="1" algn="l" rtl="0">
         <a:lnSpc>
           <a:spcPct val="100000"/>
         </a:lnSpc>
@@ -9282,7 +9159,7 @@
           <a:srgbClr val="000000"/>
         </a:buClr>
         <a:buFont typeface="Arial"/>
-        <a:defRPr b="0" i="0" sz="1400" u="none" cap="none" strike="noStrike">
+        <a:defRPr sz="1400" b="0" i="0" u="none" strike="noStrike" cap="none">
           <a:solidFill>
             <a:srgbClr val="000000"/>
           </a:solidFill>
@@ -9292,7 +9169,7 @@
           <a:sym typeface="Arial"/>
         </a:defRPr>
       </a:lvl2pPr>
-      <a:lvl3pPr lvl="2" marR="0" rtl="0" algn="l">
+      <a:lvl3pPr marR="0" lvl="2" algn="l" rtl="0">
         <a:lnSpc>
           <a:spcPct val="100000"/>
         </a:lnSpc>
@@ -9306,7 +9183,7 @@
           <a:srgbClr val="000000"/>
         </a:buClr>
         <a:buFont typeface="Arial"/>
-        <a:defRPr b="0" i="0" sz="1400" u="none" cap="none" strike="noStrike">
+        <a:defRPr sz="1400" b="0" i="0" u="none" strike="noStrike" cap="none">
           <a:solidFill>
             <a:srgbClr val="000000"/>
           </a:solidFill>
@@ -9316,7 +9193,7 @@
           <a:sym typeface="Arial"/>
         </a:defRPr>
       </a:lvl3pPr>
-      <a:lvl4pPr lvl="3" marR="0" rtl="0" algn="l">
+      <a:lvl4pPr marR="0" lvl="3" algn="l" rtl="0">
         <a:lnSpc>
           <a:spcPct val="100000"/>
         </a:lnSpc>
@@ -9330,7 +9207,7 @@
           <a:srgbClr val="000000"/>
         </a:buClr>
         <a:buFont typeface="Arial"/>
-        <a:defRPr b="0" i="0" sz="1400" u="none" cap="none" strike="noStrike">
+        <a:defRPr sz="1400" b="0" i="0" u="none" strike="noStrike" cap="none">
           <a:solidFill>
             <a:srgbClr val="000000"/>
           </a:solidFill>
@@ -9340,7 +9217,7 @@
           <a:sym typeface="Arial"/>
         </a:defRPr>
       </a:lvl4pPr>
-      <a:lvl5pPr lvl="4" marR="0" rtl="0" algn="l">
+      <a:lvl5pPr marR="0" lvl="4" algn="l" rtl="0">
         <a:lnSpc>
           <a:spcPct val="100000"/>
         </a:lnSpc>
@@ -9354,7 +9231,7 @@
           <a:srgbClr val="000000"/>
         </a:buClr>
         <a:buFont typeface="Arial"/>
-        <a:defRPr b="0" i="0" sz="1400" u="none" cap="none" strike="noStrike">
+        <a:defRPr sz="1400" b="0" i="0" u="none" strike="noStrike" cap="none">
           <a:solidFill>
             <a:srgbClr val="000000"/>
           </a:solidFill>
@@ -9364,7 +9241,7 @@
           <a:sym typeface="Arial"/>
         </a:defRPr>
       </a:lvl5pPr>
-      <a:lvl6pPr lvl="5" marR="0" rtl="0" algn="l">
+      <a:lvl6pPr marR="0" lvl="5" algn="l" rtl="0">
         <a:lnSpc>
           <a:spcPct val="100000"/>
         </a:lnSpc>
@@ -9378,7 +9255,7 @@
           <a:srgbClr val="000000"/>
         </a:buClr>
         <a:buFont typeface="Arial"/>
-        <a:defRPr b="0" i="0" sz="1400" u="none" cap="none" strike="noStrike">
+        <a:defRPr sz="1400" b="0" i="0" u="none" strike="noStrike" cap="none">
           <a:solidFill>
             <a:srgbClr val="000000"/>
           </a:solidFill>
@@ -9388,7 +9265,7 @@
           <a:sym typeface="Arial"/>
         </a:defRPr>
       </a:lvl6pPr>
-      <a:lvl7pPr lvl="6" marR="0" rtl="0" algn="l">
+      <a:lvl7pPr marR="0" lvl="6" algn="l" rtl="0">
         <a:lnSpc>
           <a:spcPct val="100000"/>
         </a:lnSpc>
@@ -9402,7 +9279,7 @@
           <a:srgbClr val="000000"/>
         </a:buClr>
         <a:buFont typeface="Arial"/>
-        <a:defRPr b="0" i="0" sz="1400" u="none" cap="none" strike="noStrike">
+        <a:defRPr sz="1400" b="0" i="0" u="none" strike="noStrike" cap="none">
           <a:solidFill>
             <a:srgbClr val="000000"/>
           </a:solidFill>
@@ -9412,7 +9289,7 @@
           <a:sym typeface="Arial"/>
         </a:defRPr>
       </a:lvl7pPr>
-      <a:lvl8pPr lvl="7" marR="0" rtl="0" algn="l">
+      <a:lvl8pPr marR="0" lvl="7" algn="l" rtl="0">
         <a:lnSpc>
           <a:spcPct val="100000"/>
         </a:lnSpc>
@@ -9426,7 +9303,7 @@
           <a:srgbClr val="000000"/>
         </a:buClr>
         <a:buFont typeface="Arial"/>
-        <a:defRPr b="0" i="0" sz="1400" u="none" cap="none" strike="noStrike">
+        <a:defRPr sz="1400" b="0" i="0" u="none" strike="noStrike" cap="none">
           <a:solidFill>
             <a:srgbClr val="000000"/>
           </a:solidFill>
@@ -9436,7 +9313,7 @@
           <a:sym typeface="Arial"/>
         </a:defRPr>
       </a:lvl8pPr>
-      <a:lvl9pPr lvl="8" marR="0" rtl="0" algn="l">
+      <a:lvl9pPr marR="0" lvl="8" algn="l" rtl="0">
         <a:lnSpc>
           <a:spcPct val="100000"/>
         </a:lnSpc>
@@ -9450,7 +9327,7 @@
           <a:srgbClr val="000000"/>
         </a:buClr>
         <a:buFont typeface="Arial"/>
-        <a:defRPr b="0" i="0" sz="1400" u="none" cap="none" strike="noStrike">
+        <a:defRPr sz="1400" b="0" i="0" u="none" strike="noStrike" cap="none">
           <a:solidFill>
             <a:srgbClr val="000000"/>
           </a:solidFill>
@@ -9466,11 +9343,11 @@
 </file>
 
 <file path=ppt/slides/slide1.xml><?xml version="1.0" encoding="utf-8"?>
-<p:sld xmlns:a="http://schemas.openxmlformats.org/drawingml/2006/main" xmlns:r="http://schemas.openxmlformats.org/officeDocument/2006/relationships" xmlns:mc="http://schemas.openxmlformats.org/markup-compatibility/2006" xmlns:mv="urn:schemas-microsoft-com:mac:vml" xmlns:p="http://schemas.openxmlformats.org/presentationml/2006/main" xmlns:c="http://schemas.openxmlformats.org/drawingml/2006/chart" xmlns:dgm="http://schemas.openxmlformats.org/drawingml/2006/diagram" xmlns:o="urn:schemas-microsoft-com:office:office" xmlns:v="urn:schemas-microsoft-com:vml" xmlns:pvml="urn:schemas-microsoft-com:office:powerpoint" xmlns:com="http://schemas.openxmlformats.org/drawingml/2006/compatibility" xmlns:p14="http://schemas.microsoft.com/office/powerpoint/2010/main" xmlns:p15="http://schemas.microsoft.com/office/powerpoint/2012/main">
+<p:sld xmlns:a="http://schemas.openxmlformats.org/drawingml/2006/main" xmlns:r="http://schemas.openxmlformats.org/officeDocument/2006/relationships" xmlns:p="http://schemas.openxmlformats.org/presentationml/2006/main">
   <p:cSld>
     <p:spTree>
       <p:nvGrpSpPr>
-        <p:cNvPr id="127" name="Shape 127"/>
+        <p:cNvPr id="1" name="Shape 127"/>
         <p:cNvGrpSpPr/>
         <p:nvPr/>
       </p:nvGrpSpPr>
@@ -9485,7 +9362,9 @@
       <p:sp>
         <p:nvSpPr>
           <p:cNvPr id="128" name="Google Shape;128;p13"/>
-          <p:cNvSpPr txBox="1"/>
+          <p:cNvSpPr txBox="1">
+            <a:spLocks noGrp="1"/>
+          </p:cNvSpPr>
           <p:nvPr>
             <p:ph type="ctrTitle"/>
           </p:nvPr>
@@ -9500,12 +9379,12 @@
           </a:prstGeom>
         </p:spPr>
         <p:txBody>
-          <a:bodyPr anchorCtr="0" anchor="ctr" bIns="91425" lIns="91425" spcFirstLastPara="1" rIns="91425" wrap="square" tIns="91425">
+          <a:bodyPr spcFirstLastPara="1" wrap="square" lIns="91425" tIns="91425" rIns="91425" bIns="91425" anchor="ctr" anchorCtr="0">
             <a:noAutofit/>
           </a:bodyPr>
           <a:lstStyle/>
           <a:p>
-            <a:pPr indent="0" lvl="0" marL="0" rtl="0" algn="ctr">
+            <a:pPr marL="0" lvl="0" indent="0" algn="ctr" rtl="0">
               <a:spcBef>
                 <a:spcPts val="0"/>
               </a:spcBef>
@@ -9525,9 +9404,11 @@
       <p:sp>
         <p:nvSpPr>
           <p:cNvPr id="129" name="Google Shape;129;p13"/>
-          <p:cNvSpPr txBox="1"/>
+          <p:cNvSpPr txBox="1">
+            <a:spLocks noGrp="1"/>
+          </p:cNvSpPr>
           <p:nvPr>
-            <p:ph idx="1" type="subTitle"/>
+            <p:ph type="subTitle" idx="1"/>
           </p:nvPr>
         </p:nvSpPr>
         <p:spPr>
@@ -9540,12 +9421,12 @@
           </a:prstGeom>
         </p:spPr>
         <p:txBody>
-          <a:bodyPr anchorCtr="0" anchor="t" bIns="91425" lIns="91425" spcFirstLastPara="1" rIns="91425" wrap="square" tIns="91425">
+          <a:bodyPr spcFirstLastPara="1" wrap="square" lIns="91425" tIns="91425" rIns="91425" bIns="91425" anchor="t" anchorCtr="0">
             <a:noAutofit/>
           </a:bodyPr>
           <a:lstStyle/>
           <a:p>
-            <a:pPr indent="0" lvl="0" marL="0" rtl="0" algn="ctr">
+            <a:pPr marL="0" lvl="0" indent="0" algn="ctr" rtl="0">
               <a:spcBef>
                 <a:spcPts val="0"/>
               </a:spcBef>
@@ -9571,11 +9452,11 @@
 </file>
 
 <file path=ppt/slides/slide2.xml><?xml version="1.0" encoding="utf-8"?>
-<p:sld xmlns:a="http://schemas.openxmlformats.org/drawingml/2006/main" xmlns:r="http://schemas.openxmlformats.org/officeDocument/2006/relationships" xmlns:mc="http://schemas.openxmlformats.org/markup-compatibility/2006" xmlns:mv="urn:schemas-microsoft-com:mac:vml" xmlns:p="http://schemas.openxmlformats.org/presentationml/2006/main" xmlns:c="http://schemas.openxmlformats.org/drawingml/2006/chart" xmlns:dgm="http://schemas.openxmlformats.org/drawingml/2006/diagram" xmlns:o="urn:schemas-microsoft-com:office:office" xmlns:v="urn:schemas-microsoft-com:vml" xmlns:pvml="urn:schemas-microsoft-com:office:powerpoint" xmlns:com="http://schemas.openxmlformats.org/drawingml/2006/compatibility" xmlns:p14="http://schemas.microsoft.com/office/powerpoint/2010/main" xmlns:p15="http://schemas.microsoft.com/office/powerpoint/2012/main">
+<p:sld xmlns:a="http://schemas.openxmlformats.org/drawingml/2006/main" xmlns:r="http://schemas.openxmlformats.org/officeDocument/2006/relationships" xmlns:p="http://schemas.openxmlformats.org/presentationml/2006/main">
   <p:cSld>
     <p:spTree>
       <p:nvGrpSpPr>
-        <p:cNvPr id="133" name="Shape 133"/>
+        <p:cNvPr id="1" name="Shape 133"/>
         <p:cNvGrpSpPr/>
         <p:nvPr/>
       </p:nvGrpSpPr>
@@ -9590,7 +9471,9 @@
       <p:sp>
         <p:nvSpPr>
           <p:cNvPr id="134" name="Google Shape;134;p14"/>
-          <p:cNvSpPr txBox="1"/>
+          <p:cNvSpPr txBox="1">
+            <a:spLocks noGrp="1"/>
+          </p:cNvSpPr>
           <p:nvPr>
             <p:ph type="title"/>
           </p:nvPr>
@@ -9605,12 +9488,12 @@
           </a:prstGeom>
         </p:spPr>
         <p:txBody>
-          <a:bodyPr anchorCtr="0" anchor="t" bIns="91425" lIns="91425" spcFirstLastPara="1" rIns="91425" wrap="square" tIns="91425">
+          <a:bodyPr spcFirstLastPara="1" wrap="square" lIns="91425" tIns="91425" rIns="91425" bIns="91425" anchor="t" anchorCtr="0">
             <a:noAutofit/>
           </a:bodyPr>
           <a:lstStyle/>
           <a:p>
-            <a:pPr indent="0" lvl="0" marL="0" rtl="0" algn="l">
+            <a:pPr marL="0" lvl="0" indent="0" algn="l" rtl="0">
               <a:spcBef>
                 <a:spcPts val="0"/>
               </a:spcBef>
@@ -9630,9 +9513,11 @@
       <p:sp>
         <p:nvSpPr>
           <p:cNvPr id="135" name="Google Shape;135;p14"/>
-          <p:cNvSpPr txBox="1"/>
+          <p:cNvSpPr txBox="1">
+            <a:spLocks noGrp="1"/>
+          </p:cNvSpPr>
           <p:nvPr>
-            <p:ph idx="1" type="body"/>
+            <p:ph type="body" idx="1"/>
           </p:nvPr>
         </p:nvSpPr>
         <p:spPr>
@@ -9645,12 +9530,12 @@
           </a:prstGeom>
         </p:spPr>
         <p:txBody>
-          <a:bodyPr anchorCtr="0" anchor="t" bIns="91425" lIns="91425" spcFirstLastPara="1" rIns="91425" wrap="square" tIns="91425">
+          <a:bodyPr spcFirstLastPara="1" wrap="square" lIns="91425" tIns="91425" rIns="91425" bIns="91425" anchor="t" anchorCtr="0">
             <a:noAutofit/>
           </a:bodyPr>
           <a:lstStyle/>
           <a:p>
-            <a:pPr indent="-311150" lvl="0" marL="457200" rtl="0" algn="l">
+            <a:pPr marL="457200" lvl="0" indent="-311150" algn="l" rtl="0">
               <a:spcBef>
                 <a:spcPts val="0"/>
               </a:spcBef>
@@ -9667,7 +9552,7 @@
             <a:endParaRPr/>
           </a:p>
           <a:p>
-            <a:pPr indent="-311150" lvl="0" marL="457200" rtl="0" algn="l">
+            <a:pPr marL="457200" lvl="0" indent="-311150" algn="l" rtl="0">
               <a:spcBef>
                 <a:spcPts val="0"/>
               </a:spcBef>
@@ -9684,7 +9569,7 @@
             <a:endParaRPr/>
           </a:p>
           <a:p>
-            <a:pPr indent="-298450" lvl="1" marL="914400" rtl="0" algn="l">
+            <a:pPr marL="914400" lvl="1" indent="-298450" algn="l" rtl="0">
               <a:spcBef>
                 <a:spcPts val="0"/>
               </a:spcBef>
@@ -9711,11 +9596,11 @@
 </file>
 
 <file path=ppt/slides/slide3.xml><?xml version="1.0" encoding="utf-8"?>
-<p:sld xmlns:a="http://schemas.openxmlformats.org/drawingml/2006/main" xmlns:r="http://schemas.openxmlformats.org/officeDocument/2006/relationships" xmlns:mc="http://schemas.openxmlformats.org/markup-compatibility/2006" xmlns:mv="urn:schemas-microsoft-com:mac:vml" xmlns:p="http://schemas.openxmlformats.org/presentationml/2006/main" xmlns:c="http://schemas.openxmlformats.org/drawingml/2006/chart" xmlns:dgm="http://schemas.openxmlformats.org/drawingml/2006/diagram" xmlns:o="urn:schemas-microsoft-com:office:office" xmlns:v="urn:schemas-microsoft-com:vml" xmlns:pvml="urn:schemas-microsoft-com:office:powerpoint" xmlns:com="http://schemas.openxmlformats.org/drawingml/2006/compatibility" xmlns:p14="http://schemas.microsoft.com/office/powerpoint/2010/main" xmlns:p15="http://schemas.microsoft.com/office/powerpoint/2012/main">
+<p:sld xmlns:a="http://schemas.openxmlformats.org/drawingml/2006/main" xmlns:r="http://schemas.openxmlformats.org/officeDocument/2006/relationships" xmlns:p="http://schemas.openxmlformats.org/presentationml/2006/main">
   <p:cSld>
     <p:spTree>
       <p:nvGrpSpPr>
-        <p:cNvPr id="139" name="Shape 139"/>
+        <p:cNvPr id="1" name="Shape 139"/>
         <p:cNvGrpSpPr/>
         <p:nvPr/>
       </p:nvGrpSpPr>
@@ -9730,7 +9615,9 @@
       <p:sp>
         <p:nvSpPr>
           <p:cNvPr id="140" name="Google Shape;140;p15"/>
-          <p:cNvSpPr txBox="1"/>
+          <p:cNvSpPr txBox="1">
+            <a:spLocks noGrp="1"/>
+          </p:cNvSpPr>
           <p:nvPr>
             <p:ph type="title"/>
           </p:nvPr>
@@ -9745,12 +9632,12 @@
           </a:prstGeom>
         </p:spPr>
         <p:txBody>
-          <a:bodyPr anchorCtr="0" anchor="t" bIns="91425" lIns="91425" spcFirstLastPara="1" rIns="91425" wrap="square" tIns="91425">
+          <a:bodyPr spcFirstLastPara="1" wrap="square" lIns="91425" tIns="91425" rIns="91425" bIns="91425" anchor="t" anchorCtr="0">
             <a:noAutofit/>
           </a:bodyPr>
           <a:lstStyle/>
           <a:p>
-            <a:pPr indent="0" lvl="0" marL="0" rtl="0" algn="l">
+            <a:pPr marL="0" lvl="0" indent="0" algn="l" rtl="0">
               <a:spcBef>
                 <a:spcPts val="0"/>
               </a:spcBef>
@@ -9770,9 +9657,11 @@
       <p:sp>
         <p:nvSpPr>
           <p:cNvPr id="141" name="Google Shape;141;p15"/>
-          <p:cNvSpPr txBox="1"/>
+          <p:cNvSpPr txBox="1">
+            <a:spLocks noGrp="1"/>
+          </p:cNvSpPr>
           <p:nvPr>
-            <p:ph idx="1" type="body"/>
+            <p:ph type="body" idx="1"/>
           </p:nvPr>
         </p:nvSpPr>
         <p:spPr>
@@ -9785,12 +9674,12 @@
           </a:prstGeom>
         </p:spPr>
         <p:txBody>
-          <a:bodyPr anchorCtr="0" anchor="t" bIns="91425" lIns="91425" spcFirstLastPara="1" rIns="91425" wrap="square" tIns="91425">
+          <a:bodyPr spcFirstLastPara="1" wrap="square" lIns="91425" tIns="91425" rIns="91425" bIns="91425" anchor="t" anchorCtr="0">
             <a:noAutofit/>
           </a:bodyPr>
           <a:lstStyle/>
           <a:p>
-            <a:pPr indent="-311150" lvl="0" marL="457200" rtl="0" algn="l">
+            <a:pPr marL="457200" lvl="0" indent="-311150" algn="l" rtl="0">
               <a:spcBef>
                 <a:spcPts val="0"/>
               </a:spcBef>
@@ -9800,9 +9689,6 @@
               <a:buSzPts val="1300"/>
               <a:buChar char="●"/>
             </a:pPr>
-            <a:r>
-              <a:t/>
-            </a:r>
             <a:endParaRPr/>
           </a:p>
         </p:txBody>
@@ -9816,11 +9702,11 @@
 </file>
 
 <file path=ppt/slides/slide4.xml><?xml version="1.0" encoding="utf-8"?>
-<p:sld xmlns:a="http://schemas.openxmlformats.org/drawingml/2006/main" xmlns:r="http://schemas.openxmlformats.org/officeDocument/2006/relationships" xmlns:mc="http://schemas.openxmlformats.org/markup-compatibility/2006" xmlns:mv="urn:schemas-microsoft-com:mac:vml" xmlns:p="http://schemas.openxmlformats.org/presentationml/2006/main" xmlns:c="http://schemas.openxmlformats.org/drawingml/2006/chart" xmlns:dgm="http://schemas.openxmlformats.org/drawingml/2006/diagram" xmlns:o="urn:schemas-microsoft-com:office:office" xmlns:v="urn:schemas-microsoft-com:vml" xmlns:pvml="urn:schemas-microsoft-com:office:powerpoint" xmlns:com="http://schemas.openxmlformats.org/drawingml/2006/compatibility" xmlns:p14="http://schemas.microsoft.com/office/powerpoint/2010/main" xmlns:p15="http://schemas.microsoft.com/office/powerpoint/2012/main">
+<p:sld xmlns:a="http://schemas.openxmlformats.org/drawingml/2006/main" xmlns:r="http://schemas.openxmlformats.org/officeDocument/2006/relationships" xmlns:p="http://schemas.openxmlformats.org/presentationml/2006/main">
   <p:cSld>
     <p:spTree>
       <p:nvGrpSpPr>
-        <p:cNvPr id="145" name="Shape 145"/>
+        <p:cNvPr id="1" name="Shape 145"/>
         <p:cNvGrpSpPr/>
         <p:nvPr/>
       </p:nvGrpSpPr>
@@ -9835,7 +9721,9 @@
       <p:sp>
         <p:nvSpPr>
           <p:cNvPr id="146" name="Google Shape;146;p16"/>
-          <p:cNvSpPr txBox="1"/>
+          <p:cNvSpPr txBox="1">
+            <a:spLocks noGrp="1"/>
+          </p:cNvSpPr>
           <p:nvPr>
             <p:ph type="title"/>
           </p:nvPr>
@@ -9850,12 +9738,12 @@
           </a:prstGeom>
         </p:spPr>
         <p:txBody>
-          <a:bodyPr anchorCtr="0" anchor="t" bIns="91425" lIns="91425" spcFirstLastPara="1" rIns="91425" wrap="square" tIns="91425">
+          <a:bodyPr spcFirstLastPara="1" wrap="square" lIns="91425" tIns="91425" rIns="91425" bIns="91425" anchor="t" anchorCtr="0">
             <a:noAutofit/>
           </a:bodyPr>
           <a:lstStyle/>
           <a:p>
-            <a:pPr indent="0" lvl="0" marL="0" rtl="0" algn="l">
+            <a:pPr marL="0" lvl="0" indent="0" algn="l" rtl="0">
               <a:spcBef>
                 <a:spcPts val="0"/>
               </a:spcBef>
@@ -9875,9 +9763,11 @@
       <p:sp>
         <p:nvSpPr>
           <p:cNvPr id="147" name="Google Shape;147;p16"/>
-          <p:cNvSpPr txBox="1"/>
+          <p:cNvSpPr txBox="1">
+            <a:spLocks noGrp="1"/>
+          </p:cNvSpPr>
           <p:nvPr>
-            <p:ph idx="1" type="body"/>
+            <p:ph type="body" idx="1"/>
           </p:nvPr>
         </p:nvSpPr>
         <p:spPr>
@@ -9890,12 +9780,12 @@
           </a:prstGeom>
         </p:spPr>
         <p:txBody>
-          <a:bodyPr anchorCtr="0" anchor="t" bIns="91425" lIns="91425" spcFirstLastPara="1" rIns="91425" wrap="square" tIns="91425">
+          <a:bodyPr spcFirstLastPara="1" wrap="square" lIns="91425" tIns="91425" rIns="91425" bIns="91425" anchor="t" anchorCtr="0">
             <a:noAutofit/>
           </a:bodyPr>
           <a:lstStyle/>
           <a:p>
-            <a:pPr indent="-311150" lvl="0" marL="457200" rtl="0" algn="l">
+            <a:pPr marL="457200" lvl="0" indent="-311150" algn="l" rtl="0">
               <a:spcBef>
                 <a:spcPts val="0"/>
               </a:spcBef>
@@ -9912,7 +9802,7 @@
             <a:endParaRPr/>
           </a:p>
           <a:p>
-            <a:pPr indent="-311150" lvl="0" marL="457200" rtl="0" algn="l">
+            <a:pPr marL="457200" lvl="0" indent="-311150" algn="l" rtl="0">
               <a:spcBef>
                 <a:spcPts val="0"/>
               </a:spcBef>
@@ -9929,7 +9819,7 @@
             <a:endParaRPr/>
           </a:p>
           <a:p>
-            <a:pPr indent="-311150" lvl="0" marL="457200" rtl="0" algn="l">
+            <a:pPr marL="457200" lvl="0" indent="-311150" algn="l" rtl="0">
               <a:spcBef>
                 <a:spcPts val="0"/>
               </a:spcBef>
@@ -9956,11 +9846,11 @@
 </file>
 
 <file path=ppt/slides/slide5.xml><?xml version="1.0" encoding="utf-8"?>
-<p:sld xmlns:a="http://schemas.openxmlformats.org/drawingml/2006/main" xmlns:r="http://schemas.openxmlformats.org/officeDocument/2006/relationships" xmlns:mc="http://schemas.openxmlformats.org/markup-compatibility/2006" xmlns:mv="urn:schemas-microsoft-com:mac:vml" xmlns:p="http://schemas.openxmlformats.org/presentationml/2006/main" xmlns:c="http://schemas.openxmlformats.org/drawingml/2006/chart" xmlns:dgm="http://schemas.openxmlformats.org/drawingml/2006/diagram" xmlns:o="urn:schemas-microsoft-com:office:office" xmlns:v="urn:schemas-microsoft-com:vml" xmlns:pvml="urn:schemas-microsoft-com:office:powerpoint" xmlns:com="http://schemas.openxmlformats.org/drawingml/2006/compatibility" xmlns:p14="http://schemas.microsoft.com/office/powerpoint/2010/main" xmlns:p15="http://schemas.microsoft.com/office/powerpoint/2012/main">
+<p:sld xmlns:a="http://schemas.openxmlformats.org/drawingml/2006/main" xmlns:r="http://schemas.openxmlformats.org/officeDocument/2006/relationships" xmlns:p="http://schemas.openxmlformats.org/presentationml/2006/main">
   <p:cSld>
     <p:spTree>
       <p:nvGrpSpPr>
-        <p:cNvPr id="151" name="Shape 151"/>
+        <p:cNvPr id="1" name="Shape 157"/>
         <p:cNvGrpSpPr/>
         <p:nvPr/>
       </p:nvGrpSpPr>
@@ -9974,8 +9864,10 @@
       </p:grpSpPr>
       <p:sp>
         <p:nvSpPr>
-          <p:cNvPr id="152" name="Google Shape;152;p17"/>
-          <p:cNvSpPr txBox="1"/>
+          <p:cNvPr id="158" name="Google Shape;158;p18"/>
+          <p:cNvSpPr txBox="1">
+            <a:spLocks noGrp="1"/>
+          </p:cNvSpPr>
           <p:nvPr>
             <p:ph type="title"/>
           </p:nvPr>
@@ -9990,12 +9882,12 @@
           </a:prstGeom>
         </p:spPr>
         <p:txBody>
-          <a:bodyPr anchorCtr="0" anchor="t" bIns="91425" lIns="91425" spcFirstLastPara="1" rIns="91425" wrap="square" tIns="91425">
+          <a:bodyPr spcFirstLastPara="1" wrap="square" lIns="91425" tIns="91425" rIns="91425" bIns="91425" anchor="t" anchorCtr="0">
             <a:noAutofit/>
           </a:bodyPr>
           <a:lstStyle/>
           <a:p>
-            <a:pPr indent="0" lvl="0" marL="0" rtl="0" algn="l">
+            <a:pPr marL="0" lvl="0" indent="0" algn="l" rtl="0">
               <a:spcBef>
                 <a:spcPts val="0"/>
               </a:spcBef>
@@ -10006,7 +9898,7 @@
             </a:pPr>
             <a:r>
               <a:rPr lang="en-GB"/>
-              <a:t>Group matching</a:t>
+              <a:t>Task</a:t>
             </a:r>
             <a:endParaRPr/>
           </a:p>
@@ -10014,10 +9906,12 @@
       </p:sp>
       <p:sp>
         <p:nvSpPr>
-          <p:cNvPr id="153" name="Google Shape;153;p17"/>
-          <p:cNvSpPr txBox="1"/>
+          <p:cNvPr id="159" name="Google Shape;159;p18"/>
+          <p:cNvSpPr txBox="1">
+            <a:spLocks noGrp="1"/>
+          </p:cNvSpPr>
           <p:nvPr>
-            <p:ph idx="1" type="body"/>
+            <p:ph type="body" idx="1"/>
           </p:nvPr>
         </p:nvSpPr>
         <p:spPr>
@@ -10030,36 +9924,12 @@
           </a:prstGeom>
         </p:spPr>
         <p:txBody>
-          <a:bodyPr anchorCtr="0" anchor="t" bIns="91425" lIns="91425" spcFirstLastPara="1" rIns="91425" wrap="square" tIns="91425">
+          <a:bodyPr spcFirstLastPara="1" wrap="square" lIns="91425" tIns="91425" rIns="91425" bIns="91425" anchor="t" anchorCtr="0">
             <a:noAutofit/>
           </a:bodyPr>
           <a:lstStyle/>
           <a:p>
-            <a:pPr indent="-311150" lvl="0" marL="457200" marR="0" rtl="0" algn="l">
-              <a:lnSpc>
-                <a:spcPct val="115000"/>
-              </a:lnSpc>
-              <a:spcBef>
-                <a:spcPts val="0"/>
-              </a:spcBef>
-              <a:spcAft>
-                <a:spcPts val="0"/>
-              </a:spcAft>
-              <a:buClr>
-                <a:schemeClr val="dk2"/>
-              </a:buClr>
-              <a:buSzPts val="1300"/>
-              <a:buFont typeface="Calibri"/>
-              <a:buChar char="●"/>
-            </a:pPr>
-            <a:r>
-              <a:rPr lang="en-GB"/>
-              <a:t>We’ll do 2 people per printer</a:t>
-            </a:r>
-            <a:endParaRPr/>
-          </a:p>
-          <a:p>
-            <a:pPr indent="-311150" lvl="0" marL="457200" marR="0" rtl="0" algn="l">
+            <a:pPr marL="457200" marR="0" lvl="0" indent="-311150" algn="l" rtl="0">
               <a:lnSpc>
                 <a:spcPct val="115000"/>
               </a:lnSpc>
@@ -10073,10 +9943,89 @@
               <a:buChar char="●"/>
             </a:pPr>
             <a:r>
-              <a:rPr lang="en-GB"/>
-              <a:t>There’s probably enough printers for everyone, but I also want you to better know other people who’ll be joining the team </a:t>
+              <a:rPr lang="en-GB" dirty="0"/>
+              <a:t>Form groups of 2-3</a:t>
             </a:r>
-            <a:endParaRPr/>
+          </a:p>
+          <a:p>
+            <a:pPr marL="457200" marR="0" lvl="0" indent="-311150" algn="l" rtl="0">
+              <a:lnSpc>
+                <a:spcPct val="115000"/>
+              </a:lnSpc>
+              <a:spcBef>
+                <a:spcPts val="0"/>
+              </a:spcBef>
+              <a:spcAft>
+                <a:spcPts val="0"/>
+              </a:spcAft>
+              <a:buSzPts val="1300"/>
+              <a:buChar char="●"/>
+            </a:pPr>
+            <a:r>
+              <a:rPr lang="en-GB" dirty="0"/>
+              <a:t>Find answers to the worksheet online </a:t>
+            </a:r>
+            <a:endParaRPr dirty="0"/>
+          </a:p>
+          <a:p>
+            <a:pPr marL="457200" marR="0" lvl="0" indent="-311150" algn="l" rtl="0">
+              <a:lnSpc>
+                <a:spcPct val="115000"/>
+              </a:lnSpc>
+              <a:spcBef>
+                <a:spcPts val="0"/>
+              </a:spcBef>
+              <a:spcAft>
+                <a:spcPts val="0"/>
+              </a:spcAft>
+              <a:buSzPts val="1300"/>
+              <a:buChar char="●"/>
+            </a:pPr>
+            <a:r>
+              <a:rPr lang="en-GB" dirty="0"/>
+              <a:t>Just Google it</a:t>
+            </a:r>
+            <a:endParaRPr dirty="0"/>
+          </a:p>
+          <a:p>
+            <a:pPr marL="457200" marR="0" lvl="0" indent="-311150" algn="l" rtl="0">
+              <a:lnSpc>
+                <a:spcPct val="115000"/>
+              </a:lnSpc>
+              <a:spcBef>
+                <a:spcPts val="0"/>
+              </a:spcBef>
+              <a:spcAft>
+                <a:spcPts val="0"/>
+              </a:spcAft>
+              <a:buSzPts val="1300"/>
+              <a:buChar char="●"/>
+            </a:pPr>
+            <a:r>
+              <a:rPr lang="en-GB" dirty="0"/>
+              <a:t>Don’t look at the answer key (duh) </a:t>
+            </a:r>
+            <a:endParaRPr dirty="0"/>
+          </a:p>
+          <a:p>
+            <a:pPr marL="457200" marR="0" lvl="0" indent="-311150" algn="l" rtl="0">
+              <a:lnSpc>
+                <a:spcPct val="115000"/>
+              </a:lnSpc>
+              <a:spcBef>
+                <a:spcPts val="0"/>
+              </a:spcBef>
+              <a:spcAft>
+                <a:spcPts val="0"/>
+              </a:spcAft>
+              <a:buSzPts val="1300"/>
+              <a:buChar char="●"/>
+            </a:pPr>
+            <a:r>
+              <a:rPr lang="en-GB" dirty="0"/>
+              <a:t>Call the members running the workshop to tick off boxes when you’ve found answers to them </a:t>
+            </a:r>
+            <a:endParaRPr dirty="0"/>
           </a:p>
         </p:txBody>
       </p:sp>
@@ -10089,11 +10038,11 @@
 </file>
 
 <file path=ppt/slides/slide6.xml><?xml version="1.0" encoding="utf-8"?>
-<p:sld xmlns:a="http://schemas.openxmlformats.org/drawingml/2006/main" xmlns:r="http://schemas.openxmlformats.org/officeDocument/2006/relationships" xmlns:mc="http://schemas.openxmlformats.org/markup-compatibility/2006" xmlns:mv="urn:schemas-microsoft-com:mac:vml" xmlns:p="http://schemas.openxmlformats.org/presentationml/2006/main" xmlns:c="http://schemas.openxmlformats.org/drawingml/2006/chart" xmlns:dgm="http://schemas.openxmlformats.org/drawingml/2006/diagram" xmlns:o="urn:schemas-microsoft-com:office:office" xmlns:v="urn:schemas-microsoft-com:vml" xmlns:pvml="urn:schemas-microsoft-com:office:powerpoint" xmlns:com="http://schemas.openxmlformats.org/drawingml/2006/compatibility" xmlns:p14="http://schemas.microsoft.com/office/powerpoint/2010/main" xmlns:p15="http://schemas.microsoft.com/office/powerpoint/2012/main">
+<p:sld xmlns:a="http://schemas.openxmlformats.org/drawingml/2006/main" xmlns:r="http://schemas.openxmlformats.org/officeDocument/2006/relationships" xmlns:p="http://schemas.openxmlformats.org/presentationml/2006/main">
   <p:cSld>
     <p:spTree>
       <p:nvGrpSpPr>
-        <p:cNvPr id="157" name="Shape 157"/>
+        <p:cNvPr id="1" name=""/>
         <p:cNvGrpSpPr/>
         <p:nvPr/>
       </p:nvGrpSpPr>
@@ -10107,8 +10056,122 @@
       </p:grpSpPr>
       <p:sp>
         <p:nvSpPr>
-          <p:cNvPr id="158" name="Google Shape;158;p18"/>
-          <p:cNvSpPr txBox="1"/>
+          <p:cNvPr id="2" name="Title 1">
+            <a:extLst>
+              <a:ext uri="{FF2B5EF4-FFF2-40B4-BE49-F238E27FC236}">
+                <a16:creationId xmlns:a16="http://schemas.microsoft.com/office/drawing/2014/main" id="{AC597795-DD4A-4297-A689-0E77760F4F08}"/>
+              </a:ext>
+            </a:extLst>
+          </p:cNvPr>
+          <p:cNvSpPr>
+            <a:spLocks noGrp="1"/>
+          </p:cNvSpPr>
+          <p:nvPr>
+            <p:ph type="title"/>
+          </p:nvPr>
+        </p:nvSpPr>
+        <p:spPr/>
+        <p:txBody>
+          <a:bodyPr/>
+          <a:lstStyle/>
+          <a:p>
+            <a:r>
+              <a:rPr lang="en-US" dirty="0"/>
+              <a:t>C-Sketch</a:t>
+            </a:r>
+            <a:endParaRPr lang="en-CA" dirty="0"/>
+          </a:p>
+        </p:txBody>
+      </p:sp>
+      <p:sp>
+        <p:nvSpPr>
+          <p:cNvPr id="3" name="Text Placeholder 2">
+            <a:extLst>
+              <a:ext uri="{FF2B5EF4-FFF2-40B4-BE49-F238E27FC236}">
+                <a16:creationId xmlns:a16="http://schemas.microsoft.com/office/drawing/2014/main" id="{090698B5-F809-43DD-B9B8-F3FC41C2765F}"/>
+              </a:ext>
+            </a:extLst>
+          </p:cNvPr>
+          <p:cNvSpPr>
+            <a:spLocks noGrp="1"/>
+          </p:cNvSpPr>
+          <p:nvPr>
+            <p:ph type="body" idx="1"/>
+          </p:nvPr>
+        </p:nvSpPr>
+        <p:spPr/>
+        <p:txBody>
+          <a:bodyPr/>
+          <a:lstStyle/>
+          <a:p>
+            <a:r>
+              <a:rPr lang="en-US" dirty="0"/>
+              <a:t>In your group, pick a component that interests you and hold a quick c-sketch session</a:t>
+            </a:r>
+          </a:p>
+          <a:p>
+            <a:r>
+              <a:rPr lang="en-US" dirty="0"/>
+              <a:t>Each rotation will be 2 minutes</a:t>
+            </a:r>
+          </a:p>
+          <a:p>
+            <a:r>
+              <a:rPr lang="en-US" dirty="0"/>
+              <a:t>In C-sketches draw the component you are focusing on and think about how it might work in a functioning printer</a:t>
+            </a:r>
+          </a:p>
+          <a:p>
+            <a:r>
+              <a:rPr lang="en-US" dirty="0"/>
+              <a:t>Each rotation, you will switch designs with another member and try to add on to their idea</a:t>
+            </a:r>
+          </a:p>
+          <a:p>
+            <a:r>
+              <a:rPr lang="en-US" dirty="0"/>
+              <a:t>No need to be super technical</a:t>
+            </a:r>
+            <a:endParaRPr lang="en-CA" dirty="0"/>
+          </a:p>
+        </p:txBody>
+      </p:sp>
+    </p:spTree>
+    <p:extLst>
+      <p:ext uri="{BB962C8B-B14F-4D97-AF65-F5344CB8AC3E}">
+        <p14:creationId xmlns:p14="http://schemas.microsoft.com/office/powerpoint/2010/main" val="178169184"/>
+      </p:ext>
+    </p:extLst>
+  </p:cSld>
+  <p:clrMapOvr>
+    <a:masterClrMapping/>
+  </p:clrMapOvr>
+</p:sld>
+</file>
+
+<file path=ppt/slides/slide7.xml><?xml version="1.0" encoding="utf-8"?>
+<p:sld xmlns:a="http://schemas.openxmlformats.org/drawingml/2006/main" xmlns:r="http://schemas.openxmlformats.org/officeDocument/2006/relationships" xmlns:p="http://schemas.openxmlformats.org/presentationml/2006/main">
+  <p:cSld>
+    <p:spTree>
+      <p:nvGrpSpPr>
+        <p:cNvPr id="1" name="Shape 163"/>
+        <p:cNvGrpSpPr/>
+        <p:nvPr/>
+      </p:nvGrpSpPr>
+      <p:grpSpPr>
+        <a:xfrm>
+          <a:off x="0" y="0"/>
+          <a:ext cx="0" cy="0"/>
+          <a:chOff x="0" y="0"/>
+          <a:chExt cx="0" cy="0"/>
+        </a:xfrm>
+      </p:grpSpPr>
+      <p:sp>
+        <p:nvSpPr>
+          <p:cNvPr id="164" name="Google Shape;164;p19"/>
+          <p:cNvSpPr txBox="1">
+            <a:spLocks noGrp="1"/>
+          </p:cNvSpPr>
           <p:nvPr>
             <p:ph type="title"/>
           </p:nvPr>
@@ -10123,12 +10186,12 @@
           </a:prstGeom>
         </p:spPr>
         <p:txBody>
-          <a:bodyPr anchorCtr="0" anchor="t" bIns="91425" lIns="91425" spcFirstLastPara="1" rIns="91425" wrap="square" tIns="91425">
+          <a:bodyPr spcFirstLastPara="1" wrap="square" lIns="91425" tIns="91425" rIns="91425" bIns="91425" anchor="t" anchorCtr="0">
             <a:noAutofit/>
           </a:bodyPr>
           <a:lstStyle/>
           <a:p>
-            <a:pPr indent="0" lvl="0" marL="0" rtl="0" algn="l">
+            <a:pPr marL="0" lvl="0" indent="0" algn="l" rtl="0">
               <a:spcBef>
                 <a:spcPts val="0"/>
               </a:spcBef>
@@ -10139,7 +10202,7 @@
             </a:pPr>
             <a:r>
               <a:rPr lang="en-GB"/>
-              <a:t>Task</a:t>
+              <a:t>Some further readings</a:t>
             </a:r>
             <a:endParaRPr/>
           </a:p>
@@ -10147,10 +10210,12 @@
       </p:sp>
       <p:sp>
         <p:nvSpPr>
-          <p:cNvPr id="159" name="Google Shape;159;p18"/>
-          <p:cNvSpPr txBox="1"/>
+          <p:cNvPr id="165" name="Google Shape;165;p19"/>
+          <p:cNvSpPr txBox="1">
+            <a:spLocks noGrp="1"/>
+          </p:cNvSpPr>
           <p:nvPr>
-            <p:ph idx="1" type="body"/>
+            <p:ph type="body" idx="1"/>
           </p:nvPr>
         </p:nvSpPr>
         <p:spPr>
@@ -10163,181 +10228,12 @@
           </a:prstGeom>
         </p:spPr>
         <p:txBody>
-          <a:bodyPr anchorCtr="0" anchor="t" bIns="91425" lIns="91425" spcFirstLastPara="1" rIns="91425" wrap="square" tIns="91425">
+          <a:bodyPr spcFirstLastPara="1" wrap="square" lIns="91425" tIns="91425" rIns="91425" bIns="91425" anchor="t" anchorCtr="0">
             <a:noAutofit/>
           </a:bodyPr>
           <a:lstStyle/>
           <a:p>
-            <a:pPr indent="-311150" lvl="0" marL="457200" marR="0" rtl="0" algn="l">
-              <a:lnSpc>
-                <a:spcPct val="115000"/>
-              </a:lnSpc>
-              <a:spcBef>
-                <a:spcPts val="0"/>
-              </a:spcBef>
-              <a:spcAft>
-                <a:spcPts val="0"/>
-              </a:spcAft>
-              <a:buSzPts val="1300"/>
-              <a:buChar char="●"/>
-            </a:pPr>
-            <a:r>
-              <a:rPr lang="en-GB"/>
-              <a:t>Find answers to the worksheet online </a:t>
-            </a:r>
-            <a:endParaRPr/>
-          </a:p>
-          <a:p>
-            <a:pPr indent="-311150" lvl="0" marL="457200" marR="0" rtl="0" algn="l">
-              <a:lnSpc>
-                <a:spcPct val="115000"/>
-              </a:lnSpc>
-              <a:spcBef>
-                <a:spcPts val="0"/>
-              </a:spcBef>
-              <a:spcAft>
-                <a:spcPts val="0"/>
-              </a:spcAft>
-              <a:buSzPts val="1300"/>
-              <a:buChar char="●"/>
-            </a:pPr>
-            <a:r>
-              <a:rPr lang="en-GB"/>
-              <a:t>Just Google it</a:t>
-            </a:r>
-            <a:endParaRPr/>
-          </a:p>
-          <a:p>
-            <a:pPr indent="-311150" lvl="0" marL="457200" marR="0" rtl="0" algn="l">
-              <a:lnSpc>
-                <a:spcPct val="115000"/>
-              </a:lnSpc>
-              <a:spcBef>
-                <a:spcPts val="0"/>
-              </a:spcBef>
-              <a:spcAft>
-                <a:spcPts val="0"/>
-              </a:spcAft>
-              <a:buSzPts val="1300"/>
-              <a:buChar char="●"/>
-            </a:pPr>
-            <a:r>
-              <a:rPr lang="en-GB"/>
-              <a:t>Don’t look at the answer key (duh) </a:t>
-            </a:r>
-            <a:endParaRPr/>
-          </a:p>
-          <a:p>
-            <a:pPr indent="-311150" lvl="0" marL="457200" marR="0" rtl="0" algn="l">
-              <a:lnSpc>
-                <a:spcPct val="115000"/>
-              </a:lnSpc>
-              <a:spcBef>
-                <a:spcPts val="0"/>
-              </a:spcBef>
-              <a:spcAft>
-                <a:spcPts val="0"/>
-              </a:spcAft>
-              <a:buSzPts val="1300"/>
-              <a:buChar char="●"/>
-            </a:pPr>
-            <a:r>
-              <a:rPr lang="en-GB"/>
-              <a:t>Call the members running the workshop to tick off boxes when you’ve found answers to them </a:t>
-            </a:r>
-            <a:endParaRPr/>
-          </a:p>
-        </p:txBody>
-      </p:sp>
-    </p:spTree>
-  </p:cSld>
-  <p:clrMapOvr>
-    <a:masterClrMapping/>
-  </p:clrMapOvr>
-</p:sld>
-</file>
-
-<file path=ppt/slides/slide7.xml><?xml version="1.0" encoding="utf-8"?>
-<p:sld xmlns:a="http://schemas.openxmlformats.org/drawingml/2006/main" xmlns:r="http://schemas.openxmlformats.org/officeDocument/2006/relationships" xmlns:mc="http://schemas.openxmlformats.org/markup-compatibility/2006" xmlns:mv="urn:schemas-microsoft-com:mac:vml" xmlns:p="http://schemas.openxmlformats.org/presentationml/2006/main" xmlns:c="http://schemas.openxmlformats.org/drawingml/2006/chart" xmlns:dgm="http://schemas.openxmlformats.org/drawingml/2006/diagram" xmlns:o="urn:schemas-microsoft-com:office:office" xmlns:v="urn:schemas-microsoft-com:vml" xmlns:pvml="urn:schemas-microsoft-com:office:powerpoint" xmlns:com="http://schemas.openxmlformats.org/drawingml/2006/compatibility" xmlns:p14="http://schemas.microsoft.com/office/powerpoint/2010/main" xmlns:p15="http://schemas.microsoft.com/office/powerpoint/2012/main">
-  <p:cSld>
-    <p:spTree>
-      <p:nvGrpSpPr>
-        <p:cNvPr id="163" name="Shape 163"/>
-        <p:cNvGrpSpPr/>
-        <p:nvPr/>
-      </p:nvGrpSpPr>
-      <p:grpSpPr>
-        <a:xfrm>
-          <a:off x="0" y="0"/>
-          <a:ext cx="0" cy="0"/>
-          <a:chOff x="0" y="0"/>
-          <a:chExt cx="0" cy="0"/>
-        </a:xfrm>
-      </p:grpSpPr>
-      <p:sp>
-        <p:nvSpPr>
-          <p:cNvPr id="164" name="Google Shape;164;p19"/>
-          <p:cNvSpPr txBox="1"/>
-          <p:nvPr>
-            <p:ph type="title"/>
-          </p:nvPr>
-        </p:nvSpPr>
-        <p:spPr>
-          <a:xfrm>
-            <a:off x="819150" y="845600"/>
-            <a:ext cx="3709200" cy="1383000"/>
-          </a:xfrm>
-          <a:prstGeom prst="rect">
-            <a:avLst/>
-          </a:prstGeom>
-        </p:spPr>
-        <p:txBody>
-          <a:bodyPr anchorCtr="0" anchor="t" bIns="91425" lIns="91425" spcFirstLastPara="1" rIns="91425" wrap="square" tIns="91425">
-            <a:noAutofit/>
-          </a:bodyPr>
-          <a:lstStyle/>
-          <a:p>
-            <a:pPr indent="0" lvl="0" marL="0" rtl="0" algn="l">
-              <a:spcBef>
-                <a:spcPts val="0"/>
-              </a:spcBef>
-              <a:spcAft>
-                <a:spcPts val="0"/>
-              </a:spcAft>
-              <a:buNone/>
-            </a:pPr>
-            <a:r>
-              <a:rPr lang="en-GB"/>
-              <a:t>Some further readings</a:t>
-            </a:r>
-            <a:endParaRPr/>
-          </a:p>
-        </p:txBody>
-      </p:sp>
-      <p:sp>
-        <p:nvSpPr>
-          <p:cNvPr id="165" name="Google Shape;165;p19"/>
-          <p:cNvSpPr txBox="1"/>
-          <p:nvPr>
-            <p:ph idx="1" type="body"/>
-          </p:nvPr>
-        </p:nvSpPr>
-        <p:spPr>
-          <a:xfrm>
-            <a:off x="830700" y="2319050"/>
-            <a:ext cx="3709200" cy="2119800"/>
-          </a:xfrm>
-          <a:prstGeom prst="rect">
-            <a:avLst/>
-          </a:prstGeom>
-        </p:spPr>
-        <p:txBody>
-          <a:bodyPr anchorCtr="0" anchor="t" bIns="91425" lIns="91425" spcFirstLastPara="1" rIns="91425" wrap="square" tIns="91425">
-            <a:noAutofit/>
-          </a:bodyPr>
-          <a:lstStyle/>
-          <a:p>
-            <a:pPr indent="-311150" lvl="0" marL="457200" marR="0" rtl="0" algn="l">
+            <a:pPr marL="457200" marR="0" lvl="0" indent="-311150" algn="l" rtl="0">
               <a:lnSpc>
                 <a:spcPct val="115000"/>
               </a:lnSpc>
@@ -10383,7 +10279,7 @@
             <a:endParaRPr/>
           </a:p>
           <a:p>
-            <a:pPr indent="-311150" lvl="0" marL="457200" marR="0" rtl="0" algn="l">
+            <a:pPr marL="457200" marR="0" lvl="0" indent="-311150" algn="l" rtl="0">
               <a:lnSpc>
                 <a:spcPct val="115000"/>
               </a:lnSpc>
@@ -10426,7 +10322,7 @@
 </file>
 
 <file path=ppt/theme/theme1.xml><?xml version="1.0" encoding="utf-8"?>
-<a:theme xmlns:a="http://schemas.openxmlformats.org/drawingml/2006/main" xmlns:r="http://schemas.openxmlformats.org/officeDocument/2006/relationships" name="Shift">
+<a:theme xmlns:a="http://schemas.openxmlformats.org/drawingml/2006/main" name="Shift">
   <a:themeElements>
     <a:clrScheme name="Shift">
       <a:dk1>
@@ -10701,11 +10597,13 @@
       </a:bgFillStyleLst>
     </a:fmtScheme>
   </a:themeElements>
+  <a:objectDefaults/>
+  <a:extraClrSchemeLst/>
 </a:theme>
 </file>
 
 <file path=ppt/theme/theme2.xml><?xml version="1.0" encoding="utf-8"?>
-<a:theme xmlns:a="http://schemas.openxmlformats.org/drawingml/2006/main" xmlns:r="http://schemas.openxmlformats.org/officeDocument/2006/relationships">
+<a:theme xmlns:a="http://schemas.openxmlformats.org/drawingml/2006/main">
   <a:themeElements>
     <a:clrScheme name="Default">
       <a:dk1>
@@ -10980,5 +10878,7 @@
       </a:bgFillStyleLst>
     </a:fmtScheme>
   </a:themeElements>
+  <a:objectDefaults/>
+  <a:extraClrSchemeLst/>
 </a:theme>
 </file>